--- a/ban_be-tro_chuyen/Presentation1.pptx
+++ b/ban_be-tro_chuyen/Presentation1.pptx
@@ -8,7 +8,6 @@
     <p:sldId id="256" r:id="rId2"/>
     <p:sldId id="257" r:id="rId3"/>
     <p:sldId id="259" r:id="rId4"/>
-    <p:sldId id="258" r:id="rId5"/>
   </p:sldIdLst>
   <p:sldSz cx="12192000" cy="6858000"/>
   <p:notesSz cx="6858000" cy="9144000"/>
@@ -107,6 +106,11 @@
       </a:defRPr>
     </a:lvl9pPr>
   </p:defaultTextStyle>
+  <p:extLst>
+    <p:ext uri="{EFAFB233-063F-42B5-8137-9DF3F51BA10A}">
+      <p15:sldGuideLst xmlns:p15="http://schemas.microsoft.com/office/powerpoint/2012/main"/>
+    </p:ext>
+  </p:extLst>
 </p:presentation>
 </file>
 
@@ -259,7 +263,7 @@
           <a:p>
             <a:fld id="{EE7BA98D-8CE5-4ACE-8F2A-1F3ED17F4DA1}" type="datetimeFigureOut">
               <a:rPr lang="en-GB" smtClean="0"/>
-              <a:t>02/04/2025</a:t>
+              <a:t>16/04/2025</a:t>
             </a:fld>
             <a:endParaRPr lang="en-GB"/>
           </a:p>
@@ -459,7 +463,7 @@
           <a:p>
             <a:fld id="{EE7BA98D-8CE5-4ACE-8F2A-1F3ED17F4DA1}" type="datetimeFigureOut">
               <a:rPr lang="en-GB" smtClean="0"/>
-              <a:t>02/04/2025</a:t>
+              <a:t>16/04/2025</a:t>
             </a:fld>
             <a:endParaRPr lang="en-GB"/>
           </a:p>
@@ -669,7 +673,7 @@
           <a:p>
             <a:fld id="{EE7BA98D-8CE5-4ACE-8F2A-1F3ED17F4DA1}" type="datetimeFigureOut">
               <a:rPr lang="en-GB" smtClean="0"/>
-              <a:t>02/04/2025</a:t>
+              <a:t>16/04/2025</a:t>
             </a:fld>
             <a:endParaRPr lang="en-GB"/>
           </a:p>
@@ -869,7 +873,7 @@
           <a:p>
             <a:fld id="{EE7BA98D-8CE5-4ACE-8F2A-1F3ED17F4DA1}" type="datetimeFigureOut">
               <a:rPr lang="en-GB" smtClean="0"/>
-              <a:t>02/04/2025</a:t>
+              <a:t>16/04/2025</a:t>
             </a:fld>
             <a:endParaRPr lang="en-GB"/>
           </a:p>
@@ -1145,7 +1149,7 @@
           <a:p>
             <a:fld id="{EE7BA98D-8CE5-4ACE-8F2A-1F3ED17F4DA1}" type="datetimeFigureOut">
               <a:rPr lang="en-GB" smtClean="0"/>
-              <a:t>02/04/2025</a:t>
+              <a:t>16/04/2025</a:t>
             </a:fld>
             <a:endParaRPr lang="en-GB"/>
           </a:p>
@@ -1413,7 +1417,7 @@
           <a:p>
             <a:fld id="{EE7BA98D-8CE5-4ACE-8F2A-1F3ED17F4DA1}" type="datetimeFigureOut">
               <a:rPr lang="en-GB" smtClean="0"/>
-              <a:t>02/04/2025</a:t>
+              <a:t>16/04/2025</a:t>
             </a:fld>
             <a:endParaRPr lang="en-GB"/>
           </a:p>
@@ -1828,7 +1832,7 @@
           <a:p>
             <a:fld id="{EE7BA98D-8CE5-4ACE-8F2A-1F3ED17F4DA1}" type="datetimeFigureOut">
               <a:rPr lang="en-GB" smtClean="0"/>
-              <a:t>02/04/2025</a:t>
+              <a:t>16/04/2025</a:t>
             </a:fld>
             <a:endParaRPr lang="en-GB"/>
           </a:p>
@@ -1970,7 +1974,7 @@
           <a:p>
             <a:fld id="{EE7BA98D-8CE5-4ACE-8F2A-1F3ED17F4DA1}" type="datetimeFigureOut">
               <a:rPr lang="en-GB" smtClean="0"/>
-              <a:t>02/04/2025</a:t>
+              <a:t>16/04/2025</a:t>
             </a:fld>
             <a:endParaRPr lang="en-GB"/>
           </a:p>
@@ -2083,7 +2087,7 @@
           <a:p>
             <a:fld id="{EE7BA98D-8CE5-4ACE-8F2A-1F3ED17F4DA1}" type="datetimeFigureOut">
               <a:rPr lang="en-GB" smtClean="0"/>
-              <a:t>02/04/2025</a:t>
+              <a:t>16/04/2025</a:t>
             </a:fld>
             <a:endParaRPr lang="en-GB"/>
           </a:p>
@@ -2396,7 +2400,7 @@
           <a:p>
             <a:fld id="{EE7BA98D-8CE5-4ACE-8F2A-1F3ED17F4DA1}" type="datetimeFigureOut">
               <a:rPr lang="en-GB" smtClean="0"/>
-              <a:t>02/04/2025</a:t>
+              <a:t>16/04/2025</a:t>
             </a:fld>
             <a:endParaRPr lang="en-GB"/>
           </a:p>
@@ -2685,7 +2689,7 @@
           <a:p>
             <a:fld id="{EE7BA98D-8CE5-4ACE-8F2A-1F3ED17F4DA1}" type="datetimeFigureOut">
               <a:rPr lang="en-GB" smtClean="0"/>
-              <a:t>02/04/2025</a:t>
+              <a:t>16/04/2025</a:t>
             </a:fld>
             <a:endParaRPr lang="en-GB"/>
           </a:p>
@@ -2928,7 +2932,7 @@
           <a:p>
             <a:fld id="{EE7BA98D-8CE5-4ACE-8F2A-1F3ED17F4DA1}" type="datetimeFigureOut">
               <a:rPr lang="en-GB" smtClean="0"/>
-              <a:t>02/04/2025</a:t>
+              <a:t>16/04/2025</a:t>
             </a:fld>
             <a:endParaRPr lang="en-GB"/>
           </a:p>
@@ -3345,12 +3349,128 @@
           <a:chExt cx="0" cy="0"/>
         </a:xfrm>
       </p:grpSpPr>
+      <p:cxnSp>
+        <p:nvCxnSpPr>
+          <p:cNvPr id="11" name="Straight Connector 10">
+            <a:extLst>
+              <a:ext uri="{FF2B5EF4-FFF2-40B4-BE49-F238E27FC236}">
+                <a16:creationId xmlns:a16="http://schemas.microsoft.com/office/drawing/2014/main" id="{6319C913-3A55-9F8E-9D35-A6A9529B070E}"/>
+              </a:ext>
+            </a:extLst>
+          </p:cNvPr>
+          <p:cNvCxnSpPr>
+            <a:cxnSpLocks/>
+            <a:endCxn id="19" idx="0"/>
+          </p:cNvCxnSpPr>
+          <p:nvPr/>
+        </p:nvCxnSpPr>
+        <p:spPr>
+          <a:xfrm>
+            <a:off x="1804907" y="3679471"/>
+            <a:ext cx="0" cy="709649"/>
+          </a:xfrm>
+          <a:prstGeom prst="line">
+            <a:avLst/>
+          </a:prstGeom>
+        </p:spPr>
+        <p:style>
+          <a:lnRef idx="2">
+            <a:schemeClr val="accent1"/>
+          </a:lnRef>
+          <a:fillRef idx="0">
+            <a:schemeClr val="accent1"/>
+          </a:fillRef>
+          <a:effectRef idx="1">
+            <a:schemeClr val="accent1"/>
+          </a:effectRef>
+          <a:fontRef idx="minor">
+            <a:schemeClr val="tx1"/>
+          </a:fontRef>
+        </p:style>
+      </p:cxnSp>
+      <p:cxnSp>
+        <p:nvCxnSpPr>
+          <p:cNvPr id="8" name="Straight Connector 7">
+            <a:extLst>
+              <a:ext uri="{FF2B5EF4-FFF2-40B4-BE49-F238E27FC236}">
+                <a16:creationId xmlns:a16="http://schemas.microsoft.com/office/drawing/2014/main" id="{506734C1-99D8-105F-3F35-49EB92A037C4}"/>
+              </a:ext>
+            </a:extLst>
+          </p:cNvPr>
+          <p:cNvCxnSpPr>
+            <a:cxnSpLocks/>
+          </p:cNvCxnSpPr>
+          <p:nvPr/>
+        </p:nvCxnSpPr>
+        <p:spPr>
+          <a:xfrm>
+            <a:off x="2606888" y="983411"/>
+            <a:ext cx="3788162" cy="0"/>
+          </a:xfrm>
+          <a:prstGeom prst="line">
+            <a:avLst/>
+          </a:prstGeom>
+        </p:spPr>
+        <p:style>
+          <a:lnRef idx="2">
+            <a:schemeClr val="accent1"/>
+          </a:lnRef>
+          <a:fillRef idx="0">
+            <a:schemeClr val="accent1"/>
+          </a:fillRef>
+          <a:effectRef idx="1">
+            <a:schemeClr val="accent1"/>
+          </a:effectRef>
+          <a:fontRef idx="minor">
+            <a:schemeClr val="tx1"/>
+          </a:fontRef>
+        </p:style>
+      </p:cxnSp>
+      <p:cxnSp>
+        <p:nvCxnSpPr>
+          <p:cNvPr id="14" name="Straight Connector 13">
+            <a:extLst>
+              <a:ext uri="{FF2B5EF4-FFF2-40B4-BE49-F238E27FC236}">
+                <a16:creationId xmlns:a16="http://schemas.microsoft.com/office/drawing/2014/main" id="{28A4E889-C9E3-D3A2-903E-8A973FFBC786}"/>
+              </a:ext>
+            </a:extLst>
+          </p:cNvPr>
+          <p:cNvCxnSpPr>
+            <a:cxnSpLocks/>
+            <a:endCxn id="20" idx="1"/>
+          </p:cNvCxnSpPr>
+          <p:nvPr/>
+        </p:nvCxnSpPr>
+        <p:spPr>
+          <a:xfrm>
+            <a:off x="3066281" y="5366157"/>
+            <a:ext cx="2915591" cy="0"/>
+          </a:xfrm>
+          <a:prstGeom prst="line">
+            <a:avLst/>
+          </a:prstGeom>
+        </p:spPr>
+        <p:style>
+          <a:lnRef idx="2">
+            <a:schemeClr val="accent1"/>
+          </a:lnRef>
+          <a:fillRef idx="0">
+            <a:schemeClr val="accent1"/>
+          </a:fillRef>
+          <a:effectRef idx="1">
+            <a:schemeClr val="accent1"/>
+          </a:effectRef>
+          <a:fontRef idx="minor">
+            <a:schemeClr val="tx1"/>
+          </a:fontRef>
+        </p:style>
+      </p:cxnSp>
       <p:graphicFrame>
         <p:nvGraphicFramePr>
-          <p:cNvPr id="4" name="Table 3">
-            <a:extLst>
-              <a:ext uri="{FF2B5EF4-FFF2-40B4-BE49-F238E27FC236}">
-                <a16:creationId xmlns:a16="http://schemas.microsoft.com/office/drawing/2014/main" id="{C3B924BC-5042-0EC8-C03F-F12C20ACEF05}"/>
+          <p:cNvPr id="17" name="Table 16">
+            <a:extLst>
+              <a:ext uri="{FF2B5EF4-FFF2-40B4-BE49-F238E27FC236}">
+                <a16:creationId xmlns:a16="http://schemas.microsoft.com/office/drawing/2014/main" id="{457249F6-1A1B-4928-BF7F-59441FDB937A}"/>
               </a:ext>
             </a:extLst>
           </p:cNvPr>
@@ -3360,14 +3480,14 @@
           <p:nvPr>
             <p:extLst>
               <p:ext uri="{D42A27DB-BD31-4B8C-83A1-F6EECF244321}">
-                <p14:modId xmlns:p14="http://schemas.microsoft.com/office/powerpoint/2010/main" val="2331805952"/>
+                <p14:modId xmlns:p14="http://schemas.microsoft.com/office/powerpoint/2010/main" val="155550287"/>
               </p:ext>
             </p:extLst>
           </p:nvPr>
         </p:nvGraphicFramePr>
         <p:xfrm>
-          <a:off x="375726" y="385313"/>
-          <a:ext cx="1320802" cy="1428937"/>
+          <a:off x="653484" y="381342"/>
+          <a:ext cx="1953404" cy="3298129"/>
         </p:xfrm>
         <a:graphic>
           <a:graphicData uri="http://schemas.openxmlformats.org/drawingml/2006/table">
@@ -3376,173 +3496,195 @@
                 <a:tableStyleId>{5940675A-B579-460E-94D1-54222C63F5DA}</a:tableStyleId>
               </a:tblPr>
               <a:tblGrid>
-                <a:gridCol w="1320802">
+                <a:gridCol w="1953404">
                   <a:extLst>
                     <a:ext uri="{9D8B030D-6E8A-4147-A177-3AD203B41FA5}">
-                      <a16:colId xmlns:a16="http://schemas.microsoft.com/office/drawing/2014/main" val="2378980679"/>
+                      <a16:colId xmlns:a16="http://schemas.microsoft.com/office/drawing/2014/main" val="1547121828"/>
                     </a:ext>
                   </a:extLst>
                 </a:gridCol>
               </a:tblGrid>
-              <a:tr h="270697">
+              <a:tr h="372049">
                 <a:tc>
                   <a:txBody>
                     <a:bodyPr/>
                     <a:lstStyle/>
                     <a:p>
-                      <a:pPr>
-                        <a:buFontTx/>
-                        <a:buNone/>
-                      </a:pPr>
-                      <a:r>
-                        <a:rPr lang="en-GB" sz="1000" dirty="0" err="1"/>
+                      <a:r>
+                        <a:rPr lang="en-GB" dirty="0" err="1"/>
                         <a:t>Người</a:t>
                       </a:r>
                       <a:r>
-                        <a:rPr lang="en-GB" sz="1000" dirty="0"/>
+                        <a:rPr lang="en-GB" dirty="0"/>
                         <a:t> </a:t>
                       </a:r>
                       <a:r>
-                        <a:rPr lang="en-GB" sz="1000" dirty="0" err="1"/>
+                        <a:rPr lang="en-GB" dirty="0" err="1"/>
                         <a:t>dùng</a:t>
                       </a:r>
-                      <a:endParaRPr lang="en-GB" sz="1000" dirty="0"/>
+                      <a:endParaRPr lang="en-GB" dirty="0"/>
                     </a:p>
                   </a:txBody>
                   <a:tcPr/>
                 </a:tc>
                 <a:extLst>
                   <a:ext uri="{0D108BD9-81ED-4DB2-BD59-A6C34878D82A}">
-                    <a16:rowId xmlns:a16="http://schemas.microsoft.com/office/drawing/2014/main" val="767673807"/>
+                    <a16:rowId xmlns:a16="http://schemas.microsoft.com/office/drawing/2014/main" val="2631051632"/>
                   </a:ext>
                 </a:extLst>
               </a:tr>
-              <a:tr h="1098028">
+              <a:tr h="370840">
                 <a:tc>
                   <a:txBody>
                     <a:bodyPr/>
                     <a:lstStyle/>
                     <a:p>
-                      <a:pPr marL="0" indent="0">
-                        <a:buFontTx/>
-                        <a:buNone/>
-                      </a:pPr>
-                      <a:r>
-                        <a:rPr lang="en-GB" sz="1000" dirty="0"/>
-                        <a:t>Id</a:t>
+                      <a:r>
+                        <a:rPr lang="en-GB" dirty="0"/>
+                        <a:t>Id : string</a:t>
                       </a:r>
                     </a:p>
                     <a:p>
-                      <a:pPr marL="0" indent="0">
-                        <a:buFontTx/>
-                        <a:buNone/>
-                      </a:pPr>
-                      <a:r>
-                        <a:rPr lang="en-GB" sz="1000" dirty="0" err="1"/>
-                        <a:t>Tên</a:t>
-                      </a:r>
-                      <a:endParaRPr lang="en-GB" sz="1000" dirty="0"/>
+                      <a:r>
+                        <a:rPr lang="en-GB" dirty="0"/>
+                        <a:t>Name :string</a:t>
+                      </a:r>
                     </a:p>
                     <a:p>
-                      <a:pPr marL="0" indent="0">
-                        <a:buFontTx/>
-                        <a:buNone/>
-                      </a:pPr>
-                      <a:r>
-                        <a:rPr lang="en-GB" sz="1000" dirty="0"/>
-                        <a:t>Email</a:t>
+                      <a:r>
+                        <a:rPr lang="en-GB" dirty="0"/>
+                        <a:t>Ban be list :string</a:t>
                       </a:r>
                     </a:p>
                     <a:p>
-                      <a:pPr marL="0" indent="0">
-                        <a:buFontTx/>
-                        <a:buNone/>
-                      </a:pPr>
-                      <a:r>
-                        <a:rPr lang="en-GB" sz="1000" dirty="0" err="1"/>
-                        <a:t>Pasword</a:t>
-                      </a:r>
-                      <a:endParaRPr lang="en-GB" sz="1000" dirty="0"/>
-                    </a:p>
-                    <a:p>
-                      <a:pPr marL="0" indent="0">
-                        <a:buFontTx/>
-                        <a:buNone/>
-                      </a:pPr>
-                      <a:r>
-                        <a:rPr lang="en-GB" sz="1000" dirty="0"/>
-                        <a:t>Danh </a:t>
-                      </a:r>
-                      <a:r>
-                        <a:rPr lang="en-GB" sz="1000" dirty="0" err="1"/>
-                        <a:t>sách</a:t>
-                      </a:r>
-                      <a:r>
-                        <a:rPr lang="en-GB" sz="1000" dirty="0"/>
+                      <a:r>
+                        <a:rPr lang="en-GB" dirty="0" err="1"/>
+                        <a:t>Lịch</a:t>
+                      </a:r>
+                      <a:r>
+                        <a:rPr lang="en-GB" dirty="0"/>
                         <a:t> </a:t>
                       </a:r>
                       <a:r>
-                        <a:rPr lang="en-GB" sz="1000" dirty="0" err="1"/>
-                        <a:t>bạn</a:t>
-                      </a:r>
-                      <a:r>
-                        <a:rPr lang="en-GB" sz="1000" dirty="0"/>
-                        <a:t> </a:t>
-                      </a:r>
-                      <a:r>
-                        <a:rPr lang="en-GB" sz="1000" dirty="0" err="1"/>
-                        <a:t>bè</a:t>
-                      </a:r>
-                      <a:endParaRPr lang="en-GB" sz="1000" dirty="0"/>
-                    </a:p>
-                    <a:p>
-                      <a:pPr marL="0" indent="0">
-                        <a:buFontTx/>
-                        <a:buNone/>
-                      </a:pPr>
-                      <a:r>
-                        <a:rPr lang="en-GB" sz="1000" dirty="0" err="1"/>
-                        <a:t>Lịch</a:t>
-                      </a:r>
-                      <a:r>
-                        <a:rPr lang="en-GB" sz="1000" dirty="0"/>
-                        <a:t> </a:t>
-                      </a:r>
-                      <a:r>
-                        <a:rPr lang="en-GB" sz="1000" dirty="0" err="1"/>
+                        <a:rPr lang="en-GB" dirty="0" err="1"/>
                         <a:t>sử</a:t>
                       </a:r>
                       <a:r>
-                        <a:rPr lang="en-GB" sz="1000" dirty="0"/>
-                        <a:t> </a:t>
-                      </a:r>
-                      <a:r>
-                        <a:rPr lang="en-GB" sz="1000" dirty="0" err="1"/>
-                        <a:t>trò</a:t>
-                      </a:r>
-                      <a:r>
-                        <a:rPr lang="en-GB" sz="1000" dirty="0"/>
-                        <a:t> </a:t>
-                      </a:r>
-                      <a:r>
-                        <a:rPr lang="en-GB" sz="1000" dirty="0" err="1"/>
-                        <a:t>chuyện</a:t>
-                      </a:r>
-                      <a:endParaRPr lang="en-GB" sz="1000" dirty="0"/>
-                    </a:p>
-                    <a:p>
-                      <a:pPr marL="0" indent="0">
-                        <a:buFontTx/>
-                        <a:buNone/>
-                      </a:pPr>
-                      <a:endParaRPr lang="en-GB" sz="1000" dirty="0"/>
+                        <a:rPr lang="en-GB" dirty="0"/>
+                        <a:t> chat :list</a:t>
+                      </a:r>
+                      <a:r>
+                        <a:rPr lang="en-US" dirty="0"/>
+                        <a:t>&lt;string&gt;</a:t>
+                      </a:r>
+                      <a:endParaRPr lang="en-GB" dirty="0"/>
                     </a:p>
                   </a:txBody>
                   <a:tcPr/>
                 </a:tc>
                 <a:extLst>
                   <a:ext uri="{0D108BD9-81ED-4DB2-BD59-A6C34878D82A}">
-                    <a16:rowId xmlns:a16="http://schemas.microsoft.com/office/drawing/2014/main" val="3126855903"/>
+                    <a16:rowId xmlns:a16="http://schemas.microsoft.com/office/drawing/2014/main" val="835209514"/>
+                  </a:ext>
+                </a:extLst>
+              </a:tr>
+              <a:tr h="370840">
+                <a:tc>
+                  <a:txBody>
+                    <a:bodyPr/>
+                    <a:lstStyle/>
+                    <a:p>
+                      <a:r>
+                        <a:rPr lang="en-GB" dirty="0" err="1"/>
+                        <a:t>Thêm</a:t>
+                      </a:r>
+                      <a:r>
+                        <a:rPr lang="en-GB" dirty="0"/>
+                        <a:t> </a:t>
+                      </a:r>
+                      <a:r>
+                        <a:rPr lang="en-GB" dirty="0" err="1"/>
+                        <a:t>bạn</a:t>
+                      </a:r>
+                      <a:r>
+                        <a:rPr lang="en-GB" dirty="0"/>
+                        <a:t> </a:t>
+                      </a:r>
+                      <a:r>
+                        <a:rPr lang="en-GB" dirty="0" err="1"/>
+                        <a:t>bè</a:t>
+                      </a:r>
+                      <a:endParaRPr lang="en-GB" dirty="0"/>
+                    </a:p>
+                    <a:p>
+                      <a:r>
+                        <a:rPr lang="en-GB" dirty="0" err="1"/>
+                        <a:t>Xóa</a:t>
+                      </a:r>
+                      <a:r>
+                        <a:rPr lang="en-GB" dirty="0"/>
+                        <a:t> </a:t>
+                      </a:r>
+                      <a:r>
+                        <a:rPr lang="en-GB" dirty="0" err="1"/>
+                        <a:t>bạn</a:t>
+                      </a:r>
+                      <a:r>
+                        <a:rPr lang="en-GB" dirty="0"/>
+                        <a:t> </a:t>
+                      </a:r>
+                      <a:r>
+                        <a:rPr lang="en-GB" dirty="0" err="1"/>
+                        <a:t>bè</a:t>
+                      </a:r>
+                      <a:endParaRPr lang="en-GB" dirty="0"/>
+                    </a:p>
+                    <a:p>
+                      <a:r>
+                        <a:rPr lang="en-GB" dirty="0" err="1"/>
+                        <a:t>Tìm</a:t>
+                      </a:r>
+                      <a:r>
+                        <a:rPr lang="en-GB" dirty="0"/>
+                        <a:t> </a:t>
+                      </a:r>
+                      <a:r>
+                        <a:rPr lang="en-GB" dirty="0" err="1"/>
+                        <a:t>bạn</a:t>
+                      </a:r>
+                      <a:r>
+                        <a:rPr lang="en-GB" dirty="0"/>
+                        <a:t> </a:t>
+                      </a:r>
+                      <a:r>
+                        <a:rPr lang="en-GB" dirty="0" err="1"/>
+                        <a:t>bè</a:t>
+                      </a:r>
+                      <a:endParaRPr lang="en-GB" dirty="0"/>
+                    </a:p>
+                    <a:p>
+                      <a:r>
+                        <a:rPr lang="en-GB" dirty="0" err="1"/>
+                        <a:t>Tạo</a:t>
+                      </a:r>
+                      <a:r>
+                        <a:rPr lang="en-GB" dirty="0"/>
+                        <a:t> chat</a:t>
+                      </a:r>
+                    </a:p>
+                    <a:p>
+                      <a:r>
+                        <a:rPr lang="en-GB" dirty="0" err="1"/>
+                        <a:t>Gửi</a:t>
+                      </a:r>
+                      <a:endParaRPr lang="en-GB" dirty="0"/>
+                    </a:p>
+                  </a:txBody>
+                  <a:tcPr/>
+                </a:tc>
+                <a:extLst>
+                  <a:ext uri="{0D108BD9-81ED-4DB2-BD59-A6C34878D82A}">
+                    <a16:rowId xmlns:a16="http://schemas.microsoft.com/office/drawing/2014/main" val="3020599229"/>
                   </a:ext>
                 </a:extLst>
               </a:tr>
@@ -3552,10 +3694,10 @@
       </p:graphicFrame>
       <p:graphicFrame>
         <p:nvGraphicFramePr>
-          <p:cNvPr id="5" name="Table 4">
-            <a:extLst>
-              <a:ext uri="{FF2B5EF4-FFF2-40B4-BE49-F238E27FC236}">
-                <a16:creationId xmlns:a16="http://schemas.microsoft.com/office/drawing/2014/main" id="{CF37F26A-3015-21F9-45DE-749F4BCA0CE6}"/>
+          <p:cNvPr id="18" name="Table 17">
+            <a:extLst>
+              <a:ext uri="{FF2B5EF4-FFF2-40B4-BE49-F238E27FC236}">
+                <a16:creationId xmlns:a16="http://schemas.microsoft.com/office/drawing/2014/main" id="{A55513FB-DC58-8BB4-DC56-DD667EA9F3DC}"/>
               </a:ext>
             </a:extLst>
           </p:cNvPr>
@@ -3565,14 +3707,14 @@
           <p:nvPr>
             <p:extLst>
               <p:ext uri="{D42A27DB-BD31-4B8C-83A1-F6EECF244321}">
-                <p14:modId xmlns:p14="http://schemas.microsoft.com/office/powerpoint/2010/main" val="4147912838"/>
+                <p14:modId xmlns:p14="http://schemas.microsoft.com/office/powerpoint/2010/main" val="1565271764"/>
               </p:ext>
             </p:extLst>
           </p:nvPr>
         </p:nvGraphicFramePr>
         <p:xfrm>
-          <a:off x="3256950" y="627341"/>
-          <a:ext cx="929735" cy="944880"/>
+          <a:off x="6395050" y="201283"/>
+          <a:ext cx="2919562" cy="2194560"/>
         </p:xfrm>
         <a:graphic>
           <a:graphicData uri="http://schemas.openxmlformats.org/drawingml/2006/table">
@@ -3581,125 +3723,155 @@
                 <a:tableStyleId>{5940675A-B579-460E-94D1-54222C63F5DA}</a:tableStyleId>
               </a:tblPr>
               <a:tblGrid>
-                <a:gridCol w="929735">
+                <a:gridCol w="2919562">
                   <a:extLst>
                     <a:ext uri="{9D8B030D-6E8A-4147-A177-3AD203B41FA5}">
-                      <a16:colId xmlns:a16="http://schemas.microsoft.com/office/drawing/2014/main" val="2908259687"/>
+                      <a16:colId xmlns:a16="http://schemas.microsoft.com/office/drawing/2014/main" val="3316846029"/>
                     </a:ext>
                   </a:extLst>
                 </a:gridCol>
               </a:tblGrid>
-              <a:tr h="195296">
+              <a:tr h="337132">
                 <a:tc>
                   <a:txBody>
                     <a:bodyPr/>
                     <a:lstStyle/>
                     <a:p>
-                      <a:pPr>
-                        <a:buFontTx/>
-                        <a:buNone/>
-                      </a:pPr>
-                      <a:r>
-                        <a:rPr lang="en-GB" sz="1000" dirty="0" err="1"/>
+                      <a:r>
+                        <a:rPr lang="en-GB" dirty="0" err="1"/>
                         <a:t>Bạn</a:t>
                       </a:r>
                       <a:r>
-                        <a:rPr lang="en-GB" sz="1000" dirty="0"/>
+                        <a:rPr lang="en-GB" dirty="0"/>
                         <a:t> </a:t>
                       </a:r>
                       <a:r>
-                        <a:rPr lang="en-GB" sz="1000" dirty="0" err="1"/>
+                        <a:rPr lang="en-GB" dirty="0" err="1"/>
                         <a:t>bè</a:t>
                       </a:r>
-                      <a:endParaRPr lang="en-GB" sz="1000" dirty="0"/>
+                      <a:endParaRPr lang="en-GB" dirty="0"/>
                     </a:p>
                   </a:txBody>
                   <a:tcPr/>
                 </a:tc>
                 <a:extLst>
                   <a:ext uri="{0D108BD9-81ED-4DB2-BD59-A6C34878D82A}">
-                    <a16:rowId xmlns:a16="http://schemas.microsoft.com/office/drawing/2014/main" val="1416748595"/>
+                    <a16:rowId xmlns:a16="http://schemas.microsoft.com/office/drawing/2014/main" val="3945630116"/>
                   </a:ext>
                 </a:extLst>
               </a:tr>
-              <a:tr h="678049">
+              <a:tr h="370840">
                 <a:tc>
                   <a:txBody>
                     <a:bodyPr/>
                     <a:lstStyle/>
                     <a:p>
-                      <a:pPr marL="0" indent="0">
-                        <a:buFontTx/>
-                        <a:buNone/>
-                      </a:pPr>
-                      <a:r>
-                        <a:rPr lang="en-GB" sz="1000" dirty="0"/>
-                        <a:t>Id</a:t>
+                      <a:r>
+                        <a:rPr lang="en-GB" dirty="0"/>
+                        <a:t>Id :string</a:t>
                       </a:r>
                     </a:p>
                     <a:p>
-                      <a:pPr marL="0" indent="0">
-                        <a:buFontTx/>
-                        <a:buNone/>
-                      </a:pPr>
-                      <a:r>
-                        <a:rPr lang="en-GB" sz="1000" dirty="0" err="1"/>
-                        <a:t>Tên</a:t>
-                      </a:r>
-                      <a:endParaRPr lang="en-GB" sz="1000" dirty="0"/>
+                      <a:r>
+                        <a:rPr lang="en-GB" dirty="0"/>
+                        <a:t>Name :string</a:t>
+                      </a:r>
                     </a:p>
                     <a:p>
-                      <a:pPr marL="0" indent="0">
-                        <a:buFontTx/>
-                        <a:buNone/>
-                      </a:pPr>
-                      <a:r>
-                        <a:rPr lang="en-GB" sz="1000" dirty="0" err="1"/>
-                        <a:t>Trạng</a:t>
-                      </a:r>
-                      <a:r>
-                        <a:rPr lang="en-GB" sz="1000" dirty="0"/>
-                        <a:t> </a:t>
-                      </a:r>
-                      <a:r>
-                        <a:rPr lang="en-GB" sz="1000" dirty="0" err="1"/>
+                      <a:r>
+                        <a:rPr lang="en-GB" dirty="0"/>
+                        <a:t>Trang </a:t>
+                      </a:r>
+                      <a:r>
+                        <a:rPr lang="en-GB" dirty="0" err="1"/>
                         <a:t>thái</a:t>
                       </a:r>
-                      <a:endParaRPr lang="en-GB" sz="1000" dirty="0"/>
-                    </a:p>
-                    <a:p>
-                      <a:pPr marL="0" indent="0">
-                        <a:buFontTx/>
-                        <a:buNone/>
-                      </a:pPr>
-                      <a:r>
-                        <a:rPr lang="en-GB" sz="1000" dirty="0" err="1"/>
-                        <a:t>Loại</a:t>
-                      </a:r>
-                      <a:r>
-                        <a:rPr lang="en-GB" sz="1000" dirty="0"/>
-                        <a:t> </a:t>
-                      </a:r>
-                      <a:r>
-                        <a:rPr lang="en-GB" sz="1000" dirty="0" err="1"/>
-                        <a:t>quan</a:t>
-                      </a:r>
-                      <a:r>
-                        <a:rPr lang="en-GB" sz="1000" dirty="0"/>
-                        <a:t> </a:t>
-                      </a:r>
-                      <a:r>
-                        <a:rPr lang="en-GB" sz="1000" dirty="0" err="1"/>
-                        <a:t>hệ</a:t>
-                      </a:r>
-                      <a:endParaRPr lang="en-GB" sz="1000" dirty="0"/>
+                      <a:r>
+                        <a:rPr lang="en-GB" dirty="0"/>
+                        <a:t> :string</a:t>
+                      </a:r>
                     </a:p>
                   </a:txBody>
                   <a:tcPr/>
                 </a:tc>
                 <a:extLst>
                   <a:ext uri="{0D108BD9-81ED-4DB2-BD59-A6C34878D82A}">
-                    <a16:rowId xmlns:a16="http://schemas.microsoft.com/office/drawing/2014/main" val="3579525539"/>
+                    <a16:rowId xmlns:a16="http://schemas.microsoft.com/office/drawing/2014/main" val="1333942381"/>
+                  </a:ext>
+                </a:extLst>
+              </a:tr>
+              <a:tr h="370840">
+                <a:tc>
+                  <a:txBody>
+                    <a:bodyPr/>
+                    <a:lstStyle/>
+                    <a:p>
+                      <a:r>
+                        <a:rPr lang="en-GB" dirty="0" err="1"/>
+                        <a:t>Cháp</a:t>
+                      </a:r>
+                      <a:r>
+                        <a:rPr lang="en-GB" dirty="0"/>
+                        <a:t> </a:t>
+                      </a:r>
+                      <a:r>
+                        <a:rPr lang="en-GB" dirty="0" err="1"/>
+                        <a:t>nhận</a:t>
+                      </a:r>
+                      <a:endParaRPr lang="en-GB" dirty="0"/>
+                    </a:p>
+                    <a:p>
+                      <a:r>
+                        <a:rPr lang="en-GB" dirty="0" err="1"/>
+                        <a:t>Từ</a:t>
+                      </a:r>
+                      <a:r>
+                        <a:rPr lang="en-GB" dirty="0"/>
+                        <a:t> </a:t>
+                      </a:r>
+                      <a:r>
+                        <a:rPr lang="en-GB" dirty="0" err="1"/>
+                        <a:t>chối</a:t>
+                      </a:r>
+                      <a:endParaRPr lang="en-GB" dirty="0"/>
+                    </a:p>
+                    <a:p>
+                      <a:r>
+                        <a:rPr lang="en-GB" dirty="0" err="1"/>
+                        <a:t>Cập</a:t>
+                      </a:r>
+                      <a:r>
+                        <a:rPr lang="en-GB" dirty="0"/>
+                        <a:t> </a:t>
+                      </a:r>
+                      <a:r>
+                        <a:rPr lang="en-GB" dirty="0" err="1"/>
+                        <a:t>nhật</a:t>
+                      </a:r>
+                      <a:r>
+                        <a:rPr lang="en-GB" dirty="0"/>
+                        <a:t> </a:t>
+                      </a:r>
+                      <a:r>
+                        <a:rPr lang="en-GB" dirty="0" err="1"/>
+                        <a:t>trạng</a:t>
+                      </a:r>
+                      <a:r>
+                        <a:rPr lang="en-GB" dirty="0"/>
+                        <a:t> </a:t>
+                      </a:r>
+                      <a:r>
+                        <a:rPr lang="en-GB" dirty="0" err="1"/>
+                        <a:t>thái</a:t>
+                      </a:r>
+                      <a:endParaRPr lang="en-GB" dirty="0"/>
+                    </a:p>
+                  </a:txBody>
+                  <a:tcPr/>
+                </a:tc>
+                <a:extLst>
+                  <a:ext uri="{0D108BD9-81ED-4DB2-BD59-A6C34878D82A}">
+                    <a16:rowId xmlns:a16="http://schemas.microsoft.com/office/drawing/2014/main" val="2232789423"/>
                   </a:ext>
                 </a:extLst>
               </a:tr>
@@ -3709,10 +3881,10 @@
       </p:graphicFrame>
       <p:graphicFrame>
         <p:nvGraphicFramePr>
-          <p:cNvPr id="6" name="Table 5">
-            <a:extLst>
-              <a:ext uri="{FF2B5EF4-FFF2-40B4-BE49-F238E27FC236}">
-                <a16:creationId xmlns:a16="http://schemas.microsoft.com/office/drawing/2014/main" id="{35AD09D6-FF45-1D51-6B25-475C3A3367B1}"/>
+          <p:cNvPr id="19" name="Table 18">
+            <a:extLst>
+              <a:ext uri="{FF2B5EF4-FFF2-40B4-BE49-F238E27FC236}">
+                <a16:creationId xmlns:a16="http://schemas.microsoft.com/office/drawing/2014/main" id="{AECAEFBB-A5EA-DA5A-C6C7-AB2C616547DA}"/>
               </a:ext>
             </a:extLst>
           </p:cNvPr>
@@ -3722,14 +3894,14 @@
           <p:nvPr>
             <p:extLst>
               <p:ext uri="{D42A27DB-BD31-4B8C-83A1-F6EECF244321}">
-                <p14:modId xmlns:p14="http://schemas.microsoft.com/office/powerpoint/2010/main" val="4123408902"/>
+                <p14:modId xmlns:p14="http://schemas.microsoft.com/office/powerpoint/2010/main" val="309218074"/>
               </p:ext>
             </p:extLst>
           </p:nvPr>
         </p:nvGraphicFramePr>
         <p:xfrm>
-          <a:off x="6786113" y="719666"/>
-          <a:ext cx="1320802" cy="919480"/>
+          <a:off x="543533" y="4389120"/>
+          <a:ext cx="2522748" cy="2468880"/>
         </p:xfrm>
         <a:graphic>
           <a:graphicData uri="http://schemas.openxmlformats.org/drawingml/2006/table">
@@ -3738,10 +3910,195 @@
                 <a:tableStyleId>{5940675A-B579-460E-94D1-54222C63F5DA}</a:tableStyleId>
               </a:tblPr>
               <a:tblGrid>
-                <a:gridCol w="1320802">
+                <a:gridCol w="2522748">
                   <a:extLst>
                     <a:ext uri="{9D8B030D-6E8A-4147-A177-3AD203B41FA5}">
-                      <a16:colId xmlns:a16="http://schemas.microsoft.com/office/drawing/2014/main" val="4001956610"/>
+                      <a16:colId xmlns:a16="http://schemas.microsoft.com/office/drawing/2014/main" val="4162725174"/>
+                    </a:ext>
+                  </a:extLst>
+                </a:gridCol>
+              </a:tblGrid>
+              <a:tr h="0">
+                <a:tc>
+                  <a:txBody>
+                    <a:bodyPr/>
+                    <a:lstStyle/>
+                    <a:p>
+                      <a:r>
+                        <a:rPr lang="en-GB" dirty="0"/>
+                        <a:t>chat</a:t>
+                      </a:r>
+                    </a:p>
+                  </a:txBody>
+                  <a:tcPr/>
+                </a:tc>
+                <a:extLst>
+                  <a:ext uri="{0D108BD9-81ED-4DB2-BD59-A6C34878D82A}">
+                    <a16:rowId xmlns:a16="http://schemas.microsoft.com/office/drawing/2014/main" val="2662308873"/>
+                  </a:ext>
+                </a:extLst>
+              </a:tr>
+              <a:tr h="370840">
+                <a:tc>
+                  <a:txBody>
+                    <a:bodyPr/>
+                    <a:lstStyle/>
+                    <a:p>
+                      <a:r>
+                        <a:rPr lang="en-GB" dirty="0"/>
+                        <a:t>Id :string</a:t>
+                      </a:r>
+                    </a:p>
+                    <a:p>
+                      <a:r>
+                        <a:rPr lang="en-GB" dirty="0" err="1"/>
+                        <a:t>Người</a:t>
+                      </a:r>
+                      <a:r>
+                        <a:rPr lang="en-GB" dirty="0"/>
+                        <a:t> </a:t>
+                      </a:r>
+                      <a:r>
+                        <a:rPr lang="en-GB" dirty="0" err="1"/>
+                        <a:t>tham</a:t>
+                      </a:r>
+                      <a:r>
+                        <a:rPr lang="en-GB" dirty="0"/>
+                        <a:t> </a:t>
+                      </a:r>
+                      <a:r>
+                        <a:rPr lang="en-GB" dirty="0" err="1"/>
+                        <a:t>gia</a:t>
+                      </a:r>
+                      <a:r>
+                        <a:rPr lang="en-GB" dirty="0"/>
+                        <a:t> :list&lt;string&gt;</a:t>
+                      </a:r>
+                    </a:p>
+                    <a:p>
+                      <a:r>
+                        <a:rPr lang="en-GB" dirty="0"/>
+                        <a:t>Tin </a:t>
+                      </a:r>
+                      <a:r>
+                        <a:rPr lang="en-GB" dirty="0" err="1"/>
+                        <a:t>nhắn</a:t>
+                      </a:r>
+                      <a:r>
+                        <a:rPr lang="en-GB" dirty="0"/>
+                        <a:t> :list&lt;string&gt;</a:t>
+                      </a:r>
+                    </a:p>
+                  </a:txBody>
+                  <a:tcPr/>
+                </a:tc>
+                <a:extLst>
+                  <a:ext uri="{0D108BD9-81ED-4DB2-BD59-A6C34878D82A}">
+                    <a16:rowId xmlns:a16="http://schemas.microsoft.com/office/drawing/2014/main" val="2156435714"/>
+                  </a:ext>
+                </a:extLst>
+              </a:tr>
+              <a:tr h="370840">
+                <a:tc>
+                  <a:txBody>
+                    <a:bodyPr/>
+                    <a:lstStyle/>
+                    <a:p>
+                      <a:r>
+                        <a:rPr lang="en-GB" dirty="0" err="1"/>
+                        <a:t>Thêm</a:t>
+                      </a:r>
+                      <a:r>
+                        <a:rPr lang="en-GB" dirty="0"/>
+                        <a:t> tin </a:t>
+                      </a:r>
+                      <a:r>
+                        <a:rPr lang="en-GB" dirty="0" err="1"/>
+                        <a:t>nhắn</a:t>
+                      </a:r>
+                      <a:endParaRPr lang="en-GB" dirty="0"/>
+                    </a:p>
+                    <a:p>
+                      <a:r>
+                        <a:rPr lang="en-GB" dirty="0" err="1"/>
+                        <a:t>Xóa</a:t>
+                      </a:r>
+                      <a:r>
+                        <a:rPr lang="en-GB" dirty="0"/>
+                        <a:t> tin </a:t>
+                      </a:r>
+                      <a:r>
+                        <a:rPr lang="en-GB" dirty="0" err="1"/>
+                        <a:t>nhắn</a:t>
+                      </a:r>
+                      <a:r>
+                        <a:rPr lang="en-GB" dirty="0"/>
+                        <a:t> </a:t>
+                      </a:r>
+                    </a:p>
+                    <a:p>
+                      <a:r>
+                        <a:rPr lang="en-GB" dirty="0" err="1"/>
+                        <a:t>Lịch</a:t>
+                      </a:r>
+                      <a:r>
+                        <a:rPr lang="en-GB" dirty="0"/>
+                        <a:t> </a:t>
+                      </a:r>
+                      <a:r>
+                        <a:rPr lang="en-GB" dirty="0" err="1"/>
+                        <a:t>sử</a:t>
+                      </a:r>
+                      <a:endParaRPr lang="en-GB" dirty="0"/>
+                    </a:p>
+                  </a:txBody>
+                  <a:tcPr/>
+                </a:tc>
+                <a:extLst>
+                  <a:ext uri="{0D108BD9-81ED-4DB2-BD59-A6C34878D82A}">
+                    <a16:rowId xmlns:a16="http://schemas.microsoft.com/office/drawing/2014/main" val="2788799483"/>
+                  </a:ext>
+                </a:extLst>
+              </a:tr>
+            </a:tbl>
+          </a:graphicData>
+        </a:graphic>
+      </p:graphicFrame>
+      <p:graphicFrame>
+        <p:nvGraphicFramePr>
+          <p:cNvPr id="20" name="Table 19">
+            <a:extLst>
+              <a:ext uri="{FF2B5EF4-FFF2-40B4-BE49-F238E27FC236}">
+                <a16:creationId xmlns:a16="http://schemas.microsoft.com/office/drawing/2014/main" id="{770A2A53-7E47-97B7-9655-EF9FCBEBA3E1}"/>
+              </a:ext>
+            </a:extLst>
+          </p:cNvPr>
+          <p:cNvGraphicFramePr>
+            <a:graphicFrameLocks noGrp="1"/>
+          </p:cNvGraphicFramePr>
+          <p:nvPr>
+            <p:extLst>
+              <p:ext uri="{D42A27DB-BD31-4B8C-83A1-F6EECF244321}">
+                <p14:modId xmlns:p14="http://schemas.microsoft.com/office/powerpoint/2010/main" val="2200748869"/>
+              </p:ext>
+            </p:extLst>
+          </p:nvPr>
+        </p:nvGraphicFramePr>
+        <p:xfrm>
+          <a:off x="5981872" y="4129177"/>
+          <a:ext cx="3143849" cy="2473960"/>
+        </p:xfrm>
+        <a:graphic>
+          <a:graphicData uri="http://schemas.openxmlformats.org/drawingml/2006/table">
+            <a:tbl>
+              <a:tblPr firstRow="1" bandRow="1">
+                <a:tableStyleId>{5940675A-B579-460E-94D1-54222C63F5DA}</a:tableStyleId>
+              </a:tblPr>
+              <a:tblGrid>
+                <a:gridCol w="3143849">
+                  <a:extLst>
+                    <a:ext uri="{9D8B030D-6E8A-4147-A177-3AD203B41FA5}">
+                      <a16:colId xmlns:a16="http://schemas.microsoft.com/office/drawing/2014/main" val="575480068"/>
                     </a:ext>
                   </a:extLst>
                 </a:gridCol>
@@ -3753,16 +4110,21 @@
                     <a:lstStyle/>
                     <a:p>
                       <a:r>
-                        <a:rPr lang="en-GB" sz="1000" dirty="0"/>
-                        <a:t>Chat</a:t>
-                      </a:r>
+                        <a:rPr lang="en-GB" dirty="0"/>
+                        <a:t>Tin </a:t>
+                      </a:r>
+                      <a:r>
+                        <a:rPr lang="en-GB" dirty="0" err="1"/>
+                        <a:t>nhắn</a:t>
+                      </a:r>
+                      <a:endParaRPr lang="en-GB" dirty="0"/>
                     </a:p>
                   </a:txBody>
                   <a:tcPr/>
                 </a:tc>
                 <a:extLst>
                   <a:ext uri="{0D108BD9-81ED-4DB2-BD59-A6C34878D82A}">
-                    <a16:rowId xmlns:a16="http://schemas.microsoft.com/office/drawing/2014/main" val="2069780081"/>
+                    <a16:rowId xmlns:a16="http://schemas.microsoft.com/office/drawing/2014/main" val="2992888848"/>
                   </a:ext>
                 </a:extLst>
               </a:tr>
@@ -3773,130 +4135,62 @@
                     <a:lstStyle/>
                     <a:p>
                       <a:r>
-                        <a:rPr lang="en-GB" sz="1000" dirty="0"/>
-                        <a:t>id</a:t>
+                        <a:rPr lang="en-GB" dirty="0"/>
+                        <a:t>Id :string</a:t>
                       </a:r>
                     </a:p>
                     <a:p>
                       <a:r>
-                        <a:rPr lang="en-GB" sz="1000" dirty="0"/>
-                        <a:t>Danh </a:t>
-                      </a:r>
-                      <a:r>
-                        <a:rPr lang="en-GB" sz="1000" dirty="0" err="1"/>
-                        <a:t>sách</a:t>
-                      </a:r>
-                      <a:r>
-                        <a:rPr lang="en-GB" sz="1000" dirty="0"/>
-                        <a:t> </a:t>
-                      </a:r>
-                      <a:r>
-                        <a:rPr lang="en-GB" sz="1000" dirty="0" err="1"/>
-                        <a:t>tham</a:t>
-                      </a:r>
-                      <a:r>
-                        <a:rPr lang="en-GB" sz="1000" dirty="0"/>
-                        <a:t> </a:t>
-                      </a:r>
-                      <a:r>
-                        <a:rPr lang="en-GB" sz="1000" dirty="0" err="1"/>
-                        <a:t>gia</a:t>
-                      </a:r>
-                      <a:endParaRPr lang="en-GB" sz="1000" dirty="0"/>
+                        <a:rPr lang="en-GB" dirty="0" err="1"/>
+                        <a:t>Nội</a:t>
+                      </a:r>
+                      <a:r>
+                        <a:rPr lang="en-GB" dirty="0"/>
+                        <a:t> dung :string</a:t>
+                      </a:r>
                     </a:p>
                     <a:p>
                       <a:r>
-                        <a:rPr lang="en-GB" sz="1000" dirty="0"/>
-                        <a:t>Danh </a:t>
-                      </a:r>
-                      <a:r>
-                        <a:rPr lang="en-GB" sz="1000" dirty="0" err="1"/>
-                        <a:t>sách</a:t>
-                      </a:r>
-                      <a:r>
-                        <a:rPr lang="en-GB" sz="1000" dirty="0"/>
-                        <a:t> tin </a:t>
-                      </a:r>
-                      <a:r>
-                        <a:rPr lang="en-GB" sz="1000" dirty="0" err="1"/>
-                        <a:t>nhắn</a:t>
-                      </a:r>
-                      <a:endParaRPr lang="en-GB" sz="1000" dirty="0"/>
+                        <a:rPr lang="en-GB" dirty="0" err="1"/>
+                        <a:t>Thời</a:t>
+                      </a:r>
+                      <a:r>
+                        <a:rPr lang="en-GB" dirty="0"/>
+                        <a:t> </a:t>
+                      </a:r>
+                      <a:r>
+                        <a:rPr lang="en-GB" dirty="0" err="1"/>
+                        <a:t>gian</a:t>
+                      </a:r>
+                      <a:r>
+                        <a:rPr lang="en-GB" dirty="0"/>
+                        <a:t> :date</a:t>
+                      </a:r>
+                    </a:p>
+                    <a:p>
+                      <a:r>
+                        <a:rPr lang="en-GB" dirty="0" err="1"/>
+                        <a:t>Người</a:t>
+                      </a:r>
+                      <a:r>
+                        <a:rPr lang="en-GB" dirty="0"/>
+                        <a:t> </a:t>
+                      </a:r>
+                      <a:r>
+                        <a:rPr lang="en-GB" dirty="0" err="1"/>
+                        <a:t>gửi</a:t>
+                      </a:r>
+                      <a:r>
+                        <a:rPr lang="en-GB" dirty="0"/>
+                        <a:t> :</a:t>
+                      </a:r>
                     </a:p>
                   </a:txBody>
                   <a:tcPr/>
                 </a:tc>
                 <a:extLst>
                   <a:ext uri="{0D108BD9-81ED-4DB2-BD59-A6C34878D82A}">
-                    <a16:rowId xmlns:a16="http://schemas.microsoft.com/office/drawing/2014/main" val="3743892288"/>
-                  </a:ext>
-                </a:extLst>
-              </a:tr>
-            </a:tbl>
-          </a:graphicData>
-        </a:graphic>
-      </p:graphicFrame>
-      <p:graphicFrame>
-        <p:nvGraphicFramePr>
-          <p:cNvPr id="7" name="Table 6">
-            <a:extLst>
-              <a:ext uri="{FF2B5EF4-FFF2-40B4-BE49-F238E27FC236}">
-                <a16:creationId xmlns:a16="http://schemas.microsoft.com/office/drawing/2014/main" id="{546A2FA7-166B-A6EE-8EA1-F7FC5429F321}"/>
-              </a:ext>
-            </a:extLst>
-          </p:cNvPr>
-          <p:cNvGraphicFramePr>
-            <a:graphicFrameLocks noGrp="1"/>
-          </p:cNvGraphicFramePr>
-          <p:nvPr>
-            <p:extLst>
-              <p:ext uri="{D42A27DB-BD31-4B8C-83A1-F6EECF244321}">
-                <p14:modId xmlns:p14="http://schemas.microsoft.com/office/powerpoint/2010/main" val="387041191"/>
-              </p:ext>
-            </p:extLst>
-          </p:nvPr>
-        </p:nvGraphicFramePr>
-        <p:xfrm>
-          <a:off x="1156511" y="2850024"/>
-          <a:ext cx="804561" cy="1376680"/>
-        </p:xfrm>
-        <a:graphic>
-          <a:graphicData uri="http://schemas.openxmlformats.org/drawingml/2006/table">
-            <a:tbl>
-              <a:tblPr firstRow="1" bandRow="1">
-                <a:tableStyleId>{5940675A-B579-460E-94D1-54222C63F5DA}</a:tableStyleId>
-              </a:tblPr>
-              <a:tblGrid>
-                <a:gridCol w="804561">
-                  <a:extLst>
-                    <a:ext uri="{9D8B030D-6E8A-4147-A177-3AD203B41FA5}">
-                      <a16:colId xmlns:a16="http://schemas.microsoft.com/office/drawing/2014/main" val="1988112618"/>
-                    </a:ext>
-                  </a:extLst>
-                </a:gridCol>
-              </a:tblGrid>
-              <a:tr h="370840">
-                <a:tc>
-                  <a:txBody>
-                    <a:bodyPr/>
-                    <a:lstStyle/>
-                    <a:p>
-                      <a:r>
-                        <a:rPr lang="en-GB" sz="1000" dirty="0"/>
-                        <a:t>Tin </a:t>
-                      </a:r>
-                      <a:r>
-                        <a:rPr lang="en-GB" sz="1000" dirty="0" err="1"/>
-                        <a:t>nhắn</a:t>
-                      </a:r>
-                      <a:endParaRPr lang="en-GB" sz="1000" dirty="0"/>
-                    </a:p>
-                  </a:txBody>
-                  <a:tcPr/>
-                </a:tc>
-                <a:extLst>
-                  <a:ext uri="{0D108BD9-81ED-4DB2-BD59-A6C34878D82A}">
-                    <a16:rowId xmlns:a16="http://schemas.microsoft.com/office/drawing/2014/main" val="554686320"/>
+                    <a16:rowId xmlns:a16="http://schemas.microsoft.com/office/drawing/2014/main" val="2957918514"/>
                   </a:ext>
                 </a:extLst>
               </a:tr>
@@ -3907,71 +4201,55 @@
                     <a:lstStyle/>
                     <a:p>
                       <a:r>
-                        <a:rPr lang="en-GB" sz="1000" dirty="0"/>
-                        <a:t>Id</a:t>
-                      </a:r>
+                        <a:rPr lang="en-GB" dirty="0" err="1"/>
+                        <a:t>Gửi</a:t>
+                      </a:r>
+                      <a:r>
+                        <a:rPr lang="en-GB" dirty="0"/>
+                        <a:t> tin </a:t>
+                      </a:r>
+                      <a:r>
+                        <a:rPr lang="en-GB" dirty="0" err="1"/>
+                        <a:t>nhắn</a:t>
+                      </a:r>
+                      <a:endParaRPr lang="en-GB" dirty="0"/>
                     </a:p>
                     <a:p>
                       <a:r>
-                        <a:rPr lang="en-GB" sz="1000" dirty="0" err="1"/>
-                        <a:t>Nội</a:t>
-                      </a:r>
-                      <a:r>
-                        <a:rPr lang="en-GB" sz="1000" dirty="0"/>
-                        <a:t> dung</a:t>
-                      </a:r>
+                        <a:rPr lang="en-GB" dirty="0" err="1"/>
+                        <a:t>Sửa</a:t>
+                      </a:r>
+                      <a:r>
+                        <a:rPr lang="en-GB" dirty="0"/>
+                        <a:t> tin </a:t>
+                      </a:r>
+                      <a:r>
+                        <a:rPr lang="en-GB" dirty="0" err="1"/>
+                        <a:t>nhắn</a:t>
+                      </a:r>
+                      <a:endParaRPr lang="en-GB" dirty="0"/>
                     </a:p>
                     <a:p>
                       <a:r>
-                        <a:rPr lang="en-GB" sz="1000" dirty="0" err="1"/>
-                        <a:t>Thời</a:t>
-                      </a:r>
-                      <a:r>
-                        <a:rPr lang="en-GB" sz="1000" dirty="0"/>
-                        <a:t> </a:t>
-                      </a:r>
-                      <a:r>
-                        <a:rPr lang="en-GB" sz="1000" dirty="0" err="1"/>
-                        <a:t>gian</a:t>
-                      </a:r>
-                      <a:endParaRPr lang="en-GB" sz="1000" dirty="0"/>
-                    </a:p>
-                    <a:p>
-                      <a:r>
-                        <a:rPr lang="en-GB" sz="1000" dirty="0" err="1"/>
-                        <a:t>Người</a:t>
-                      </a:r>
-                      <a:r>
-                        <a:rPr lang="en-GB" sz="1000" dirty="0"/>
-                        <a:t> </a:t>
-                      </a:r>
-                      <a:r>
-                        <a:rPr lang="en-GB" sz="1000" dirty="0" err="1"/>
-                        <a:t>gửi</a:t>
-                      </a:r>
-                      <a:endParaRPr lang="en-GB" sz="1000" dirty="0"/>
-                    </a:p>
-                    <a:p>
-                      <a:r>
-                        <a:rPr lang="en-GB" sz="1000" dirty="0" err="1"/>
-                        <a:t>Người</a:t>
-                      </a:r>
-                      <a:r>
-                        <a:rPr lang="en-GB" sz="1000" dirty="0"/>
-                        <a:t> </a:t>
-                      </a:r>
-                      <a:r>
-                        <a:rPr lang="en-GB" sz="1000" dirty="0" err="1"/>
-                        <a:t>nhận</a:t>
-                      </a:r>
-                      <a:endParaRPr lang="en-GB" sz="1000" dirty="0"/>
+                        <a:rPr lang="en-GB" dirty="0" err="1"/>
+                        <a:t>Xóa</a:t>
+                      </a:r>
+                      <a:r>
+                        <a:rPr lang="en-GB" dirty="0"/>
+                        <a:t> tin </a:t>
+                      </a:r>
+                      <a:r>
+                        <a:rPr lang="en-GB" dirty="0" err="1"/>
+                        <a:t>nhắn</a:t>
+                      </a:r>
+                      <a:endParaRPr lang="en-GB" dirty="0"/>
                     </a:p>
                   </a:txBody>
                   <a:tcPr/>
                 </a:tc>
                 <a:extLst>
                   <a:ext uri="{0D108BD9-81ED-4DB2-BD59-A6C34878D82A}">
-                    <a16:rowId xmlns:a16="http://schemas.microsoft.com/office/drawing/2014/main" val="2803675587"/>
+                    <a16:rowId xmlns:a16="http://schemas.microsoft.com/office/drawing/2014/main" val="1684143684"/>
                   </a:ext>
                 </a:extLst>
               </a:tr>
@@ -3979,6 +4257,337 @@
           </a:graphicData>
         </a:graphic>
       </p:graphicFrame>
+      <p:cxnSp>
+        <p:nvCxnSpPr>
+          <p:cNvPr id="34" name="Straight Arrow Connector 33">
+            <a:extLst>
+              <a:ext uri="{FF2B5EF4-FFF2-40B4-BE49-F238E27FC236}">
+                <a16:creationId xmlns:a16="http://schemas.microsoft.com/office/drawing/2014/main" id="{6BE5CBF3-7D6D-530D-7E56-0FAE91601336}"/>
+              </a:ext>
+            </a:extLst>
+          </p:cNvPr>
+          <p:cNvCxnSpPr>
+            <a:cxnSpLocks/>
+          </p:cNvCxnSpPr>
+          <p:nvPr/>
+        </p:nvCxnSpPr>
+        <p:spPr>
+          <a:xfrm rot="10800000">
+            <a:off x="2606888" y="2515578"/>
+            <a:ext cx="3374984" cy="2004665"/>
+          </a:xfrm>
+          <a:prstGeom prst="bentConnector3">
+            <a:avLst>
+              <a:gd name="adj1" fmla="val 50000"/>
+            </a:avLst>
+          </a:prstGeom>
+          <a:ln>
+            <a:tailEnd type="triangle"/>
+          </a:ln>
+        </p:spPr>
+        <p:style>
+          <a:lnRef idx="2">
+            <a:schemeClr val="accent1"/>
+          </a:lnRef>
+          <a:fillRef idx="0">
+            <a:schemeClr val="accent1"/>
+          </a:fillRef>
+          <a:effectRef idx="1">
+            <a:schemeClr val="accent1"/>
+          </a:effectRef>
+          <a:fontRef idx="minor">
+            <a:schemeClr val="tx1"/>
+          </a:fontRef>
+        </p:style>
+      </p:cxnSp>
+      <p:sp>
+        <p:nvSpPr>
+          <p:cNvPr id="45" name="TextBox 44">
+            <a:extLst>
+              <a:ext uri="{FF2B5EF4-FFF2-40B4-BE49-F238E27FC236}">
+                <a16:creationId xmlns:a16="http://schemas.microsoft.com/office/drawing/2014/main" id="{A623BB45-D27B-3218-83B4-4B559CCC158A}"/>
+              </a:ext>
+            </a:extLst>
+          </p:cNvPr>
+          <p:cNvSpPr txBox="1"/>
+          <p:nvPr/>
+        </p:nvSpPr>
+        <p:spPr>
+          <a:xfrm>
+            <a:off x="5638800" y="4190026"/>
+            <a:ext cx="914400" cy="369332"/>
+          </a:xfrm>
+          <a:prstGeom prst="rect">
+            <a:avLst/>
+          </a:prstGeom>
+          <a:noFill/>
+        </p:spPr>
+        <p:txBody>
+          <a:bodyPr wrap="square" rtlCol="0">
+            <a:spAutoFit/>
+          </a:bodyPr>
+          <a:lstStyle/>
+          <a:p>
+            <a:r>
+              <a:rPr lang="en-US" dirty="0"/>
+              <a:t>1</a:t>
+            </a:r>
+            <a:endParaRPr lang="en-GB" dirty="0"/>
+          </a:p>
+        </p:txBody>
+      </p:sp>
+      <p:sp>
+        <p:nvSpPr>
+          <p:cNvPr id="46" name="TextBox 45">
+            <a:extLst>
+              <a:ext uri="{FF2B5EF4-FFF2-40B4-BE49-F238E27FC236}">
+                <a16:creationId xmlns:a16="http://schemas.microsoft.com/office/drawing/2014/main" id="{3D3142A0-7233-B90F-FD9F-1F3EF557FCBF}"/>
+              </a:ext>
+            </a:extLst>
+          </p:cNvPr>
+          <p:cNvSpPr txBox="1"/>
+          <p:nvPr/>
+        </p:nvSpPr>
+        <p:spPr>
+          <a:xfrm>
+            <a:off x="2609081" y="2211177"/>
+            <a:ext cx="914400" cy="369332"/>
+          </a:xfrm>
+          <a:prstGeom prst="rect">
+            <a:avLst/>
+          </a:prstGeom>
+          <a:noFill/>
+        </p:spPr>
+        <p:txBody>
+          <a:bodyPr wrap="square" rtlCol="0">
+            <a:spAutoFit/>
+          </a:bodyPr>
+          <a:lstStyle/>
+          <a:p>
+            <a:r>
+              <a:rPr lang="en-US" dirty="0"/>
+              <a:t>1</a:t>
+            </a:r>
+            <a:endParaRPr lang="en-GB" dirty="0"/>
+          </a:p>
+        </p:txBody>
+      </p:sp>
+      <p:sp>
+        <p:nvSpPr>
+          <p:cNvPr id="47" name="TextBox 46">
+            <a:extLst>
+              <a:ext uri="{FF2B5EF4-FFF2-40B4-BE49-F238E27FC236}">
+                <a16:creationId xmlns:a16="http://schemas.microsoft.com/office/drawing/2014/main" id="{ABEC8718-B212-639D-99AD-816222A0F83E}"/>
+              </a:ext>
+            </a:extLst>
+          </p:cNvPr>
+          <p:cNvSpPr txBox="1"/>
+          <p:nvPr/>
+        </p:nvSpPr>
+        <p:spPr>
+          <a:xfrm>
+            <a:off x="2569290" y="720408"/>
+            <a:ext cx="308098" cy="369332"/>
+          </a:xfrm>
+          <a:prstGeom prst="rect">
+            <a:avLst/>
+          </a:prstGeom>
+          <a:noFill/>
+        </p:spPr>
+        <p:txBody>
+          <a:bodyPr wrap="none" rtlCol="0">
+            <a:spAutoFit/>
+          </a:bodyPr>
+          <a:lstStyle/>
+          <a:p>
+            <a:r>
+              <a:rPr lang="en-US" dirty="0"/>
+              <a:t>1</a:t>
+            </a:r>
+            <a:endParaRPr lang="en-GB" dirty="0"/>
+          </a:p>
+        </p:txBody>
+      </p:sp>
+      <p:sp>
+        <p:nvSpPr>
+          <p:cNvPr id="48" name="TextBox 47">
+            <a:extLst>
+              <a:ext uri="{FF2B5EF4-FFF2-40B4-BE49-F238E27FC236}">
+                <a16:creationId xmlns:a16="http://schemas.microsoft.com/office/drawing/2014/main" id="{A5AF1B3E-E620-BC1D-D276-9C1E5915AB84}"/>
+              </a:ext>
+            </a:extLst>
+          </p:cNvPr>
+          <p:cNvSpPr txBox="1"/>
+          <p:nvPr/>
+        </p:nvSpPr>
+        <p:spPr>
+          <a:xfrm>
+            <a:off x="6096000" y="655608"/>
+            <a:ext cx="290464" cy="369332"/>
+          </a:xfrm>
+          <a:prstGeom prst="rect">
+            <a:avLst/>
+          </a:prstGeom>
+          <a:noFill/>
+        </p:spPr>
+        <p:txBody>
+          <a:bodyPr wrap="none" rtlCol="0">
+            <a:spAutoFit/>
+          </a:bodyPr>
+          <a:lstStyle/>
+          <a:p>
+            <a:r>
+              <a:rPr lang="en-US" dirty="0"/>
+              <a:t>*</a:t>
+            </a:r>
+            <a:endParaRPr lang="en-GB" dirty="0"/>
+          </a:p>
+        </p:txBody>
+      </p:sp>
+      <p:sp>
+        <p:nvSpPr>
+          <p:cNvPr id="49" name="TextBox 48">
+            <a:extLst>
+              <a:ext uri="{FF2B5EF4-FFF2-40B4-BE49-F238E27FC236}">
+                <a16:creationId xmlns:a16="http://schemas.microsoft.com/office/drawing/2014/main" id="{2E3634B4-2CD7-C143-FF7C-264F2A718186}"/>
+              </a:ext>
+            </a:extLst>
+          </p:cNvPr>
+          <p:cNvSpPr txBox="1"/>
+          <p:nvPr/>
+        </p:nvSpPr>
+        <p:spPr>
+          <a:xfrm>
+            <a:off x="1727461" y="3623094"/>
+            <a:ext cx="308098" cy="369332"/>
+          </a:xfrm>
+          <a:prstGeom prst="rect">
+            <a:avLst/>
+          </a:prstGeom>
+          <a:noFill/>
+        </p:spPr>
+        <p:txBody>
+          <a:bodyPr wrap="none" rtlCol="0">
+            <a:spAutoFit/>
+          </a:bodyPr>
+          <a:lstStyle/>
+          <a:p>
+            <a:r>
+              <a:rPr lang="en-US" dirty="0"/>
+              <a:t>1</a:t>
+            </a:r>
+            <a:endParaRPr lang="en-GB" dirty="0"/>
+          </a:p>
+        </p:txBody>
+      </p:sp>
+      <p:sp>
+        <p:nvSpPr>
+          <p:cNvPr id="50" name="TextBox 49">
+            <a:extLst>
+              <a:ext uri="{FF2B5EF4-FFF2-40B4-BE49-F238E27FC236}">
+                <a16:creationId xmlns:a16="http://schemas.microsoft.com/office/drawing/2014/main" id="{F471F117-98E2-9DFA-7E39-AF7C111FB6FC}"/>
+              </a:ext>
+            </a:extLst>
+          </p:cNvPr>
+          <p:cNvSpPr txBox="1"/>
+          <p:nvPr/>
+        </p:nvSpPr>
+        <p:spPr>
+          <a:xfrm>
+            <a:off x="3066281" y="5045227"/>
+            <a:ext cx="308098" cy="369332"/>
+          </a:xfrm>
+          <a:prstGeom prst="rect">
+            <a:avLst/>
+          </a:prstGeom>
+          <a:noFill/>
+        </p:spPr>
+        <p:txBody>
+          <a:bodyPr wrap="none" rtlCol="0">
+            <a:spAutoFit/>
+          </a:bodyPr>
+          <a:lstStyle/>
+          <a:p>
+            <a:r>
+              <a:rPr lang="en-US" dirty="0"/>
+              <a:t>1</a:t>
+            </a:r>
+            <a:endParaRPr lang="en-GB" dirty="0"/>
+          </a:p>
+        </p:txBody>
+      </p:sp>
+      <p:sp>
+        <p:nvSpPr>
+          <p:cNvPr id="51" name="TextBox 50">
+            <a:extLst>
+              <a:ext uri="{FF2B5EF4-FFF2-40B4-BE49-F238E27FC236}">
+                <a16:creationId xmlns:a16="http://schemas.microsoft.com/office/drawing/2014/main" id="{9D306ADE-0289-5876-F830-5A4DC03D0353}"/>
+              </a:ext>
+            </a:extLst>
+          </p:cNvPr>
+          <p:cNvSpPr txBox="1"/>
+          <p:nvPr/>
+        </p:nvSpPr>
+        <p:spPr>
+          <a:xfrm>
+            <a:off x="1770202" y="4126765"/>
+            <a:ext cx="290464" cy="369332"/>
+          </a:xfrm>
+          <a:prstGeom prst="rect">
+            <a:avLst/>
+          </a:prstGeom>
+          <a:noFill/>
+        </p:spPr>
+        <p:txBody>
+          <a:bodyPr wrap="none" rtlCol="0">
+            <a:spAutoFit/>
+          </a:bodyPr>
+          <a:lstStyle/>
+          <a:p>
+            <a:r>
+              <a:rPr lang="en-US" dirty="0"/>
+              <a:t>*</a:t>
+            </a:r>
+            <a:endParaRPr lang="en-GB" dirty="0"/>
+          </a:p>
+        </p:txBody>
+      </p:sp>
+      <p:sp>
+        <p:nvSpPr>
+          <p:cNvPr id="52" name="TextBox 51">
+            <a:extLst>
+              <a:ext uri="{FF2B5EF4-FFF2-40B4-BE49-F238E27FC236}">
+                <a16:creationId xmlns:a16="http://schemas.microsoft.com/office/drawing/2014/main" id="{88254890-6766-F497-1A2D-C386E4438F20}"/>
+              </a:ext>
+            </a:extLst>
+          </p:cNvPr>
+          <p:cNvSpPr txBox="1"/>
+          <p:nvPr/>
+        </p:nvSpPr>
+        <p:spPr>
+          <a:xfrm>
+            <a:off x="5751895" y="5045227"/>
+            <a:ext cx="290464" cy="369332"/>
+          </a:xfrm>
+          <a:prstGeom prst="rect">
+            <a:avLst/>
+          </a:prstGeom>
+          <a:noFill/>
+        </p:spPr>
+        <p:txBody>
+          <a:bodyPr wrap="none" rtlCol="0">
+            <a:spAutoFit/>
+          </a:bodyPr>
+          <a:lstStyle/>
+          <a:p>
+            <a:r>
+              <a:rPr lang="en-US" dirty="0"/>
+              <a:t>*</a:t>
+            </a:r>
+            <a:endParaRPr lang="en-GB" dirty="0"/>
+          </a:p>
+        </p:txBody>
+      </p:sp>
     </p:spTree>
     <p:extLst>
       <p:ext uri="{BB962C8B-B14F-4D97-AF65-F5344CB8AC3E}">
@@ -4092,14 +4701,14 @@
           <p:nvPr>
             <p:extLst>
               <p:ext uri="{D42A27DB-BD31-4B8C-83A1-F6EECF244321}">
-                <p14:modId xmlns:p14="http://schemas.microsoft.com/office/powerpoint/2010/main" val="2467179380"/>
+                <p14:modId xmlns:p14="http://schemas.microsoft.com/office/powerpoint/2010/main" val="1285919014"/>
               </p:ext>
             </p:extLst>
           </p:nvPr>
         </p:nvGraphicFramePr>
         <p:xfrm>
-          <a:off x="37742" y="699096"/>
-          <a:ext cx="11685916" cy="3582040"/>
+          <a:off x="37741" y="155275"/>
+          <a:ext cx="12096749" cy="6383548"/>
         </p:xfrm>
         <a:graphic>
           <a:graphicData uri="http://schemas.openxmlformats.org/drawingml/2006/table">
@@ -4108,14 +4717,14 @@
                 <a:tableStyleId>{5940675A-B579-460E-94D1-54222C63F5DA}</a:tableStyleId>
               </a:tblPr>
               <a:tblGrid>
-                <a:gridCol w="362311">
+                <a:gridCol w="375048">
                   <a:extLst>
                     <a:ext uri="{9D8B030D-6E8A-4147-A177-3AD203B41FA5}">
                       <a16:colId xmlns:a16="http://schemas.microsoft.com/office/drawing/2014/main" val="2050107651"/>
                     </a:ext>
                   </a:extLst>
                 </a:gridCol>
-                <a:gridCol w="11323605">
+                <a:gridCol w="11721701">
                   <a:extLst>
                     <a:ext uri="{9D8B030D-6E8A-4147-A177-3AD203B41FA5}">
                       <a16:colId xmlns:a16="http://schemas.microsoft.com/office/drawing/2014/main" val="1901349716"/>
@@ -4123,25 +4732,25 @@
                   </a:extLst>
                 </a:gridCol>
               </a:tblGrid>
-              <a:tr h="1791020">
+              <a:tr h="3191774">
                 <a:tc>
                   <a:txBody>
                     <a:bodyPr/>
                     <a:lstStyle/>
                     <a:p>
                       <a:r>
-                        <a:rPr lang="en-GB" sz="1000" dirty="0" err="1"/>
+                        <a:rPr lang="en-GB" sz="900" dirty="0" err="1"/>
                         <a:t>Người</a:t>
                       </a:r>
                       <a:r>
-                        <a:rPr lang="en-GB" sz="1000" dirty="0"/>
+                        <a:rPr lang="en-GB" sz="900" dirty="0"/>
                         <a:t> </a:t>
                       </a:r>
                       <a:r>
-                        <a:rPr lang="en-GB" sz="1000" dirty="0" err="1"/>
+                        <a:rPr lang="en-GB" sz="900" dirty="0" err="1"/>
                         <a:t>dùng</a:t>
                       </a:r>
-                      <a:endParaRPr lang="en-GB" sz="1000" dirty="0"/>
+                      <a:endParaRPr lang="en-GB" sz="900" dirty="0"/>
                     </a:p>
                   </a:txBody>
                   <a:tcPr/>
@@ -4151,7 +4760,7 @@
                     <a:bodyPr/>
                     <a:lstStyle/>
                     <a:p>
-                      <a:endParaRPr lang="en-GB" sz="1000" dirty="0"/>
+                      <a:endParaRPr lang="en-GB" sz="900" dirty="0"/>
                     </a:p>
                   </a:txBody>
                   <a:tcPr/>
@@ -4162,25 +4771,25 @@
                   </a:ext>
                 </a:extLst>
               </a:tr>
-              <a:tr h="1791020">
+              <a:tr h="3191774">
                 <a:tc>
                   <a:txBody>
                     <a:bodyPr/>
                     <a:lstStyle/>
                     <a:p>
                       <a:r>
-                        <a:rPr lang="en-GB" sz="1000" dirty="0" err="1"/>
+                        <a:rPr lang="en-GB" sz="900" dirty="0" err="1"/>
                         <a:t>Hệ</a:t>
                       </a:r>
                       <a:r>
-                        <a:rPr lang="en-GB" sz="1000" dirty="0"/>
+                        <a:rPr lang="en-GB" sz="900" dirty="0"/>
                         <a:t> </a:t>
                       </a:r>
                       <a:r>
-                        <a:rPr lang="en-GB" sz="1000" dirty="0" err="1"/>
+                        <a:rPr lang="en-GB" sz="900" dirty="0" err="1"/>
                         <a:t>thống</a:t>
                       </a:r>
-                      <a:endParaRPr lang="en-GB" sz="1000" dirty="0"/>
+                      <a:endParaRPr lang="en-GB" sz="900" dirty="0"/>
                     </a:p>
                   </a:txBody>
                   <a:tcPr/>
@@ -4190,7 +4799,7 @@
                     <a:bodyPr/>
                     <a:lstStyle/>
                     <a:p>
-                      <a:endParaRPr lang="en-GB" sz="1000" dirty="0"/>
+                      <a:endParaRPr lang="en-GB" sz="900" dirty="0"/>
                     </a:p>
                   </a:txBody>
                   <a:tcPr/>
@@ -4325,8 +4934,8 @@
         </p:nvCxnSpPr>
         <p:spPr>
           <a:xfrm flipH="1">
-            <a:off x="1451394" y="1788544"/>
-            <a:ext cx="1" cy="881430"/>
+            <a:off x="1423313" y="1788544"/>
+            <a:ext cx="28082" cy="2680281"/>
           </a:xfrm>
           <a:prstGeom prst="straightConnector1">
             <a:avLst/>
@@ -4364,7 +4973,7 @@
         </p:nvSpPr>
         <p:spPr>
           <a:xfrm>
-            <a:off x="807644" y="2669974"/>
+            <a:off x="779563" y="4468825"/>
             <a:ext cx="1287500" cy="314465"/>
           </a:xfrm>
           <a:prstGeom prst="rect">
@@ -4424,10 +5033,10 @@
       </p:sp>
       <p:sp>
         <p:nvSpPr>
-          <p:cNvPr id="12" name="Rectangle 11">
-            <a:extLst>
-              <a:ext uri="{FF2B5EF4-FFF2-40B4-BE49-F238E27FC236}">
-                <a16:creationId xmlns:a16="http://schemas.microsoft.com/office/drawing/2014/main" id="{9F4B576C-414C-8FC8-9F5D-CDD55A939F3E}"/>
+          <p:cNvPr id="3" name="Flowchart: Connector 2">
+            <a:extLst>
+              <a:ext uri="{FF2B5EF4-FFF2-40B4-BE49-F238E27FC236}">
+                <a16:creationId xmlns:a16="http://schemas.microsoft.com/office/drawing/2014/main" id="{8A81EAD2-D140-7925-50A0-4015D8AF9087}"/>
               </a:ext>
             </a:extLst>
           </p:cNvPr>
@@ -4436,10 +5045,99 @@
         </p:nvSpPr>
         <p:spPr>
           <a:xfrm>
-            <a:off x="4092875" y="2608672"/>
-            <a:ext cx="1702279" cy="437071"/>
-          </a:xfrm>
-          <a:prstGeom prst="rect">
+            <a:off x="397175" y="1426628"/>
+            <a:ext cx="185984" cy="189781"/>
+          </a:xfrm>
+          <a:prstGeom prst="flowChartConnector">
+            <a:avLst/>
+          </a:prstGeom>
+        </p:spPr>
+        <p:style>
+          <a:lnRef idx="2">
+            <a:schemeClr val="dk1">
+              <a:shade val="15000"/>
+            </a:schemeClr>
+          </a:lnRef>
+          <a:fillRef idx="1">
+            <a:schemeClr val="dk1"/>
+          </a:fillRef>
+          <a:effectRef idx="0">
+            <a:schemeClr val="dk1"/>
+          </a:effectRef>
+          <a:fontRef idx="minor">
+            <a:schemeClr val="lt1"/>
+          </a:fontRef>
+        </p:style>
+        <p:txBody>
+          <a:bodyPr rtlCol="0" anchor="ctr"/>
+          <a:lstStyle/>
+          <a:p>
+            <a:pPr algn="ctr"/>
+            <a:endParaRPr lang="en-GB"/>
+          </a:p>
+        </p:txBody>
+      </p:sp>
+      <p:cxnSp>
+        <p:nvCxnSpPr>
+          <p:cNvPr id="7" name="Straight Arrow Connector 6">
+            <a:extLst>
+              <a:ext uri="{FF2B5EF4-FFF2-40B4-BE49-F238E27FC236}">
+                <a16:creationId xmlns:a16="http://schemas.microsoft.com/office/drawing/2014/main" id="{C9EE563D-00AF-2ED7-DD3D-B8D689AACAC6}"/>
+              </a:ext>
+            </a:extLst>
+          </p:cNvPr>
+          <p:cNvCxnSpPr>
+            <a:cxnSpLocks/>
+            <a:stCxn id="3" idx="6"/>
+            <a:endCxn id="6" idx="1"/>
+          </p:cNvCxnSpPr>
+          <p:nvPr/>
+        </p:nvCxnSpPr>
+        <p:spPr>
+          <a:xfrm flipV="1">
+            <a:off x="583159" y="1512499"/>
+            <a:ext cx="306800" cy="9020"/>
+          </a:xfrm>
+          <a:prstGeom prst="straightConnector1">
+            <a:avLst/>
+          </a:prstGeom>
+          <a:ln>
+            <a:tailEnd type="triangle"/>
+          </a:ln>
+        </p:spPr>
+        <p:style>
+          <a:lnRef idx="2">
+            <a:schemeClr val="accent1"/>
+          </a:lnRef>
+          <a:fillRef idx="0">
+            <a:schemeClr val="accent1"/>
+          </a:fillRef>
+          <a:effectRef idx="1">
+            <a:schemeClr val="accent1"/>
+          </a:effectRef>
+          <a:fontRef idx="minor">
+            <a:schemeClr val="tx1"/>
+          </a:fontRef>
+        </p:style>
+      </p:cxnSp>
+      <p:sp>
+        <p:nvSpPr>
+          <p:cNvPr id="41" name="Diamond 40">
+            <a:extLst>
+              <a:ext uri="{FF2B5EF4-FFF2-40B4-BE49-F238E27FC236}">
+                <a16:creationId xmlns:a16="http://schemas.microsoft.com/office/drawing/2014/main" id="{F4443121-E7EB-743E-6435-98ABE9B595F4}"/>
+              </a:ext>
+            </a:extLst>
+          </p:cNvPr>
+          <p:cNvSpPr/>
+          <p:nvPr/>
+        </p:nvSpPr>
+        <p:spPr>
+          <a:xfrm>
+            <a:off x="2696742" y="4543416"/>
+            <a:ext cx="224286" cy="165282"/>
+          </a:xfrm>
+          <a:prstGeom prst="diamond">
             <a:avLst/>
           </a:prstGeom>
         </p:spPr>
@@ -4462,44 +5160,59 @@
           <a:lstStyle/>
           <a:p>
             <a:pPr algn="ctr"/>
-            <a:r>
-              <a:rPr lang="en-GB" sz="1000" dirty="0" err="1"/>
-              <a:t>Trả</a:t>
-            </a:r>
-            <a:r>
-              <a:rPr lang="en-GB" sz="1000" dirty="0"/>
-              <a:t> </a:t>
-            </a:r>
-            <a:r>
-              <a:rPr lang="en-GB" sz="1000" dirty="0" err="1"/>
-              <a:t>về</a:t>
-            </a:r>
-            <a:r>
-              <a:rPr lang="en-GB" sz="1000" dirty="0"/>
-              <a:t> </a:t>
-            </a:r>
-            <a:r>
-              <a:rPr lang="en-GB" sz="1000" dirty="0" err="1"/>
-              <a:t>phản</a:t>
-            </a:r>
-            <a:r>
-              <a:rPr lang="en-GB" sz="1000" dirty="0"/>
-              <a:t> </a:t>
-            </a:r>
-            <a:r>
-              <a:rPr lang="en-GB" sz="1000" dirty="0" err="1"/>
-              <a:t>hồi</a:t>
-            </a:r>
-            <a:endParaRPr lang="en-GB" sz="1000" dirty="0"/>
-          </a:p>
-        </p:txBody>
-      </p:sp>
-      <p:sp>
-        <p:nvSpPr>
-          <p:cNvPr id="13" name="Rectangle 12">
-            <a:extLst>
-              <a:ext uri="{FF2B5EF4-FFF2-40B4-BE49-F238E27FC236}">
-                <a16:creationId xmlns:a16="http://schemas.microsoft.com/office/drawing/2014/main" id="{3E04D3A9-8A38-603A-B36E-511F1D779B75}"/>
+            <a:endParaRPr lang="en-GB"/>
+          </a:p>
+        </p:txBody>
+      </p:sp>
+      <p:cxnSp>
+        <p:nvCxnSpPr>
+          <p:cNvPr id="44" name="Straight Arrow Connector 43">
+            <a:extLst>
+              <a:ext uri="{FF2B5EF4-FFF2-40B4-BE49-F238E27FC236}">
+                <a16:creationId xmlns:a16="http://schemas.microsoft.com/office/drawing/2014/main" id="{6B7305C5-C1E6-83A6-3201-11B4CABC0749}"/>
+              </a:ext>
+            </a:extLst>
+          </p:cNvPr>
+          <p:cNvCxnSpPr>
+            <a:cxnSpLocks/>
+            <a:stCxn id="10" idx="3"/>
+            <a:endCxn id="41" idx="1"/>
+          </p:cNvCxnSpPr>
+          <p:nvPr/>
+        </p:nvCxnSpPr>
+        <p:spPr>
+          <a:xfrm flipV="1">
+            <a:off x="2067063" y="4626057"/>
+            <a:ext cx="629679" cy="1"/>
+          </a:xfrm>
+          <a:prstGeom prst="straightConnector1">
+            <a:avLst/>
+          </a:prstGeom>
+          <a:ln>
+            <a:tailEnd type="triangle"/>
+          </a:ln>
+        </p:spPr>
+        <p:style>
+          <a:lnRef idx="2">
+            <a:schemeClr val="accent1"/>
+          </a:lnRef>
+          <a:fillRef idx="0">
+            <a:schemeClr val="accent1"/>
+          </a:fillRef>
+          <a:effectRef idx="1">
+            <a:schemeClr val="accent1"/>
+          </a:effectRef>
+          <a:fontRef idx="minor">
+            <a:schemeClr val="tx1"/>
+          </a:fontRef>
+        </p:style>
+      </p:cxnSp>
+      <p:sp>
+        <p:nvSpPr>
+          <p:cNvPr id="47" name="Rectangle 46">
+            <a:extLst>
+              <a:ext uri="{FF2B5EF4-FFF2-40B4-BE49-F238E27FC236}">
+                <a16:creationId xmlns:a16="http://schemas.microsoft.com/office/drawing/2014/main" id="{C8A26A3C-D081-8FF1-46ED-FB9FEB6D9103}"/>
               </a:ext>
             </a:extLst>
           </p:cNvPr>
@@ -4508,8 +5221,8 @@
         </p:nvSpPr>
         <p:spPr>
           <a:xfrm>
-            <a:off x="9631752" y="2510686"/>
-            <a:ext cx="1604513" cy="989162"/>
+            <a:off x="2340634" y="2754701"/>
+            <a:ext cx="967505" cy="212783"/>
           </a:xfrm>
           <a:prstGeom prst="rect">
             <a:avLst/>
@@ -4535,27 +5248,70 @@
           <a:p>
             <a:pPr algn="ctr"/>
             <a:r>
-              <a:rPr lang="en-GB" sz="1000" dirty="0" err="1"/>
-              <a:t>Lựa</a:t>
-            </a:r>
-            <a:r>
-              <a:rPr lang="en-GB" sz="1000" dirty="0"/>
+              <a:rPr lang="en-US" sz="1000" dirty="0" err="1"/>
+              <a:t>Kết</a:t>
+            </a:r>
+            <a:r>
+              <a:rPr lang="en-US" sz="1000" dirty="0"/>
               <a:t> </a:t>
             </a:r>
             <a:r>
-              <a:rPr lang="en-GB" sz="1000" dirty="0" err="1"/>
-              <a:t>chọn</a:t>
+              <a:rPr lang="en-US" sz="1000" dirty="0" err="1"/>
+              <a:t>quả</a:t>
             </a:r>
             <a:endParaRPr lang="en-GB" sz="1000" dirty="0"/>
           </a:p>
         </p:txBody>
       </p:sp>
-      <p:sp>
-        <p:nvSpPr>
-          <p:cNvPr id="14" name="Rectangle 13">
-            <a:extLst>
-              <a:ext uri="{FF2B5EF4-FFF2-40B4-BE49-F238E27FC236}">
-                <a16:creationId xmlns:a16="http://schemas.microsoft.com/office/drawing/2014/main" id="{1F586367-280A-9B1B-ED14-ABA33D165628}"/>
+      <p:cxnSp>
+        <p:nvCxnSpPr>
+          <p:cNvPr id="49" name="Straight Arrow Connector 48">
+            <a:extLst>
+              <a:ext uri="{FF2B5EF4-FFF2-40B4-BE49-F238E27FC236}">
+                <a16:creationId xmlns:a16="http://schemas.microsoft.com/office/drawing/2014/main" id="{04025E4A-DAEC-1CBE-14F0-AA617E28F2EE}"/>
+              </a:ext>
+            </a:extLst>
+          </p:cNvPr>
+          <p:cNvCxnSpPr>
+            <a:cxnSpLocks/>
+            <a:stCxn id="41" idx="0"/>
+            <a:endCxn id="47" idx="2"/>
+          </p:cNvCxnSpPr>
+          <p:nvPr/>
+        </p:nvCxnSpPr>
+        <p:spPr>
+          <a:xfrm flipV="1">
+            <a:off x="2808885" y="2967484"/>
+            <a:ext cx="15502" cy="1575932"/>
+          </a:xfrm>
+          <a:prstGeom prst="straightConnector1">
+            <a:avLst/>
+          </a:prstGeom>
+          <a:ln>
+            <a:tailEnd type="triangle"/>
+          </a:ln>
+        </p:spPr>
+        <p:style>
+          <a:lnRef idx="2">
+            <a:schemeClr val="accent1"/>
+          </a:lnRef>
+          <a:fillRef idx="0">
+            <a:schemeClr val="accent1"/>
+          </a:fillRef>
+          <a:effectRef idx="1">
+            <a:schemeClr val="accent1"/>
+          </a:effectRef>
+          <a:fontRef idx="minor">
+            <a:schemeClr val="tx1"/>
+          </a:fontRef>
+        </p:style>
+      </p:cxnSp>
+      <p:sp>
+        <p:nvSpPr>
+          <p:cNvPr id="51" name="Rectangle 50">
+            <a:extLst>
+              <a:ext uri="{FF2B5EF4-FFF2-40B4-BE49-F238E27FC236}">
+                <a16:creationId xmlns:a16="http://schemas.microsoft.com/office/drawing/2014/main" id="{F02FF2DC-F423-6450-D70F-E53EFE44A16F}"/>
               </a:ext>
             </a:extLst>
           </p:cNvPr>
@@ -4564,8 +5320,8 @@
         </p:nvSpPr>
         <p:spPr>
           <a:xfrm>
-            <a:off x="3885123" y="3336587"/>
-            <a:ext cx="1995577" cy="770627"/>
+            <a:off x="1788544" y="1877287"/>
+            <a:ext cx="839638" cy="339700"/>
           </a:xfrm>
           <a:prstGeom prst="rect">
             <a:avLst/>
@@ -4591,135 +5347,35 @@
           <a:p>
             <a:pPr algn="ctr"/>
             <a:r>
-              <a:rPr lang="en-GB" sz="1000" dirty="0" err="1"/>
-              <a:t>Truy</a:t>
-            </a:r>
-            <a:r>
-              <a:rPr lang="en-GB" sz="1000" dirty="0"/>
+              <a:rPr lang="en-US" sz="1000" dirty="0" err="1"/>
+              <a:t>Không</a:t>
+            </a:r>
+            <a:r>
+              <a:rPr lang="en-US" sz="1000" dirty="0"/>
               <a:t> </a:t>
             </a:r>
             <a:r>
-              <a:rPr lang="en-GB" sz="1000" dirty="0" err="1"/>
-              <a:t>cập</a:t>
-            </a:r>
-            <a:r>
-              <a:rPr lang="en-GB" sz="1000" dirty="0"/>
+              <a:rPr lang="en-US" sz="1000" dirty="0" err="1"/>
+              <a:t>tồn</a:t>
+            </a:r>
+            <a:r>
+              <a:rPr lang="en-US" sz="1000" dirty="0"/>
               <a:t> </a:t>
             </a:r>
             <a:r>
-              <a:rPr lang="en-GB" sz="1000" dirty="0" err="1"/>
-              <a:t>vào</a:t>
-            </a:r>
-            <a:r>
-              <a:rPr lang="en-GB" sz="1000" dirty="0"/>
-              <a:t> </a:t>
-            </a:r>
-            <a:r>
-              <a:rPr lang="en-GB" sz="1000" dirty="0" err="1"/>
-              <a:t>thông</a:t>
-            </a:r>
-            <a:r>
-              <a:rPr lang="en-GB" sz="1000" dirty="0"/>
-              <a:t> tin</a:t>
-            </a:r>
-          </a:p>
-        </p:txBody>
-      </p:sp>
-      <p:graphicFrame>
-        <p:nvGraphicFramePr>
-          <p:cNvPr id="17" name="Table 16">
-            <a:extLst>
-              <a:ext uri="{FF2B5EF4-FFF2-40B4-BE49-F238E27FC236}">
-                <a16:creationId xmlns:a16="http://schemas.microsoft.com/office/drawing/2014/main" id="{0754B3C0-C626-0F5B-A258-25FBBD63F7CE}"/>
-              </a:ext>
-            </a:extLst>
-          </p:cNvPr>
-          <p:cNvGraphicFramePr>
-            <a:graphicFrameLocks noGrp="1"/>
-          </p:cNvGraphicFramePr>
-          <p:nvPr>
-            <p:extLst>
-              <p:ext uri="{D42A27DB-BD31-4B8C-83A1-F6EECF244321}">
-                <p14:modId xmlns:p14="http://schemas.microsoft.com/office/powerpoint/2010/main" val="3007484746"/>
-              </p:ext>
-            </p:extLst>
-          </p:nvPr>
-        </p:nvGraphicFramePr>
-        <p:xfrm>
-          <a:off x="258790" y="4322276"/>
-          <a:ext cx="11685916" cy="2286000"/>
-        </p:xfrm>
-        <a:graphic>
-          <a:graphicData uri="http://schemas.openxmlformats.org/drawingml/2006/table">
-            <a:tbl>
-              <a:tblPr firstRow="1" bandRow="1">
-                <a:tableStyleId>{5940675A-B579-460E-94D1-54222C63F5DA}</a:tableStyleId>
-              </a:tblPr>
-              <a:tblGrid>
-                <a:gridCol w="373814">
-                  <a:extLst>
-                    <a:ext uri="{9D8B030D-6E8A-4147-A177-3AD203B41FA5}">
-                      <a16:colId xmlns:a16="http://schemas.microsoft.com/office/drawing/2014/main" val="117437648"/>
-                    </a:ext>
-                  </a:extLst>
-                </a:gridCol>
-                <a:gridCol w="11312102">
-                  <a:extLst>
-                    <a:ext uri="{9D8B030D-6E8A-4147-A177-3AD203B41FA5}">
-                      <a16:colId xmlns:a16="http://schemas.microsoft.com/office/drawing/2014/main" val="4065911758"/>
-                    </a:ext>
-                  </a:extLst>
-                </a:gridCol>
-              </a:tblGrid>
-              <a:tr h="1245878">
-                <a:tc>
-                  <a:txBody>
-                    <a:bodyPr/>
-                    <a:lstStyle/>
-                    <a:p>
-                      <a:r>
-                        <a:rPr lang="en-GB" dirty="0" err="1"/>
-                        <a:t>Người</a:t>
-                      </a:r>
-                      <a:r>
-                        <a:rPr lang="en-GB" dirty="0"/>
-                        <a:t> </a:t>
-                      </a:r>
-                      <a:r>
-                        <a:rPr lang="en-GB" dirty="0" err="1"/>
-                        <a:t>dùng</a:t>
-                      </a:r>
-                      <a:endParaRPr lang="en-GB" dirty="0"/>
-                    </a:p>
-                  </a:txBody>
-                  <a:tcPr/>
-                </a:tc>
-                <a:tc>
-                  <a:txBody>
-                    <a:bodyPr/>
-                    <a:lstStyle/>
-                    <a:p>
-                      <a:endParaRPr lang="en-GB" dirty="0"/>
-                    </a:p>
-                  </a:txBody>
-                  <a:tcPr/>
-                </a:tc>
-                <a:extLst>
-                  <a:ext uri="{0D108BD9-81ED-4DB2-BD59-A6C34878D82A}">
-                    <a16:rowId xmlns:a16="http://schemas.microsoft.com/office/drawing/2014/main" val="2974784169"/>
-                  </a:ext>
-                </a:extLst>
-              </a:tr>
-            </a:tbl>
-          </a:graphicData>
-        </a:graphic>
-      </p:graphicFrame>
-      <p:sp>
-        <p:nvSpPr>
-          <p:cNvPr id="18" name="Rectangle 17">
-            <a:extLst>
-              <a:ext uri="{FF2B5EF4-FFF2-40B4-BE49-F238E27FC236}">
-                <a16:creationId xmlns:a16="http://schemas.microsoft.com/office/drawing/2014/main" id="{05B8CBDC-4A80-BE76-F1B2-01CF2FB5795A}"/>
+              <a:rPr lang="en-US" sz="1000" dirty="0" err="1"/>
+              <a:t>tại</a:t>
+            </a:r>
+            <a:endParaRPr lang="en-GB" sz="1000" dirty="0"/>
+          </a:p>
+        </p:txBody>
+      </p:sp>
+      <p:sp>
+        <p:nvSpPr>
+          <p:cNvPr id="52" name="Rectangle 51">
+            <a:extLst>
+              <a:ext uri="{FF2B5EF4-FFF2-40B4-BE49-F238E27FC236}">
+                <a16:creationId xmlns:a16="http://schemas.microsoft.com/office/drawing/2014/main" id="{C2F774AF-D08E-3C5E-7351-F411F4BF6C3C}"/>
               </a:ext>
             </a:extLst>
           </p:cNvPr>
@@ -4728,8 +5384,8 @@
         </p:nvSpPr>
         <p:spPr>
           <a:xfrm>
-            <a:off x="5066581" y="1357223"/>
-            <a:ext cx="1926566" cy="632603"/>
+            <a:off x="2721993" y="1268671"/>
+            <a:ext cx="1208777" cy="315913"/>
           </a:xfrm>
           <a:prstGeom prst="rect">
             <a:avLst/>
@@ -4755,27 +5411,23 @@
           <a:p>
             <a:pPr algn="ctr"/>
             <a:r>
-              <a:rPr lang="en-GB" sz="1000" dirty="0" err="1"/>
-              <a:t>Chọn</a:t>
-            </a:r>
-            <a:r>
-              <a:rPr lang="en-GB" sz="1000" dirty="0"/>
+              <a:rPr lang="en-US" sz="1000" dirty="0" err="1"/>
+              <a:t>Tên,id</a:t>
+            </a:r>
+            <a:r>
+              <a:rPr lang="en-US" sz="1000" dirty="0"/>
               <a:t> </a:t>
             </a:r>
-            <a:r>
-              <a:rPr lang="en-GB" sz="1000" dirty="0" err="1"/>
-              <a:t>lệnh</a:t>
-            </a:r>
             <a:endParaRPr lang="en-GB" sz="1000" dirty="0"/>
           </a:p>
         </p:txBody>
       </p:sp>
       <p:sp>
         <p:nvSpPr>
-          <p:cNvPr id="19" name="Rectangle 18">
-            <a:extLst>
-              <a:ext uri="{FF2B5EF4-FFF2-40B4-BE49-F238E27FC236}">
-                <a16:creationId xmlns:a16="http://schemas.microsoft.com/office/drawing/2014/main" id="{CFBDBB43-AE60-93BA-85EA-039137ED354A}"/>
+          <p:cNvPr id="53" name="Rectangle 52">
+            <a:extLst>
+              <a:ext uri="{FF2B5EF4-FFF2-40B4-BE49-F238E27FC236}">
+                <a16:creationId xmlns:a16="http://schemas.microsoft.com/office/drawing/2014/main" id="{54F9A952-0A49-FB34-81BD-2495A8BCBC59}"/>
               </a:ext>
             </a:extLst>
           </p:cNvPr>
@@ -4784,8 +5436,8 @@
         </p:nvSpPr>
         <p:spPr>
           <a:xfrm>
-            <a:off x="5336876" y="2830307"/>
-            <a:ext cx="3099759" cy="1184695"/>
+            <a:off x="3800296" y="4397398"/>
+            <a:ext cx="1489494" cy="385892"/>
           </a:xfrm>
           <a:prstGeom prst="rect">
             <a:avLst/>
@@ -4811,78 +5463,51 @@
           <a:p>
             <a:pPr algn="ctr"/>
             <a:r>
-              <a:rPr lang="en-GB" sz="1000" dirty="0" err="1"/>
-              <a:t>Thêm</a:t>
-            </a:r>
-            <a:r>
-              <a:rPr lang="en-GB" sz="1000" dirty="0"/>
+              <a:rPr lang="en-US" sz="1000" dirty="0" err="1"/>
+              <a:t>Thực</a:t>
+            </a:r>
+            <a:r>
+              <a:rPr lang="en-US" sz="1000" dirty="0"/>
               <a:t> </a:t>
             </a:r>
             <a:r>
-              <a:rPr lang="en-GB" sz="1000" dirty="0" err="1"/>
-              <a:t>bạn</a:t>
-            </a:r>
-            <a:r>
-              <a:rPr lang="en-GB" sz="1000" dirty="0"/>
+              <a:rPr lang="en-US" sz="1000" dirty="0" err="1"/>
+              <a:t>hiện</a:t>
+            </a:r>
+            <a:r>
+              <a:rPr lang="en-US" sz="1000" dirty="0"/>
               <a:t> </a:t>
             </a:r>
             <a:r>
-              <a:rPr lang="en-GB" sz="1000" dirty="0" err="1"/>
-              <a:t>bè</a:t>
+              <a:rPr lang="en-US" sz="1000" dirty="0" err="1"/>
+              <a:t>quét</a:t>
+            </a:r>
+            <a:r>
+              <a:rPr lang="en-US" sz="1000" dirty="0"/>
+              <a:t> </a:t>
+            </a:r>
+            <a:r>
+              <a:rPr lang="en-US" sz="1000" dirty="0" err="1"/>
+              <a:t>tìm</a:t>
+            </a:r>
+            <a:r>
+              <a:rPr lang="en-US" sz="1000" dirty="0"/>
+              <a:t> </a:t>
+            </a:r>
+            <a:r>
+              <a:rPr lang="en-US" sz="1000" dirty="0" err="1"/>
+              <a:t>kiếm</a:t>
             </a:r>
             <a:endParaRPr lang="en-GB" sz="1000" dirty="0"/>
           </a:p>
-          <a:p>
-            <a:pPr algn="ctr"/>
-            <a:r>
-              <a:rPr lang="en-GB" sz="1000" dirty="0"/>
-              <a:t>Block</a:t>
-            </a:r>
-          </a:p>
-          <a:p>
-            <a:pPr algn="ctr"/>
-            <a:r>
-              <a:rPr lang="en-GB" sz="1000" dirty="0"/>
-              <a:t>Báo </a:t>
-            </a:r>
-            <a:r>
-              <a:rPr lang="en-GB" sz="1000" dirty="0" err="1"/>
-              <a:t>cáo</a:t>
-            </a:r>
-            <a:endParaRPr lang="en-GB" sz="1000" dirty="0"/>
-          </a:p>
-          <a:p>
-            <a:pPr algn="ctr"/>
-            <a:r>
-              <a:rPr lang="en-GB" sz="1000" dirty="0" err="1"/>
-              <a:t>Xóa</a:t>
-            </a:r>
-            <a:r>
-              <a:rPr lang="en-GB" sz="1000" dirty="0"/>
-              <a:t> </a:t>
-            </a:r>
-            <a:r>
-              <a:rPr lang="en-GB" sz="1000" dirty="0" err="1"/>
-              <a:t>bạn</a:t>
-            </a:r>
-            <a:r>
-              <a:rPr lang="en-GB" sz="1000" dirty="0"/>
-              <a:t> </a:t>
-            </a:r>
-            <a:r>
-              <a:rPr lang="en-GB" sz="1000" dirty="0" err="1"/>
-              <a:t>bè</a:t>
-            </a:r>
-            <a:endParaRPr lang="en-GB" sz="1000" dirty="0"/>
-          </a:p>
-        </p:txBody>
-      </p:sp>
-      <p:sp>
-        <p:nvSpPr>
-          <p:cNvPr id="20" name="Rectangle 19">
-            <a:extLst>
-              <a:ext uri="{FF2B5EF4-FFF2-40B4-BE49-F238E27FC236}">
-                <a16:creationId xmlns:a16="http://schemas.microsoft.com/office/drawing/2014/main" id="{969FCD16-C47B-0603-ED05-ADB3893E5EA0}"/>
+        </p:txBody>
+      </p:sp>
+      <p:sp>
+        <p:nvSpPr>
+          <p:cNvPr id="54" name="Rectangle: Rounded Corners 53">
+            <a:extLst>
+              <a:ext uri="{FF2B5EF4-FFF2-40B4-BE49-F238E27FC236}">
+                <a16:creationId xmlns:a16="http://schemas.microsoft.com/office/drawing/2014/main" id="{230795D2-35FD-656F-D832-9D0214C69353}"/>
               </a:ext>
             </a:extLst>
           </p:cNvPr>
@@ -4891,10 +5516,10 @@
         </p:nvSpPr>
         <p:spPr>
           <a:xfrm>
-            <a:off x="1339970" y="4646761"/>
-            <a:ext cx="3473570" cy="1184695"/>
-          </a:xfrm>
-          <a:prstGeom prst="rect">
+            <a:off x="3800296" y="2504534"/>
+            <a:ext cx="1371149" cy="356558"/>
+          </a:xfrm>
+          <a:prstGeom prst="roundRect">
             <a:avLst/>
           </a:prstGeom>
         </p:spPr>
@@ -4918,351 +5543,28 @@
           <a:p>
             <a:pPr algn="ctr"/>
             <a:r>
-              <a:rPr lang="en-GB" sz="1000" dirty="0" err="1"/>
-              <a:t>Nhận</a:t>
-            </a:r>
-            <a:r>
-              <a:rPr lang="en-GB" sz="1000" dirty="0"/>
+              <a:rPr lang="en-US" sz="1000" dirty="0"/>
+              <a:t>Danh </a:t>
+            </a:r>
+            <a:r>
+              <a:rPr lang="en-US" sz="1000" dirty="0" err="1"/>
+              <a:t>sách</a:t>
+            </a:r>
+            <a:r>
+              <a:rPr lang="en-US" sz="1000" dirty="0"/>
               <a:t> </a:t>
             </a:r>
             <a:r>
-              <a:rPr lang="en-GB" sz="1000" dirty="0" err="1"/>
-              <a:t>thông</a:t>
-            </a:r>
-            <a:r>
-              <a:rPr lang="en-GB" sz="1000" dirty="0"/>
+              <a:rPr lang="en-US" sz="1000" dirty="0" err="1"/>
+              <a:t>bạn</a:t>
+            </a:r>
+            <a:r>
+              <a:rPr lang="en-US" sz="1000" dirty="0"/>
               <a:t> </a:t>
             </a:r>
             <a:r>
-              <a:rPr lang="en-GB" sz="1000" dirty="0" err="1"/>
-              <a:t>báo</a:t>
-            </a:r>
-            <a:r>
-              <a:rPr lang="en-GB" sz="1000" dirty="0"/>
-              <a:t> </a:t>
-            </a:r>
-            <a:r>
-              <a:rPr lang="en-GB" sz="1000" dirty="0" err="1"/>
-              <a:t>và</a:t>
-            </a:r>
-            <a:r>
-              <a:rPr lang="en-GB" sz="1000" dirty="0"/>
-              <a:t> </a:t>
-            </a:r>
-            <a:r>
-              <a:rPr lang="en-GB" sz="1000" dirty="0" err="1"/>
-              <a:t>phản</a:t>
-            </a:r>
-            <a:r>
-              <a:rPr lang="en-GB" sz="1000" dirty="0"/>
-              <a:t> </a:t>
-            </a:r>
-            <a:r>
-              <a:rPr lang="en-GB" sz="1000" dirty="0" err="1"/>
-              <a:t>hồi</a:t>
-            </a:r>
-            <a:endParaRPr lang="en-GB" sz="1000" dirty="0"/>
-          </a:p>
-        </p:txBody>
-      </p:sp>
-      <p:sp>
-        <p:nvSpPr>
-          <p:cNvPr id="21" name="Rectangle 20">
-            <a:extLst>
-              <a:ext uri="{FF2B5EF4-FFF2-40B4-BE49-F238E27FC236}">
-                <a16:creationId xmlns:a16="http://schemas.microsoft.com/office/drawing/2014/main" id="{997D0C3A-2DFB-252B-4489-F56E427BAA29}"/>
-              </a:ext>
-            </a:extLst>
-          </p:cNvPr>
-          <p:cNvSpPr/>
-          <p:nvPr/>
-        </p:nvSpPr>
-        <p:spPr>
-          <a:xfrm>
-            <a:off x="5618672" y="4608986"/>
-            <a:ext cx="1374475" cy="534837"/>
-          </a:xfrm>
-          <a:prstGeom prst="rect">
-            <a:avLst/>
-          </a:prstGeom>
-        </p:spPr>
-        <p:style>
-          <a:lnRef idx="2">
-            <a:schemeClr val="accent6"/>
-          </a:lnRef>
-          <a:fillRef idx="1">
-            <a:schemeClr val="lt1"/>
-          </a:fillRef>
-          <a:effectRef idx="0">
-            <a:schemeClr val="accent6"/>
-          </a:effectRef>
-          <a:fontRef idx="minor">
-            <a:schemeClr val="dk1"/>
-          </a:fontRef>
-        </p:style>
-        <p:txBody>
-          <a:bodyPr rtlCol="0" anchor="ctr"/>
-          <a:lstStyle/>
-          <a:p>
-            <a:pPr algn="ctr"/>
-            <a:r>
-              <a:rPr lang="en-GB" sz="1000" dirty="0" err="1"/>
-              <a:t>Đồng</a:t>
-            </a:r>
-            <a:r>
-              <a:rPr lang="en-GB" sz="1000" dirty="0"/>
-              <a:t> ý</a:t>
-            </a:r>
-          </a:p>
-        </p:txBody>
-      </p:sp>
-      <p:sp>
-        <p:nvSpPr>
-          <p:cNvPr id="22" name="Rectangle 21">
-            <a:extLst>
-              <a:ext uri="{FF2B5EF4-FFF2-40B4-BE49-F238E27FC236}">
-                <a16:creationId xmlns:a16="http://schemas.microsoft.com/office/drawing/2014/main" id="{93D2193C-64D1-6F33-3BC6-F2157BD9AA93}"/>
-              </a:ext>
-            </a:extLst>
-          </p:cNvPr>
-          <p:cNvSpPr/>
-          <p:nvPr/>
-        </p:nvSpPr>
-        <p:spPr>
-          <a:xfrm>
-            <a:off x="5546785" y="5558286"/>
-            <a:ext cx="1446362" cy="546340"/>
-          </a:xfrm>
-          <a:prstGeom prst="rect">
-            <a:avLst/>
-          </a:prstGeom>
-        </p:spPr>
-        <p:style>
-          <a:lnRef idx="2">
-            <a:schemeClr val="accent6"/>
-          </a:lnRef>
-          <a:fillRef idx="1">
-            <a:schemeClr val="lt1"/>
-          </a:fillRef>
-          <a:effectRef idx="0">
-            <a:schemeClr val="accent6"/>
-          </a:effectRef>
-          <a:fontRef idx="minor">
-            <a:schemeClr val="dk1"/>
-          </a:fontRef>
-        </p:style>
-        <p:txBody>
-          <a:bodyPr rtlCol="0" anchor="ctr"/>
-          <a:lstStyle/>
-          <a:p>
-            <a:pPr algn="ctr"/>
-            <a:r>
-              <a:rPr lang="en-GB" sz="1000" dirty="0" err="1"/>
-              <a:t>Từ</a:t>
-            </a:r>
-            <a:r>
-              <a:rPr lang="en-GB" sz="1000" dirty="0"/>
-              <a:t> </a:t>
-            </a:r>
-            <a:r>
-              <a:rPr lang="en-GB" sz="1000" dirty="0" err="1"/>
-              <a:t>chối</a:t>
-            </a:r>
-            <a:endParaRPr lang="en-GB" sz="1000" dirty="0"/>
-          </a:p>
-        </p:txBody>
-      </p:sp>
-      <p:sp>
-        <p:nvSpPr>
-          <p:cNvPr id="23" name="Rectangle 22">
-            <a:extLst>
-              <a:ext uri="{FF2B5EF4-FFF2-40B4-BE49-F238E27FC236}">
-                <a16:creationId xmlns:a16="http://schemas.microsoft.com/office/drawing/2014/main" id="{2F730E84-03FE-744C-0D86-908F3874C978}"/>
-              </a:ext>
-            </a:extLst>
-          </p:cNvPr>
-          <p:cNvSpPr/>
-          <p:nvPr/>
-        </p:nvSpPr>
-        <p:spPr>
-          <a:xfrm>
-            <a:off x="8436635" y="1521519"/>
-            <a:ext cx="885644" cy="727100"/>
-          </a:xfrm>
-          <a:prstGeom prst="rect">
-            <a:avLst/>
-          </a:prstGeom>
-        </p:spPr>
-        <p:style>
-          <a:lnRef idx="2">
-            <a:schemeClr val="accent6"/>
-          </a:lnRef>
-          <a:fillRef idx="1">
-            <a:schemeClr val="lt1"/>
-          </a:fillRef>
-          <a:effectRef idx="0">
-            <a:schemeClr val="accent6"/>
-          </a:effectRef>
-          <a:fontRef idx="minor">
-            <a:schemeClr val="dk1"/>
-          </a:fontRef>
-        </p:style>
-        <p:txBody>
-          <a:bodyPr rtlCol="0" anchor="ctr"/>
-          <a:lstStyle/>
-          <a:p>
-            <a:pPr algn="ctr"/>
-            <a:r>
-              <a:rPr lang="en-GB" sz="1000" dirty="0" err="1"/>
-              <a:t>Phản</a:t>
-            </a:r>
-            <a:r>
-              <a:rPr lang="en-GB" sz="1000" dirty="0"/>
-              <a:t> </a:t>
-            </a:r>
-            <a:r>
-              <a:rPr lang="en-GB" sz="1000" dirty="0" err="1"/>
-              <a:t>hồi</a:t>
-            </a:r>
-            <a:endParaRPr lang="en-GB" sz="1000" dirty="0"/>
-          </a:p>
-        </p:txBody>
-      </p:sp>
-      <p:sp>
-        <p:nvSpPr>
-          <p:cNvPr id="30" name="Rectangle 29">
-            <a:extLst>
-              <a:ext uri="{FF2B5EF4-FFF2-40B4-BE49-F238E27FC236}">
-                <a16:creationId xmlns:a16="http://schemas.microsoft.com/office/drawing/2014/main" id="{D5DCD701-6F5D-248B-76B8-B96B176CE4E1}"/>
-              </a:ext>
-            </a:extLst>
-          </p:cNvPr>
-          <p:cNvSpPr/>
-          <p:nvPr/>
-        </p:nvSpPr>
-        <p:spPr>
-          <a:xfrm>
-            <a:off x="1751097" y="3450812"/>
-            <a:ext cx="999764" cy="332712"/>
-          </a:xfrm>
-          <a:prstGeom prst="rect">
-            <a:avLst/>
-          </a:prstGeom>
-        </p:spPr>
-        <p:style>
-          <a:lnRef idx="2">
-            <a:schemeClr val="accent6"/>
-          </a:lnRef>
-          <a:fillRef idx="1">
-            <a:schemeClr val="lt1"/>
-          </a:fillRef>
-          <a:effectRef idx="0">
-            <a:schemeClr val="accent6"/>
-          </a:effectRef>
-          <a:fontRef idx="minor">
-            <a:schemeClr val="dk1"/>
-          </a:fontRef>
-        </p:style>
-        <p:txBody>
-          <a:bodyPr rtlCol="0" anchor="ctr"/>
-          <a:lstStyle/>
-          <a:p>
-            <a:pPr algn="ctr"/>
-            <a:r>
-              <a:rPr lang="en-GB" sz="1000" dirty="0"/>
-              <a:t>Tra </a:t>
-            </a:r>
-            <a:r>
-              <a:rPr lang="en-GB" sz="1000" dirty="0" err="1"/>
-              <a:t>danh</a:t>
-            </a:r>
-            <a:r>
-              <a:rPr lang="en-GB" sz="1000" dirty="0"/>
-              <a:t> </a:t>
-            </a:r>
-            <a:r>
-              <a:rPr lang="en-GB" sz="1000" dirty="0" err="1"/>
-              <a:t>sách</a:t>
-            </a:r>
-            <a:endParaRPr lang="en-GB" sz="1000" dirty="0"/>
-          </a:p>
-        </p:txBody>
-      </p:sp>
-      <p:sp>
-        <p:nvSpPr>
-          <p:cNvPr id="31" name="Rectangle 30">
-            <a:extLst>
-              <a:ext uri="{FF2B5EF4-FFF2-40B4-BE49-F238E27FC236}">
-                <a16:creationId xmlns:a16="http://schemas.microsoft.com/office/drawing/2014/main" id="{8AD078AD-DA63-43C0-11C4-C56B4B40310B}"/>
-              </a:ext>
-            </a:extLst>
-          </p:cNvPr>
-          <p:cNvSpPr/>
-          <p:nvPr/>
-        </p:nvSpPr>
-        <p:spPr>
-          <a:xfrm>
-            <a:off x="693012" y="3450812"/>
-            <a:ext cx="995628" cy="332712"/>
-          </a:xfrm>
-          <a:prstGeom prst="rect">
-            <a:avLst/>
-          </a:prstGeom>
-        </p:spPr>
-        <p:style>
-          <a:lnRef idx="2">
-            <a:schemeClr val="accent6"/>
-          </a:lnRef>
-          <a:fillRef idx="1">
-            <a:schemeClr val="lt1"/>
-          </a:fillRef>
-          <a:effectRef idx="0">
-            <a:schemeClr val="accent6"/>
-          </a:effectRef>
-          <a:fontRef idx="minor">
-            <a:schemeClr val="dk1"/>
-          </a:fontRef>
-        </p:style>
-        <p:txBody>
-          <a:bodyPr rtlCol="0" anchor="ctr"/>
-          <a:lstStyle/>
-          <a:p>
-            <a:pPr algn="ctr"/>
-            <a:r>
-              <a:rPr lang="en-GB" sz="1000" dirty="0" err="1"/>
-              <a:t>Thực</a:t>
-            </a:r>
-            <a:r>
-              <a:rPr lang="en-GB" sz="1000" dirty="0"/>
-              <a:t> </a:t>
-            </a:r>
-            <a:r>
-              <a:rPr lang="en-GB" sz="1000" dirty="0" err="1"/>
-              <a:t>hiện</a:t>
-            </a:r>
-            <a:r>
-              <a:rPr lang="en-GB" sz="1000" dirty="0"/>
-              <a:t> </a:t>
-            </a:r>
-            <a:r>
-              <a:rPr lang="en-GB" sz="1000" dirty="0" err="1"/>
-              <a:t>tìm</a:t>
-            </a:r>
-            <a:r>
-              <a:rPr lang="en-GB" sz="1000" dirty="0"/>
-              <a:t> </a:t>
-            </a:r>
-            <a:r>
-              <a:rPr lang="en-GB" sz="1000" dirty="0" err="1"/>
-              <a:t>kiếm</a:t>
-            </a:r>
-            <a:r>
-              <a:rPr lang="en-GB" sz="1000" dirty="0"/>
-              <a:t> </a:t>
-            </a:r>
-            <a:r>
-              <a:rPr lang="en-GB" sz="1000" dirty="0" err="1"/>
-              <a:t>quét</a:t>
+              <a:rPr lang="en-US" sz="1000" dirty="0" err="1"/>
+              <a:t>bè</a:t>
             </a:r>
             <a:endParaRPr lang="en-GB" sz="1000" dirty="0"/>
           </a:p>
@@ -5270,23 +5572,24 @@
       </p:sp>
       <p:cxnSp>
         <p:nvCxnSpPr>
-          <p:cNvPr id="33" name="Straight Arrow Connector 32">
-            <a:extLst>
-              <a:ext uri="{FF2B5EF4-FFF2-40B4-BE49-F238E27FC236}">
-                <a16:creationId xmlns:a16="http://schemas.microsoft.com/office/drawing/2014/main" id="{D67B304A-5783-3780-DAFE-AC56A2D062CD}"/>
+          <p:cNvPr id="58" name="Straight Arrow Connector 57">
+            <a:extLst>
+              <a:ext uri="{FF2B5EF4-FFF2-40B4-BE49-F238E27FC236}">
+                <a16:creationId xmlns:a16="http://schemas.microsoft.com/office/drawing/2014/main" id="{C1BF884C-0F1B-39EA-8CF1-468C2479E792}"/>
               </a:ext>
             </a:extLst>
           </p:cNvPr>
           <p:cNvCxnSpPr>
             <a:cxnSpLocks/>
-            <a:endCxn id="31" idx="0"/>
+            <a:stCxn id="47" idx="0"/>
+            <a:endCxn id="51" idx="2"/>
           </p:cNvCxnSpPr>
           <p:nvPr/>
         </p:nvCxnSpPr>
         <p:spPr>
-          <a:xfrm flipH="1">
-            <a:off x="1190826" y="2992027"/>
-            <a:ext cx="294490" cy="458785"/>
+          <a:xfrm flipH="1" flipV="1">
+            <a:off x="2208363" y="2216987"/>
+            <a:ext cx="616024" cy="537714"/>
           </a:xfrm>
           <a:prstGeom prst="straightConnector1">
             <a:avLst/>
@@ -5312,24 +5615,24 @@
       </p:cxnSp>
       <p:cxnSp>
         <p:nvCxnSpPr>
-          <p:cNvPr id="36" name="Straight Arrow Connector 35">
-            <a:extLst>
-              <a:ext uri="{FF2B5EF4-FFF2-40B4-BE49-F238E27FC236}">
-                <a16:creationId xmlns:a16="http://schemas.microsoft.com/office/drawing/2014/main" id="{38805A0E-8AC7-F6A9-38C7-3AB088A9B5BE}"/>
+          <p:cNvPr id="61" name="Straight Arrow Connector 60">
+            <a:extLst>
+              <a:ext uri="{FF2B5EF4-FFF2-40B4-BE49-F238E27FC236}">
+                <a16:creationId xmlns:a16="http://schemas.microsoft.com/office/drawing/2014/main" id="{71F430F2-FB52-690A-E257-0D671EC0DCFF}"/>
               </a:ext>
             </a:extLst>
           </p:cNvPr>
           <p:cNvCxnSpPr>
             <a:cxnSpLocks/>
-            <a:stCxn id="10" idx="2"/>
-            <a:endCxn id="30" idx="0"/>
+            <a:stCxn id="47" idx="0"/>
+            <a:endCxn id="52" idx="2"/>
           </p:cNvCxnSpPr>
           <p:nvPr/>
         </p:nvCxnSpPr>
         <p:spPr>
-          <a:xfrm>
-            <a:off x="1451394" y="2984439"/>
-            <a:ext cx="799585" cy="466373"/>
+          <a:xfrm flipV="1">
+            <a:off x="2824387" y="1584584"/>
+            <a:ext cx="501995" cy="1170117"/>
           </a:xfrm>
           <a:prstGeom prst="straightConnector1">
             <a:avLst/>
@@ -5353,12 +5656,320 @@
           </a:fontRef>
         </p:style>
       </p:cxnSp>
-      <p:sp>
-        <p:nvSpPr>
-          <p:cNvPr id="43" name="Rectangle 42">
-            <a:extLst>
-              <a:ext uri="{FF2B5EF4-FFF2-40B4-BE49-F238E27FC236}">
-                <a16:creationId xmlns:a16="http://schemas.microsoft.com/office/drawing/2014/main" id="{5AE44AF8-C108-BD11-63A1-6DE6EF5077F8}"/>
+      <p:cxnSp>
+        <p:nvCxnSpPr>
+          <p:cNvPr id="64" name="Straight Arrow Connector 63">
+            <a:extLst>
+              <a:ext uri="{FF2B5EF4-FFF2-40B4-BE49-F238E27FC236}">
+                <a16:creationId xmlns:a16="http://schemas.microsoft.com/office/drawing/2014/main" id="{37959C74-D1BC-9E2D-3D65-EFFDD56550DA}"/>
+              </a:ext>
+            </a:extLst>
+          </p:cNvPr>
+          <p:cNvCxnSpPr>
+            <a:cxnSpLocks/>
+            <a:stCxn id="41" idx="3"/>
+            <a:endCxn id="53" idx="1"/>
+          </p:cNvCxnSpPr>
+          <p:nvPr/>
+        </p:nvCxnSpPr>
+        <p:spPr>
+          <a:xfrm flipV="1">
+            <a:off x="2921028" y="4590344"/>
+            <a:ext cx="879268" cy="35713"/>
+          </a:xfrm>
+          <a:prstGeom prst="straightConnector1">
+            <a:avLst/>
+          </a:prstGeom>
+          <a:ln>
+            <a:tailEnd type="triangle"/>
+          </a:ln>
+        </p:spPr>
+        <p:style>
+          <a:lnRef idx="2">
+            <a:schemeClr val="accent1"/>
+          </a:lnRef>
+          <a:fillRef idx="0">
+            <a:schemeClr val="accent1"/>
+          </a:fillRef>
+          <a:effectRef idx="1">
+            <a:schemeClr val="accent1"/>
+          </a:effectRef>
+          <a:fontRef idx="minor">
+            <a:schemeClr val="tx1"/>
+          </a:fontRef>
+        </p:style>
+      </p:cxnSp>
+      <p:cxnSp>
+        <p:nvCxnSpPr>
+          <p:cNvPr id="67" name="Straight Arrow Connector 66">
+            <a:extLst>
+              <a:ext uri="{FF2B5EF4-FFF2-40B4-BE49-F238E27FC236}">
+                <a16:creationId xmlns:a16="http://schemas.microsoft.com/office/drawing/2014/main" id="{97CC9814-5A84-D22B-FF54-8BAB23339278}"/>
+              </a:ext>
+            </a:extLst>
+          </p:cNvPr>
+          <p:cNvCxnSpPr>
+            <a:cxnSpLocks/>
+            <a:stCxn id="53" idx="0"/>
+            <a:endCxn id="54" idx="2"/>
+          </p:cNvCxnSpPr>
+          <p:nvPr/>
+        </p:nvCxnSpPr>
+        <p:spPr>
+          <a:xfrm flipH="1" flipV="1">
+            <a:off x="4485871" y="2861092"/>
+            <a:ext cx="59172" cy="1536306"/>
+          </a:xfrm>
+          <a:prstGeom prst="straightConnector1">
+            <a:avLst/>
+          </a:prstGeom>
+          <a:ln>
+            <a:tailEnd type="triangle"/>
+          </a:ln>
+        </p:spPr>
+        <p:style>
+          <a:lnRef idx="2">
+            <a:schemeClr val="accent1"/>
+          </a:lnRef>
+          <a:fillRef idx="0">
+            <a:schemeClr val="accent1"/>
+          </a:fillRef>
+          <a:effectRef idx="1">
+            <a:schemeClr val="accent1"/>
+          </a:effectRef>
+          <a:fontRef idx="minor">
+            <a:schemeClr val="tx1"/>
+          </a:fontRef>
+        </p:style>
+      </p:cxnSp>
+      <p:sp>
+        <p:nvSpPr>
+          <p:cNvPr id="70" name="TextBox 69">
+            <a:extLst>
+              <a:ext uri="{FF2B5EF4-FFF2-40B4-BE49-F238E27FC236}">
+                <a16:creationId xmlns:a16="http://schemas.microsoft.com/office/drawing/2014/main" id="{8036F679-9E58-6537-AF94-297BE26D79F6}"/>
+              </a:ext>
+            </a:extLst>
+          </p:cNvPr>
+          <p:cNvSpPr txBox="1"/>
+          <p:nvPr/>
+        </p:nvSpPr>
+        <p:spPr>
+          <a:xfrm rot="16200000">
+            <a:off x="2067063" y="3830128"/>
+            <a:ext cx="1241076" cy="230832"/>
+          </a:xfrm>
+          <a:prstGeom prst="rect">
+            <a:avLst/>
+          </a:prstGeom>
+          <a:noFill/>
+        </p:spPr>
+        <p:txBody>
+          <a:bodyPr wrap="square" rtlCol="0">
+            <a:spAutoFit/>
+          </a:bodyPr>
+          <a:lstStyle/>
+          <a:p>
+            <a:r>
+              <a:rPr lang="en-US" sz="900" dirty="0" err="1"/>
+              <a:t>Tìm</a:t>
+            </a:r>
+            <a:r>
+              <a:rPr lang="en-US" sz="900" dirty="0"/>
+              <a:t> </a:t>
+            </a:r>
+            <a:r>
+              <a:rPr lang="en-US" sz="900" dirty="0" err="1"/>
+              <a:t>theo</a:t>
+            </a:r>
+            <a:r>
+              <a:rPr lang="en-US" sz="900" dirty="0"/>
+              <a:t> </a:t>
+            </a:r>
+            <a:r>
+              <a:rPr lang="en-US" sz="900" dirty="0" err="1"/>
+              <a:t>sdt,email</a:t>
+            </a:r>
+            <a:endParaRPr lang="en-GB" sz="900" dirty="0"/>
+          </a:p>
+        </p:txBody>
+      </p:sp>
+      <p:sp>
+        <p:nvSpPr>
+          <p:cNvPr id="71" name="TextBox 70">
+            <a:extLst>
+              <a:ext uri="{FF2B5EF4-FFF2-40B4-BE49-F238E27FC236}">
+                <a16:creationId xmlns:a16="http://schemas.microsoft.com/office/drawing/2014/main" id="{89DC62DF-C315-4FF6-7894-73127EF094A0}"/>
+              </a:ext>
+            </a:extLst>
+          </p:cNvPr>
+          <p:cNvSpPr txBox="1"/>
+          <p:nvPr/>
+        </p:nvSpPr>
+        <p:spPr>
+          <a:xfrm rot="21403647">
+            <a:off x="2912089" y="4395225"/>
+            <a:ext cx="1081091" cy="230832"/>
+          </a:xfrm>
+          <a:prstGeom prst="rect">
+            <a:avLst/>
+          </a:prstGeom>
+          <a:noFill/>
+        </p:spPr>
+        <p:txBody>
+          <a:bodyPr wrap="square" rtlCol="0">
+            <a:spAutoFit/>
+          </a:bodyPr>
+          <a:lstStyle/>
+          <a:p>
+            <a:r>
+              <a:rPr lang="en-US" sz="900" dirty="0" err="1"/>
+              <a:t>Tìm</a:t>
+            </a:r>
+            <a:r>
+              <a:rPr lang="en-US" sz="900" dirty="0"/>
+              <a:t> </a:t>
+            </a:r>
+            <a:r>
+              <a:rPr lang="en-US" sz="900" dirty="0" err="1"/>
+              <a:t>theo</a:t>
+            </a:r>
+            <a:r>
+              <a:rPr lang="en-US" sz="900" dirty="0"/>
+              <a:t> </a:t>
+            </a:r>
+            <a:r>
+              <a:rPr lang="en-US" sz="900" dirty="0" err="1"/>
+              <a:t>tên</a:t>
+            </a:r>
+            <a:endParaRPr lang="en-GB" sz="900" dirty="0"/>
+          </a:p>
+        </p:txBody>
+      </p:sp>
+      <p:cxnSp>
+        <p:nvCxnSpPr>
+          <p:cNvPr id="73" name="Straight Connector 72">
+            <a:extLst>
+              <a:ext uri="{FF2B5EF4-FFF2-40B4-BE49-F238E27FC236}">
+                <a16:creationId xmlns:a16="http://schemas.microsoft.com/office/drawing/2014/main" id="{03FB4886-E117-F7E3-6ABF-37405B19B801}"/>
+              </a:ext>
+            </a:extLst>
+          </p:cNvPr>
+          <p:cNvCxnSpPr>
+            <a:cxnSpLocks/>
+            <a:stCxn id="52" idx="3"/>
+          </p:cNvCxnSpPr>
+          <p:nvPr/>
+        </p:nvCxnSpPr>
+        <p:spPr>
+          <a:xfrm>
+            <a:off x="3930770" y="1426628"/>
+            <a:ext cx="1981200" cy="16958"/>
+          </a:xfrm>
+          <a:prstGeom prst="line">
+            <a:avLst/>
+          </a:prstGeom>
+        </p:spPr>
+        <p:style>
+          <a:lnRef idx="2">
+            <a:schemeClr val="accent1"/>
+          </a:lnRef>
+          <a:fillRef idx="0">
+            <a:schemeClr val="accent1"/>
+          </a:fillRef>
+          <a:effectRef idx="1">
+            <a:schemeClr val="accent1"/>
+          </a:effectRef>
+          <a:fontRef idx="minor">
+            <a:schemeClr val="tx1"/>
+          </a:fontRef>
+        </p:style>
+      </p:cxnSp>
+      <p:cxnSp>
+        <p:nvCxnSpPr>
+          <p:cNvPr id="76" name="Straight Connector 75">
+            <a:extLst>
+              <a:ext uri="{FF2B5EF4-FFF2-40B4-BE49-F238E27FC236}">
+                <a16:creationId xmlns:a16="http://schemas.microsoft.com/office/drawing/2014/main" id="{8653FDBB-898E-E85A-09CA-C0A451B68211}"/>
+              </a:ext>
+            </a:extLst>
+          </p:cNvPr>
+          <p:cNvCxnSpPr>
+            <a:cxnSpLocks/>
+          </p:cNvCxnSpPr>
+          <p:nvPr/>
+        </p:nvCxnSpPr>
+        <p:spPr>
+          <a:xfrm>
+            <a:off x="5171445" y="2682813"/>
+            <a:ext cx="740525" cy="0"/>
+          </a:xfrm>
+          <a:prstGeom prst="line">
+            <a:avLst/>
+          </a:prstGeom>
+        </p:spPr>
+        <p:style>
+          <a:lnRef idx="2">
+            <a:schemeClr val="accent1"/>
+          </a:lnRef>
+          <a:fillRef idx="0">
+            <a:schemeClr val="accent1"/>
+          </a:fillRef>
+          <a:effectRef idx="1">
+            <a:schemeClr val="accent1"/>
+          </a:effectRef>
+          <a:fontRef idx="minor">
+            <a:schemeClr val="tx1"/>
+          </a:fontRef>
+        </p:style>
+      </p:cxnSp>
+      <p:cxnSp>
+        <p:nvCxnSpPr>
+          <p:cNvPr id="79" name="Straight Arrow Connector 78">
+            <a:extLst>
+              <a:ext uri="{FF2B5EF4-FFF2-40B4-BE49-F238E27FC236}">
+                <a16:creationId xmlns:a16="http://schemas.microsoft.com/office/drawing/2014/main" id="{D4019416-0092-6F29-129D-D2CB6E1D6DE0}"/>
+              </a:ext>
+            </a:extLst>
+          </p:cNvPr>
+          <p:cNvCxnSpPr>
+            <a:cxnSpLocks/>
+          </p:cNvCxnSpPr>
+          <p:nvPr/>
+        </p:nvCxnSpPr>
+        <p:spPr>
+          <a:xfrm>
+            <a:off x="5911970" y="1426627"/>
+            <a:ext cx="0" cy="2863577"/>
+          </a:xfrm>
+          <a:prstGeom prst="straightConnector1">
+            <a:avLst/>
+          </a:prstGeom>
+          <a:ln>
+            <a:tailEnd type="triangle"/>
+          </a:ln>
+        </p:spPr>
+        <p:style>
+          <a:lnRef idx="2">
+            <a:schemeClr val="accent1"/>
+          </a:lnRef>
+          <a:fillRef idx="0">
+            <a:schemeClr val="accent1"/>
+          </a:fillRef>
+          <a:effectRef idx="1">
+            <a:schemeClr val="accent1"/>
+          </a:effectRef>
+          <a:fontRef idx="minor">
+            <a:schemeClr val="tx1"/>
+          </a:fontRef>
+        </p:style>
+      </p:cxnSp>
+      <p:sp>
+        <p:nvSpPr>
+          <p:cNvPr id="82" name="Rectangle 81">
+            <a:extLst>
+              <a:ext uri="{FF2B5EF4-FFF2-40B4-BE49-F238E27FC236}">
+                <a16:creationId xmlns:a16="http://schemas.microsoft.com/office/drawing/2014/main" id="{6D2408A6-3435-0D10-0C30-242550AC6514}"/>
               </a:ext>
             </a:extLst>
           </p:cNvPr>
@@ -5367,8 +5978,8 @@
         </p:nvSpPr>
         <p:spPr>
           <a:xfrm>
-            <a:off x="2250979" y="1188807"/>
-            <a:ext cx="891396" cy="332712"/>
+            <a:off x="5664679" y="4290204"/>
+            <a:ext cx="1981195" cy="540583"/>
           </a:xfrm>
           <a:prstGeom prst="rect">
             <a:avLst/>
@@ -5394,43 +6005,816 @@
           <a:p>
             <a:pPr algn="ctr"/>
             <a:r>
-              <a:rPr lang="en-GB" sz="1000" dirty="0" err="1"/>
-              <a:t>Không</a:t>
-            </a:r>
-            <a:r>
-              <a:rPr lang="en-GB" sz="1000" dirty="0"/>
+              <a:rPr lang="en-US" sz="1000" dirty="0" err="1"/>
+              <a:t>Truy</a:t>
+            </a:r>
+            <a:r>
+              <a:rPr lang="en-US" sz="1000" dirty="0"/>
               <a:t> </a:t>
             </a:r>
             <a:r>
-              <a:rPr lang="en-GB" sz="1000" dirty="0" err="1"/>
-              <a:t>tồn</a:t>
-            </a:r>
-            <a:r>
-              <a:rPr lang="en-GB" sz="1000" dirty="0"/>
-              <a:t> tai</a:t>
-            </a:r>
+              <a:rPr lang="en-US" sz="1000" dirty="0" err="1"/>
+              <a:t>cập</a:t>
+            </a:r>
+            <a:r>
+              <a:rPr lang="en-US" sz="1000" dirty="0"/>
+              <a:t> </a:t>
+            </a:r>
+            <a:r>
+              <a:rPr lang="en-US" sz="1000" dirty="0" err="1"/>
+              <a:t>vào</a:t>
+            </a:r>
+            <a:r>
+              <a:rPr lang="en-US" sz="1000" dirty="0"/>
+              <a:t> </a:t>
+            </a:r>
+            <a:r>
+              <a:rPr lang="en-US" sz="1000" dirty="0" err="1"/>
+              <a:t>cơ</a:t>
+            </a:r>
+            <a:r>
+              <a:rPr lang="en-US" sz="1000" dirty="0"/>
+              <a:t> </a:t>
+            </a:r>
+            <a:r>
+              <a:rPr lang="en-US" sz="1000" dirty="0" err="1"/>
+              <a:t>sở</a:t>
+            </a:r>
+            <a:r>
+              <a:rPr lang="en-US" sz="1000" dirty="0"/>
+              <a:t> </a:t>
+            </a:r>
+            <a:r>
+              <a:rPr lang="en-US" sz="1000" dirty="0" err="1"/>
+              <a:t>dữ</a:t>
+            </a:r>
+            <a:r>
+              <a:rPr lang="en-US" sz="1000" dirty="0"/>
+              <a:t> </a:t>
+            </a:r>
+            <a:r>
+              <a:rPr lang="en-US" sz="1000" dirty="0" err="1"/>
+              <a:t>liệu</a:t>
+            </a:r>
+            <a:endParaRPr lang="en-GB" sz="1000" dirty="0"/>
+          </a:p>
+        </p:txBody>
+      </p:sp>
+      <p:sp>
+        <p:nvSpPr>
+          <p:cNvPr id="83" name="Rectangle 82">
+            <a:extLst>
+              <a:ext uri="{FF2B5EF4-FFF2-40B4-BE49-F238E27FC236}">
+                <a16:creationId xmlns:a16="http://schemas.microsoft.com/office/drawing/2014/main" id="{4C0657FD-B79C-7F7B-71B5-08F8AAD8E67F}"/>
+              </a:ext>
+            </a:extLst>
+          </p:cNvPr>
+          <p:cNvSpPr/>
+          <p:nvPr/>
+        </p:nvSpPr>
+        <p:spPr>
+          <a:xfrm>
+            <a:off x="6343291" y="1584584"/>
+            <a:ext cx="1690774" cy="703844"/>
+          </a:xfrm>
+          <a:prstGeom prst="rect">
+            <a:avLst/>
+          </a:prstGeom>
+        </p:spPr>
+        <p:style>
+          <a:lnRef idx="2">
+            <a:schemeClr val="accent6"/>
+          </a:lnRef>
+          <a:fillRef idx="1">
+            <a:schemeClr val="lt1"/>
+          </a:fillRef>
+          <a:effectRef idx="0">
+            <a:schemeClr val="accent6"/>
+          </a:effectRef>
+          <a:fontRef idx="minor">
+            <a:schemeClr val="dk1"/>
+          </a:fontRef>
+        </p:style>
+        <p:txBody>
+          <a:bodyPr rtlCol="0" anchor="ctr"/>
+          <a:lstStyle/>
+          <a:p>
+            <a:pPr algn="ctr"/>
+            <a:r>
+              <a:rPr lang="en-US" sz="1000" dirty="0" err="1"/>
+              <a:t>Hiện</a:t>
+            </a:r>
+            <a:r>
+              <a:rPr lang="en-US" sz="1000" dirty="0"/>
+              <a:t> </a:t>
+            </a:r>
+            <a:r>
+              <a:rPr lang="en-US" sz="1000" dirty="0" err="1"/>
+              <a:t>thị</a:t>
+            </a:r>
+            <a:r>
+              <a:rPr lang="en-US" sz="1000" dirty="0"/>
+              <a:t> </a:t>
+            </a:r>
+            <a:r>
+              <a:rPr lang="en-US" sz="1000" dirty="0" err="1"/>
+              <a:t>thông</a:t>
+            </a:r>
+            <a:r>
+              <a:rPr lang="en-US" sz="1000" dirty="0"/>
+              <a:t> tin </a:t>
+            </a:r>
+            <a:r>
+              <a:rPr lang="en-US" sz="1000" dirty="0" err="1"/>
+              <a:t>của</a:t>
+            </a:r>
+            <a:r>
+              <a:rPr lang="en-US" sz="1000" dirty="0"/>
+              <a:t> </a:t>
+            </a:r>
+            <a:r>
+              <a:rPr lang="en-US" sz="1000" dirty="0" err="1"/>
+              <a:t>đối</a:t>
+            </a:r>
+            <a:r>
+              <a:rPr lang="en-US" sz="1000" dirty="0"/>
+              <a:t> </a:t>
+            </a:r>
+            <a:r>
+              <a:rPr lang="en-US" sz="1000" dirty="0" err="1"/>
+              <a:t>tượng</a:t>
+            </a:r>
+            <a:endParaRPr lang="en-GB" sz="1000" dirty="0"/>
           </a:p>
         </p:txBody>
       </p:sp>
       <p:cxnSp>
         <p:nvCxnSpPr>
-          <p:cNvPr id="45" name="Straight Arrow Connector 44">
-            <a:extLst>
-              <a:ext uri="{FF2B5EF4-FFF2-40B4-BE49-F238E27FC236}">
-                <a16:creationId xmlns:a16="http://schemas.microsoft.com/office/drawing/2014/main" id="{FB10628C-1237-466C-3E53-66AE6431F865}"/>
+          <p:cNvPr id="85" name="Straight Arrow Connector 84">
+            <a:extLst>
+              <a:ext uri="{FF2B5EF4-FFF2-40B4-BE49-F238E27FC236}">
+                <a16:creationId xmlns:a16="http://schemas.microsoft.com/office/drawing/2014/main" id="{9DE17B6E-D8BE-3314-F3F6-4E9BE8EE7F6F}"/>
               </a:ext>
             </a:extLst>
           </p:cNvPr>
           <p:cNvCxnSpPr>
             <a:cxnSpLocks/>
-            <a:endCxn id="43" idx="2"/>
+            <a:endCxn id="83" idx="2"/>
           </p:cNvCxnSpPr>
           <p:nvPr/>
         </p:nvCxnSpPr>
         <p:spPr>
+          <a:xfrm flipH="1" flipV="1">
+            <a:off x="7188678" y="2288428"/>
+            <a:ext cx="143775" cy="2001776"/>
+          </a:xfrm>
+          <a:prstGeom prst="straightConnector1">
+            <a:avLst/>
+          </a:prstGeom>
+          <a:ln>
+            <a:tailEnd type="triangle"/>
+          </a:ln>
+        </p:spPr>
+        <p:style>
+          <a:lnRef idx="2">
+            <a:schemeClr val="accent1"/>
+          </a:lnRef>
+          <a:fillRef idx="0">
+            <a:schemeClr val="accent1"/>
+          </a:fillRef>
+          <a:effectRef idx="1">
+            <a:schemeClr val="accent1"/>
+          </a:effectRef>
+          <a:fontRef idx="minor">
+            <a:schemeClr val="tx1"/>
+          </a:fontRef>
+        </p:style>
+      </p:cxnSp>
+      <p:sp>
+        <p:nvSpPr>
+          <p:cNvPr id="87" name="Rectangle 86">
+            <a:extLst>
+              <a:ext uri="{FF2B5EF4-FFF2-40B4-BE49-F238E27FC236}">
+                <a16:creationId xmlns:a16="http://schemas.microsoft.com/office/drawing/2014/main" id="{9F2DF8FA-9FFA-4A84-6F45-65D84859EB60}"/>
+              </a:ext>
+            </a:extLst>
+          </p:cNvPr>
+          <p:cNvSpPr/>
+          <p:nvPr/>
+        </p:nvSpPr>
+        <p:spPr>
+          <a:xfrm>
+            <a:off x="8497559" y="3675252"/>
+            <a:ext cx="1920815" cy="540584"/>
+          </a:xfrm>
+          <a:prstGeom prst="rect">
+            <a:avLst/>
+          </a:prstGeom>
+        </p:spPr>
+        <p:style>
+          <a:lnRef idx="2">
+            <a:schemeClr val="accent6"/>
+          </a:lnRef>
+          <a:fillRef idx="1">
+            <a:schemeClr val="lt1"/>
+          </a:fillRef>
+          <a:effectRef idx="0">
+            <a:schemeClr val="accent6"/>
+          </a:effectRef>
+          <a:fontRef idx="minor">
+            <a:schemeClr val="dk1"/>
+          </a:fontRef>
+        </p:style>
+        <p:txBody>
+          <a:bodyPr rtlCol="0" anchor="ctr"/>
+          <a:lstStyle/>
+          <a:p>
+            <a:pPr algn="ctr"/>
+            <a:r>
+              <a:rPr lang="en-US" sz="1000" dirty="0"/>
+              <a:t>Thao </a:t>
+            </a:r>
+            <a:r>
+              <a:rPr lang="en-US" sz="1000" dirty="0" err="1"/>
+              <a:t>tác</a:t>
+            </a:r>
+            <a:endParaRPr lang="en-GB" sz="1000" dirty="0"/>
+          </a:p>
+        </p:txBody>
+      </p:sp>
+      <p:cxnSp>
+        <p:nvCxnSpPr>
+          <p:cNvPr id="89" name="Straight Arrow Connector 88">
+            <a:extLst>
+              <a:ext uri="{FF2B5EF4-FFF2-40B4-BE49-F238E27FC236}">
+                <a16:creationId xmlns:a16="http://schemas.microsoft.com/office/drawing/2014/main" id="{B454709C-ACF1-2C71-1E86-B9C8AE44546D}"/>
+              </a:ext>
+            </a:extLst>
+          </p:cNvPr>
+          <p:cNvCxnSpPr>
+            <a:cxnSpLocks/>
+            <a:endCxn id="87" idx="0"/>
+          </p:cNvCxnSpPr>
+          <p:nvPr/>
+        </p:nvCxnSpPr>
+        <p:spPr>
+          <a:xfrm>
+            <a:off x="7645874" y="2288428"/>
+            <a:ext cx="1812093" cy="1386824"/>
+          </a:xfrm>
+          <a:prstGeom prst="straightConnector1">
+            <a:avLst/>
+          </a:prstGeom>
+          <a:ln>
+            <a:tailEnd type="triangle"/>
+          </a:ln>
+        </p:spPr>
+        <p:style>
+          <a:lnRef idx="2">
+            <a:schemeClr val="accent1"/>
+          </a:lnRef>
+          <a:fillRef idx="0">
+            <a:schemeClr val="accent1"/>
+          </a:fillRef>
+          <a:effectRef idx="1">
+            <a:schemeClr val="accent1"/>
+          </a:effectRef>
+          <a:fontRef idx="minor">
+            <a:schemeClr val="tx1"/>
+          </a:fontRef>
+        </p:style>
+      </p:cxnSp>
+      <p:sp>
+        <p:nvSpPr>
+          <p:cNvPr id="91" name="Rectangle 90">
+            <a:extLst>
+              <a:ext uri="{FF2B5EF4-FFF2-40B4-BE49-F238E27FC236}">
+                <a16:creationId xmlns:a16="http://schemas.microsoft.com/office/drawing/2014/main" id="{6A93928D-1EFB-A2A1-43BA-EB6F89DA62D4}"/>
+              </a:ext>
+            </a:extLst>
+          </p:cNvPr>
+          <p:cNvSpPr/>
+          <p:nvPr/>
+        </p:nvSpPr>
+        <p:spPr>
+          <a:xfrm>
+            <a:off x="8674594" y="5212707"/>
+            <a:ext cx="1046672" cy="329244"/>
+          </a:xfrm>
+          <a:prstGeom prst="rect">
+            <a:avLst/>
+          </a:prstGeom>
+        </p:spPr>
+        <p:style>
+          <a:lnRef idx="2">
+            <a:schemeClr val="accent6"/>
+          </a:lnRef>
+          <a:fillRef idx="1">
+            <a:schemeClr val="lt1"/>
+          </a:fillRef>
+          <a:effectRef idx="0">
+            <a:schemeClr val="accent6"/>
+          </a:effectRef>
+          <a:fontRef idx="minor">
+            <a:schemeClr val="dk1"/>
+          </a:fontRef>
+        </p:style>
+        <p:txBody>
+          <a:bodyPr rtlCol="0" anchor="ctr"/>
+          <a:lstStyle/>
+          <a:p>
+            <a:pPr algn="ctr"/>
+            <a:r>
+              <a:rPr lang="en-US" sz="1000" dirty="0" err="1"/>
+              <a:t>Thêm</a:t>
+            </a:r>
+            <a:r>
+              <a:rPr lang="en-US" sz="1000" dirty="0"/>
+              <a:t> </a:t>
+            </a:r>
+            <a:r>
+              <a:rPr lang="en-US" sz="1000" dirty="0" err="1"/>
+              <a:t>bạn</a:t>
+            </a:r>
+            <a:r>
+              <a:rPr lang="en-US" sz="1000" dirty="0"/>
+              <a:t> </a:t>
+            </a:r>
+            <a:r>
+              <a:rPr lang="en-US" sz="1000" dirty="0" err="1"/>
+              <a:t>bè</a:t>
+            </a:r>
+            <a:endParaRPr lang="en-GB" sz="1000" dirty="0"/>
+          </a:p>
+        </p:txBody>
+      </p:sp>
+      <p:sp>
+        <p:nvSpPr>
+          <p:cNvPr id="92" name="Rectangle 91">
+            <a:extLst>
+              <a:ext uri="{FF2B5EF4-FFF2-40B4-BE49-F238E27FC236}">
+                <a16:creationId xmlns:a16="http://schemas.microsoft.com/office/drawing/2014/main" id="{3C5496E6-0EEB-5BEC-8AF5-DE54D86CE8C3}"/>
+              </a:ext>
+            </a:extLst>
+          </p:cNvPr>
+          <p:cNvSpPr/>
+          <p:nvPr/>
+        </p:nvSpPr>
+        <p:spPr>
+          <a:xfrm>
+            <a:off x="9877785" y="5226095"/>
+            <a:ext cx="995459" cy="208545"/>
+          </a:xfrm>
+          <a:prstGeom prst="rect">
+            <a:avLst/>
+          </a:prstGeom>
+        </p:spPr>
+        <p:style>
+          <a:lnRef idx="2">
+            <a:schemeClr val="accent6"/>
+          </a:lnRef>
+          <a:fillRef idx="1">
+            <a:schemeClr val="lt1"/>
+          </a:fillRef>
+          <a:effectRef idx="0">
+            <a:schemeClr val="accent6"/>
+          </a:effectRef>
+          <a:fontRef idx="minor">
+            <a:schemeClr val="dk1"/>
+          </a:fontRef>
+        </p:style>
+        <p:txBody>
+          <a:bodyPr rtlCol="0" anchor="ctr"/>
+          <a:lstStyle/>
+          <a:p>
+            <a:pPr algn="ctr"/>
+            <a:r>
+              <a:rPr lang="en-US" sz="1000" dirty="0"/>
+              <a:t>block</a:t>
+            </a:r>
+            <a:endParaRPr lang="en-GB" sz="1000" dirty="0"/>
+          </a:p>
+        </p:txBody>
+      </p:sp>
+      <p:sp>
+        <p:nvSpPr>
+          <p:cNvPr id="93" name="Rectangle 92">
+            <a:extLst>
+              <a:ext uri="{FF2B5EF4-FFF2-40B4-BE49-F238E27FC236}">
+                <a16:creationId xmlns:a16="http://schemas.microsoft.com/office/drawing/2014/main" id="{74A2879C-7AFD-22DC-307C-E33861193003}"/>
+              </a:ext>
+            </a:extLst>
+          </p:cNvPr>
+          <p:cNvSpPr/>
+          <p:nvPr/>
+        </p:nvSpPr>
+        <p:spPr>
+          <a:xfrm>
+            <a:off x="11029763" y="5226096"/>
+            <a:ext cx="995460" cy="208545"/>
+          </a:xfrm>
+          <a:prstGeom prst="rect">
+            <a:avLst/>
+          </a:prstGeom>
+        </p:spPr>
+        <p:style>
+          <a:lnRef idx="2">
+            <a:schemeClr val="accent6"/>
+          </a:lnRef>
+          <a:fillRef idx="1">
+            <a:schemeClr val="lt1"/>
+          </a:fillRef>
+          <a:effectRef idx="0">
+            <a:schemeClr val="accent6"/>
+          </a:effectRef>
+          <a:fontRef idx="minor">
+            <a:schemeClr val="dk1"/>
+          </a:fontRef>
+        </p:style>
+        <p:txBody>
+          <a:bodyPr rtlCol="0" anchor="ctr"/>
+          <a:lstStyle/>
+          <a:p>
+            <a:pPr algn="ctr"/>
+            <a:r>
+              <a:rPr lang="en-US" sz="1000" dirty="0" err="1"/>
+              <a:t>xóa</a:t>
+            </a:r>
+            <a:endParaRPr lang="en-GB" sz="1000" dirty="0"/>
+          </a:p>
+        </p:txBody>
+      </p:sp>
+      <p:sp>
+        <p:nvSpPr>
+          <p:cNvPr id="94" name="Rectangle 93">
+            <a:extLst>
+              <a:ext uri="{FF2B5EF4-FFF2-40B4-BE49-F238E27FC236}">
+                <a16:creationId xmlns:a16="http://schemas.microsoft.com/office/drawing/2014/main" id="{BEB4D45D-9D65-1284-3312-2B397534AC73}"/>
+              </a:ext>
+            </a:extLst>
+          </p:cNvPr>
+          <p:cNvSpPr/>
+          <p:nvPr/>
+        </p:nvSpPr>
+        <p:spPr>
+          <a:xfrm>
+            <a:off x="7563146" y="5272996"/>
+            <a:ext cx="914400" cy="223391"/>
+          </a:xfrm>
+          <a:prstGeom prst="rect">
+            <a:avLst/>
+          </a:prstGeom>
+        </p:spPr>
+        <p:style>
+          <a:lnRef idx="2">
+            <a:schemeClr val="accent6"/>
+          </a:lnRef>
+          <a:fillRef idx="1">
+            <a:schemeClr val="lt1"/>
+          </a:fillRef>
+          <a:effectRef idx="0">
+            <a:schemeClr val="accent6"/>
+          </a:effectRef>
+          <a:fontRef idx="minor">
+            <a:schemeClr val="dk1"/>
+          </a:fontRef>
+        </p:style>
+        <p:txBody>
+          <a:bodyPr rtlCol="0" anchor="ctr"/>
+          <a:lstStyle/>
+          <a:p>
+            <a:pPr algn="ctr"/>
+            <a:r>
+              <a:rPr lang="en-US" sz="1000" dirty="0" err="1"/>
+              <a:t>Tố</a:t>
+            </a:r>
+            <a:r>
+              <a:rPr lang="en-US" sz="1000" dirty="0"/>
+              <a:t> </a:t>
+            </a:r>
+            <a:r>
+              <a:rPr lang="en-US" sz="1000" dirty="0" err="1"/>
+              <a:t>cáo</a:t>
+            </a:r>
+            <a:endParaRPr lang="en-GB" sz="1000" dirty="0"/>
+          </a:p>
+        </p:txBody>
+      </p:sp>
+      <p:cxnSp>
+        <p:nvCxnSpPr>
+          <p:cNvPr id="96" name="Straight Arrow Connector 95">
+            <a:extLst>
+              <a:ext uri="{FF2B5EF4-FFF2-40B4-BE49-F238E27FC236}">
+                <a16:creationId xmlns:a16="http://schemas.microsoft.com/office/drawing/2014/main" id="{C5D3B6F0-5FE7-C9FC-8A29-81785BBF8825}"/>
+              </a:ext>
+            </a:extLst>
+          </p:cNvPr>
+          <p:cNvCxnSpPr>
+            <a:cxnSpLocks/>
+            <a:stCxn id="87" idx="2"/>
+          </p:cNvCxnSpPr>
+          <p:nvPr/>
+        </p:nvCxnSpPr>
+        <p:spPr>
+          <a:xfrm flipH="1">
+            <a:off x="8034065" y="4215836"/>
+            <a:ext cx="1423902" cy="1010259"/>
+          </a:xfrm>
+          <a:prstGeom prst="straightConnector1">
+            <a:avLst/>
+          </a:prstGeom>
+          <a:ln>
+            <a:tailEnd type="triangle"/>
+          </a:ln>
+        </p:spPr>
+        <p:style>
+          <a:lnRef idx="2">
+            <a:schemeClr val="accent1"/>
+          </a:lnRef>
+          <a:fillRef idx="0">
+            <a:schemeClr val="accent1"/>
+          </a:fillRef>
+          <a:effectRef idx="1">
+            <a:schemeClr val="accent1"/>
+          </a:effectRef>
+          <a:fontRef idx="minor">
+            <a:schemeClr val="tx1"/>
+          </a:fontRef>
+        </p:style>
+      </p:cxnSp>
+      <p:cxnSp>
+        <p:nvCxnSpPr>
+          <p:cNvPr id="99" name="Straight Arrow Connector 98">
+            <a:extLst>
+              <a:ext uri="{FF2B5EF4-FFF2-40B4-BE49-F238E27FC236}">
+                <a16:creationId xmlns:a16="http://schemas.microsoft.com/office/drawing/2014/main" id="{D64F088F-E15B-CC26-36D2-3552317BE954}"/>
+              </a:ext>
+            </a:extLst>
+          </p:cNvPr>
+          <p:cNvCxnSpPr>
+            <a:cxnSpLocks/>
+            <a:stCxn id="87" idx="2"/>
+            <a:endCxn id="91" idx="0"/>
+          </p:cNvCxnSpPr>
+          <p:nvPr/>
+        </p:nvCxnSpPr>
+        <p:spPr>
+          <a:xfrm flipH="1">
+            <a:off x="9197930" y="4215836"/>
+            <a:ext cx="260037" cy="996871"/>
+          </a:xfrm>
+          <a:prstGeom prst="straightConnector1">
+            <a:avLst/>
+          </a:prstGeom>
+          <a:ln>
+            <a:tailEnd type="triangle"/>
+          </a:ln>
+        </p:spPr>
+        <p:style>
+          <a:lnRef idx="2">
+            <a:schemeClr val="accent1"/>
+          </a:lnRef>
+          <a:fillRef idx="0">
+            <a:schemeClr val="accent1"/>
+          </a:fillRef>
+          <a:effectRef idx="1">
+            <a:schemeClr val="accent1"/>
+          </a:effectRef>
+          <a:fontRef idx="minor">
+            <a:schemeClr val="tx1"/>
+          </a:fontRef>
+        </p:style>
+      </p:cxnSp>
+      <p:cxnSp>
+        <p:nvCxnSpPr>
+          <p:cNvPr id="101" name="Straight Arrow Connector 100">
+            <a:extLst>
+              <a:ext uri="{FF2B5EF4-FFF2-40B4-BE49-F238E27FC236}">
+                <a16:creationId xmlns:a16="http://schemas.microsoft.com/office/drawing/2014/main" id="{51149006-6E58-5326-4040-6A8A611DCECE}"/>
+              </a:ext>
+            </a:extLst>
+          </p:cNvPr>
+          <p:cNvCxnSpPr>
+            <a:cxnSpLocks/>
+            <a:endCxn id="92" idx="0"/>
+          </p:cNvCxnSpPr>
+          <p:nvPr/>
+        </p:nvCxnSpPr>
+        <p:spPr>
+          <a:xfrm>
+            <a:off x="9495258" y="4215836"/>
+            <a:ext cx="880257" cy="1010259"/>
+          </a:xfrm>
+          <a:prstGeom prst="straightConnector1">
+            <a:avLst/>
+          </a:prstGeom>
+          <a:ln>
+            <a:tailEnd type="triangle"/>
+          </a:ln>
+        </p:spPr>
+        <p:style>
+          <a:lnRef idx="2">
+            <a:schemeClr val="accent1"/>
+          </a:lnRef>
+          <a:fillRef idx="0">
+            <a:schemeClr val="accent1"/>
+          </a:fillRef>
+          <a:effectRef idx="1">
+            <a:schemeClr val="accent1"/>
+          </a:effectRef>
+          <a:fontRef idx="minor">
+            <a:schemeClr val="tx1"/>
+          </a:fontRef>
+        </p:style>
+      </p:cxnSp>
+      <p:cxnSp>
+        <p:nvCxnSpPr>
+          <p:cNvPr id="105" name="Straight Arrow Connector 104">
+            <a:extLst>
+              <a:ext uri="{FF2B5EF4-FFF2-40B4-BE49-F238E27FC236}">
+                <a16:creationId xmlns:a16="http://schemas.microsoft.com/office/drawing/2014/main" id="{4DD27BB8-2E42-29B1-0799-6B0F2B9E566F}"/>
+              </a:ext>
+            </a:extLst>
+          </p:cNvPr>
+          <p:cNvCxnSpPr>
+            <a:cxnSpLocks/>
+            <a:stCxn id="87" idx="2"/>
+            <a:endCxn id="93" idx="0"/>
+          </p:cNvCxnSpPr>
+          <p:nvPr/>
+        </p:nvCxnSpPr>
+        <p:spPr>
+          <a:xfrm>
+            <a:off x="9457967" y="4215836"/>
+            <a:ext cx="2069526" cy="1010260"/>
+          </a:xfrm>
+          <a:prstGeom prst="straightConnector1">
+            <a:avLst/>
+          </a:prstGeom>
+          <a:ln>
+            <a:tailEnd type="triangle"/>
+          </a:ln>
+        </p:spPr>
+        <p:style>
+          <a:lnRef idx="2">
+            <a:schemeClr val="accent1"/>
+          </a:lnRef>
+          <a:fillRef idx="0">
+            <a:schemeClr val="accent1"/>
+          </a:fillRef>
+          <a:effectRef idx="1">
+            <a:schemeClr val="accent1"/>
+          </a:effectRef>
+          <a:fontRef idx="minor">
+            <a:schemeClr val="tx1"/>
+          </a:fontRef>
+        </p:style>
+      </p:cxnSp>
+      <p:sp>
+        <p:nvSpPr>
+          <p:cNvPr id="107" name="Flowchart: Connector 106">
+            <a:extLst>
+              <a:ext uri="{FF2B5EF4-FFF2-40B4-BE49-F238E27FC236}">
+                <a16:creationId xmlns:a16="http://schemas.microsoft.com/office/drawing/2014/main" id="{8D9FE8B4-ABC7-6FA1-46C4-ECBFDF7021A5}"/>
+              </a:ext>
+            </a:extLst>
+          </p:cNvPr>
+          <p:cNvSpPr/>
+          <p:nvPr/>
+        </p:nvSpPr>
+        <p:spPr>
+          <a:xfrm>
+            <a:off x="9983637" y="365126"/>
+            <a:ext cx="201284" cy="221470"/>
+          </a:xfrm>
+          <a:prstGeom prst="flowChartConnector">
+            <a:avLst/>
+          </a:prstGeom>
+        </p:spPr>
+        <p:style>
+          <a:lnRef idx="2">
+            <a:schemeClr val="dk1">
+              <a:shade val="15000"/>
+            </a:schemeClr>
+          </a:lnRef>
+          <a:fillRef idx="1">
+            <a:schemeClr val="dk1"/>
+          </a:fillRef>
+          <a:effectRef idx="0">
+            <a:schemeClr val="dk1"/>
+          </a:effectRef>
+          <a:fontRef idx="minor">
+            <a:schemeClr val="lt1"/>
+          </a:fontRef>
+        </p:style>
+        <p:txBody>
+          <a:bodyPr rtlCol="0" anchor="ctr"/>
+          <a:lstStyle/>
+          <a:p>
+            <a:pPr algn="ctr"/>
+            <a:endParaRPr lang="en-GB"/>
+          </a:p>
+        </p:txBody>
+      </p:sp>
+      <p:cxnSp>
+        <p:nvCxnSpPr>
+          <p:cNvPr id="109" name="Straight Arrow Connector 108">
+            <a:extLst>
+              <a:ext uri="{FF2B5EF4-FFF2-40B4-BE49-F238E27FC236}">
+                <a16:creationId xmlns:a16="http://schemas.microsoft.com/office/drawing/2014/main" id="{75754F83-A28E-0A6B-8193-32C50FFEE6F5}"/>
+              </a:ext>
+            </a:extLst>
+          </p:cNvPr>
+          <p:cNvCxnSpPr>
+            <a:cxnSpLocks/>
+            <a:endCxn id="107" idx="4"/>
+          </p:cNvCxnSpPr>
+          <p:nvPr/>
+        </p:nvCxnSpPr>
+        <p:spPr>
+          <a:xfrm flipH="1" flipV="1">
+            <a:off x="10084279" y="586596"/>
+            <a:ext cx="2876" cy="3088655"/>
+          </a:xfrm>
+          <a:prstGeom prst="straightConnector1">
+            <a:avLst/>
+          </a:prstGeom>
+          <a:ln>
+            <a:tailEnd type="triangle"/>
+          </a:ln>
+        </p:spPr>
+        <p:style>
+          <a:lnRef idx="2">
+            <a:schemeClr val="accent1"/>
+          </a:lnRef>
+          <a:fillRef idx="0">
+            <a:schemeClr val="accent1"/>
+          </a:fillRef>
+          <a:effectRef idx="1">
+            <a:schemeClr val="accent1"/>
+          </a:effectRef>
+          <a:fontRef idx="minor">
+            <a:schemeClr val="tx1"/>
+          </a:fontRef>
+        </p:style>
+      </p:cxnSp>
+      <p:cxnSp>
+        <p:nvCxnSpPr>
+          <p:cNvPr id="112" name="Straight Connector 111">
+            <a:extLst>
+              <a:ext uri="{FF2B5EF4-FFF2-40B4-BE49-F238E27FC236}">
+                <a16:creationId xmlns:a16="http://schemas.microsoft.com/office/drawing/2014/main" id="{DBD2911E-A81E-DBCD-C16F-AA301619861C}"/>
+              </a:ext>
+            </a:extLst>
+          </p:cNvPr>
+          <p:cNvCxnSpPr>
+            <a:cxnSpLocks/>
+          </p:cNvCxnSpPr>
+          <p:nvPr/>
+        </p:nvCxnSpPr>
+        <p:spPr>
           <a:xfrm flipV="1">
-            <a:off x="2250979" y="1521519"/>
-            <a:ext cx="445698" cy="1907481"/>
+            <a:off x="2208363" y="782128"/>
+            <a:ext cx="74762" cy="1095159"/>
+          </a:xfrm>
+          <a:prstGeom prst="line">
+            <a:avLst/>
+          </a:prstGeom>
+        </p:spPr>
+        <p:style>
+          <a:lnRef idx="2">
+            <a:schemeClr val="accent1"/>
+          </a:lnRef>
+          <a:fillRef idx="0">
+            <a:schemeClr val="accent1"/>
+          </a:fillRef>
+          <a:effectRef idx="1">
+            <a:schemeClr val="accent1"/>
+          </a:effectRef>
+          <a:fontRef idx="minor">
+            <a:schemeClr val="tx1"/>
+          </a:fontRef>
+        </p:style>
+      </p:cxnSp>
+      <p:cxnSp>
+        <p:nvCxnSpPr>
+          <p:cNvPr id="115" name="Straight Arrow Connector 114">
+            <a:extLst>
+              <a:ext uri="{FF2B5EF4-FFF2-40B4-BE49-F238E27FC236}">
+                <a16:creationId xmlns:a16="http://schemas.microsoft.com/office/drawing/2014/main" id="{3DA91FEB-DD33-CA79-9AB8-7571289C19D3}"/>
+              </a:ext>
+            </a:extLst>
+          </p:cNvPr>
+          <p:cNvCxnSpPr>
+            <a:cxnSpLocks/>
+            <a:endCxn id="107" idx="2"/>
+          </p:cNvCxnSpPr>
+          <p:nvPr/>
+        </p:nvCxnSpPr>
+        <p:spPr>
+          <a:xfrm flipV="1">
+            <a:off x="2265872" y="475861"/>
+            <a:ext cx="7717765" cy="300516"/>
           </a:xfrm>
           <a:prstGeom prst="straightConnector1">
             <a:avLst/>
@@ -5538,402 +6922,6 @@
     <p:extLst>
       <p:ext uri="{BB962C8B-B14F-4D97-AF65-F5344CB8AC3E}">
         <p14:creationId xmlns:p14="http://schemas.microsoft.com/office/powerpoint/2010/main" val="10584473"/>
-      </p:ext>
-    </p:extLst>
-  </p:cSld>
-  <p:clrMapOvr>
-    <a:masterClrMapping/>
-  </p:clrMapOvr>
-</p:sld>
-</file>
-
-<file path=ppt/slides/slide4.xml><?xml version="1.0" encoding="utf-8"?>
-<p:sld xmlns:a="http://schemas.openxmlformats.org/drawingml/2006/main" xmlns:r="http://schemas.openxmlformats.org/officeDocument/2006/relationships" xmlns:p="http://schemas.openxmlformats.org/presentationml/2006/main">
-  <p:cSld>
-    <p:spTree>
-      <p:nvGrpSpPr>
-        <p:cNvPr id="1" name=""/>
-        <p:cNvGrpSpPr/>
-        <p:nvPr/>
-      </p:nvGrpSpPr>
-      <p:grpSpPr>
-        <a:xfrm>
-          <a:off x="0" y="0"/>
-          <a:ext cx="0" cy="0"/>
-          <a:chOff x="0" y="0"/>
-          <a:chExt cx="0" cy="0"/>
-        </a:xfrm>
-      </p:grpSpPr>
-      <p:sp>
-        <p:nvSpPr>
-          <p:cNvPr id="2" name="Title 1">
-            <a:extLst>
-              <a:ext uri="{FF2B5EF4-FFF2-40B4-BE49-F238E27FC236}">
-                <a16:creationId xmlns:a16="http://schemas.microsoft.com/office/drawing/2014/main" id="{5272B9E8-E4CA-D1B6-5F8F-94B9109078A8}"/>
-              </a:ext>
-            </a:extLst>
-          </p:cNvPr>
-          <p:cNvSpPr>
-            <a:spLocks noGrp="1"/>
-          </p:cNvSpPr>
-          <p:nvPr>
-            <p:ph type="title"/>
-          </p:nvPr>
-        </p:nvSpPr>
-        <p:spPr>
-          <a:xfrm>
-            <a:off x="838200" y="365125"/>
-            <a:ext cx="10515600" cy="5702120"/>
-          </a:xfrm>
-        </p:spPr>
-        <p:txBody>
-          <a:bodyPr>
-            <a:noAutofit/>
-          </a:bodyPr>
-          <a:lstStyle/>
-          <a:p>
-            <a:r>
-              <a:rPr lang="en-GB" sz="1000" dirty="0"/>
-              <a:t>+----------------+         +------------------+        +------------------+</a:t>
-            </a:r>
-            <a:br>
-              <a:rPr lang="en-GB" sz="1000" dirty="0"/>
-            </a:br>
-            <a:r>
-              <a:rPr lang="en-GB" sz="1000" dirty="0"/>
-              <a:t>|     User       |         |      Friend      |        |      Chat        |</a:t>
-            </a:r>
-            <a:br>
-              <a:rPr lang="en-GB" sz="1000" dirty="0"/>
-            </a:br>
-            <a:r>
-              <a:rPr lang="en-GB" sz="1000" dirty="0"/>
-              <a:t>+----------------+         +------------------+        +------------------+</a:t>
-            </a:r>
-            <a:br>
-              <a:rPr lang="en-GB" sz="1000" dirty="0"/>
-            </a:br>
-            <a:r>
-              <a:rPr lang="en-GB" sz="1000" dirty="0"/>
-              <a:t>| - id: String   |         | - id: String     |        | - id: String     |</a:t>
-            </a:r>
-            <a:br>
-              <a:rPr lang="en-GB" sz="1000" dirty="0"/>
-            </a:br>
-            <a:r>
-              <a:rPr lang="en-GB" sz="1000" dirty="0"/>
-              <a:t>| - name: String |         | - name: String   |        | - participants:  |</a:t>
-            </a:r>
-            <a:br>
-              <a:rPr lang="en-GB" sz="1000" dirty="0"/>
-            </a:br>
-            <a:r>
-              <a:rPr lang="en-GB" sz="1000" dirty="0"/>
-              <a:t>| - email: String|         | - status: String |        |   List&lt;User&gt;     |</a:t>
-            </a:r>
-            <a:br>
-              <a:rPr lang="en-GB" sz="1000" dirty="0"/>
-            </a:br>
-            <a:r>
-              <a:rPr lang="en-GB" sz="1000" dirty="0"/>
-              <a:t>| - password: String|      | - relationship: String|    | - messages: List&lt;Message&gt;|</a:t>
-            </a:r>
-            <a:br>
-              <a:rPr lang="en-GB" sz="1000" dirty="0"/>
-            </a:br>
-            <a:r>
-              <a:rPr lang="en-GB" sz="1000" dirty="0"/>
-              <a:t>| - </a:t>
-            </a:r>
-            <a:r>
-              <a:rPr lang="en-GB" sz="1000" dirty="0" err="1"/>
-              <a:t>friendList</a:t>
-            </a:r>
-            <a:r>
-              <a:rPr lang="en-GB" sz="1000" dirty="0"/>
-              <a:t>: List&lt;Friend&gt;|                       |    +------------------+</a:t>
-            </a:r>
-            <a:br>
-              <a:rPr lang="en-GB" sz="1000" dirty="0"/>
-            </a:br>
-            <a:r>
-              <a:rPr lang="en-GB" sz="1000" dirty="0"/>
-              <a:t>| - </a:t>
-            </a:r>
-            <a:r>
-              <a:rPr lang="en-GB" sz="1000" dirty="0" err="1"/>
-              <a:t>chatHistory</a:t>
-            </a:r>
-            <a:r>
-              <a:rPr lang="en-GB" sz="1000" dirty="0"/>
-              <a:t>: List&lt;Chat&gt;|                       |    | + </a:t>
-            </a:r>
-            <a:r>
-              <a:rPr lang="en-GB" sz="1000" dirty="0" err="1"/>
-              <a:t>addMessage</a:t>
-            </a:r>
-            <a:r>
-              <a:rPr lang="en-GB" sz="1000" dirty="0"/>
-              <a:t>()    |</a:t>
-            </a:r>
-            <a:br>
-              <a:rPr lang="en-GB" sz="1000" dirty="0"/>
-            </a:br>
-            <a:r>
-              <a:rPr lang="en-GB" sz="1000" dirty="0"/>
-              <a:t>+----------------+         | + </a:t>
-            </a:r>
-            <a:r>
-              <a:rPr lang="en-GB" sz="1000" dirty="0" err="1"/>
-              <a:t>acceptRequest</a:t>
-            </a:r>
-            <a:r>
-              <a:rPr lang="en-GB" sz="1000" dirty="0"/>
-              <a:t>() |        | + </a:t>
-            </a:r>
-            <a:r>
-              <a:rPr lang="en-GB" sz="1000" dirty="0" err="1"/>
-              <a:t>removeMessage</a:t>
-            </a:r>
-            <a:r>
-              <a:rPr lang="en-GB" sz="1000" dirty="0"/>
-              <a:t>() |</a:t>
-            </a:r>
-            <a:br>
-              <a:rPr lang="en-GB" sz="1000" dirty="0"/>
-            </a:br>
-            <a:r>
-              <a:rPr lang="en-GB" sz="1000" dirty="0"/>
-              <a:t>| + </a:t>
-            </a:r>
-            <a:r>
-              <a:rPr lang="en-GB" sz="1000" dirty="0" err="1"/>
-              <a:t>addFriend</a:t>
-            </a:r>
-            <a:r>
-              <a:rPr lang="en-GB" sz="1000" dirty="0"/>
-              <a:t>()  |         | + </a:t>
-            </a:r>
-            <a:r>
-              <a:rPr lang="en-GB" sz="1000" dirty="0" err="1"/>
-              <a:t>rejectRequest</a:t>
-            </a:r>
-            <a:r>
-              <a:rPr lang="en-GB" sz="1000" dirty="0"/>
-              <a:t>() |        | + </a:t>
-            </a:r>
-            <a:r>
-              <a:rPr lang="en-GB" sz="1000" dirty="0" err="1"/>
-              <a:t>getHistory</a:t>
-            </a:r>
-            <a:r>
-              <a:rPr lang="en-GB" sz="1000" dirty="0"/>
-              <a:t>()    |</a:t>
-            </a:r>
-            <a:br>
-              <a:rPr lang="en-GB" sz="1000" dirty="0"/>
-            </a:br>
-            <a:r>
-              <a:rPr lang="en-GB" sz="1000" dirty="0"/>
-              <a:t>| + </a:t>
-            </a:r>
-            <a:r>
-              <a:rPr lang="en-GB" sz="1000" dirty="0" err="1"/>
-              <a:t>removeFriend</a:t>
-            </a:r>
-            <a:r>
-              <a:rPr lang="en-GB" sz="1000" dirty="0"/>
-              <a:t>()|        | + </a:t>
-            </a:r>
-            <a:r>
-              <a:rPr lang="en-GB" sz="1000" dirty="0" err="1"/>
-              <a:t>updateStatus</a:t>
-            </a:r>
-            <a:r>
-              <a:rPr lang="en-GB" sz="1000" dirty="0"/>
-              <a:t>()  |        +------------------+</a:t>
-            </a:r>
-            <a:br>
-              <a:rPr lang="en-GB" sz="1000" dirty="0"/>
-            </a:br>
-            <a:r>
-              <a:rPr lang="en-GB" sz="1000" dirty="0"/>
-              <a:t>| + </a:t>
-            </a:r>
-            <a:r>
-              <a:rPr lang="en-GB" sz="1000" dirty="0" err="1"/>
-              <a:t>searchFriend</a:t>
-            </a:r>
-            <a:r>
-              <a:rPr lang="en-GB" sz="1000" dirty="0"/>
-              <a:t>() |       +------------------+              ^</a:t>
-            </a:r>
-            <a:br>
-              <a:rPr lang="en-GB" sz="1000" dirty="0"/>
-            </a:br>
-            <a:r>
-              <a:rPr lang="en-GB" sz="1000" dirty="0"/>
-              <a:t>| + </a:t>
-            </a:r>
-            <a:r>
-              <a:rPr lang="en-GB" sz="1000" dirty="0" err="1"/>
-              <a:t>startChat</a:t>
-            </a:r>
-            <a:r>
-              <a:rPr lang="en-GB" sz="1000" dirty="0"/>
-              <a:t>()   |                                          |</a:t>
-            </a:r>
-            <a:br>
-              <a:rPr lang="en-GB" sz="1000" dirty="0"/>
-            </a:br>
-            <a:r>
-              <a:rPr lang="en-GB" sz="1000" dirty="0"/>
-              <a:t>| + </a:t>
-            </a:r>
-            <a:r>
-              <a:rPr lang="en-GB" sz="1000" dirty="0" err="1"/>
-              <a:t>sendMessage</a:t>
-            </a:r>
-            <a:r>
-              <a:rPr lang="en-GB" sz="1000" dirty="0"/>
-              <a:t>() |                                          |</a:t>
-            </a:r>
-            <a:br>
-              <a:rPr lang="en-GB" sz="1000" dirty="0"/>
-            </a:br>
-            <a:r>
-              <a:rPr lang="en-GB" sz="1000" dirty="0"/>
-              <a:t>+----------------+                                          |</a:t>
-            </a:r>
-            <a:br>
-              <a:rPr lang="en-GB" sz="1000" dirty="0"/>
-            </a:br>
-            <a:r>
-              <a:rPr lang="en-GB" sz="1000" dirty="0"/>
-              <a:t>        ^                                                    |</a:t>
-            </a:r>
-            <a:br>
-              <a:rPr lang="en-GB" sz="1000" dirty="0"/>
-            </a:br>
-            <a:r>
-              <a:rPr lang="en-GB" sz="1000" dirty="0"/>
-              <a:t>        |                                                    |</a:t>
-            </a:r>
-            <a:br>
-              <a:rPr lang="en-GB" sz="1000" dirty="0"/>
-            </a:br>
-            <a:r>
-              <a:rPr lang="en-GB" sz="1000" dirty="0"/>
-              <a:t>+----------------+         +------------------+              |</a:t>
-            </a:r>
-            <a:br>
-              <a:rPr lang="en-GB" sz="1000" dirty="0"/>
-            </a:br>
-            <a:r>
-              <a:rPr lang="en-GB" sz="1000" dirty="0"/>
-              <a:t>|    Message     |         |   Message       | &lt;--------------+</a:t>
-            </a:r>
-            <a:br>
-              <a:rPr lang="en-GB" sz="1000" dirty="0"/>
-            </a:br>
-            <a:r>
-              <a:rPr lang="en-GB" sz="1000" dirty="0"/>
-              <a:t>+----------------+         +------------------+</a:t>
-            </a:r>
-            <a:br>
-              <a:rPr lang="en-GB" sz="1000" dirty="0"/>
-            </a:br>
-            <a:r>
-              <a:rPr lang="en-GB" sz="1000" dirty="0"/>
-              <a:t>| - id: String   |         | - content: String|</a:t>
-            </a:r>
-            <a:br>
-              <a:rPr lang="en-GB" sz="1000" dirty="0"/>
-            </a:br>
-            <a:r>
-              <a:rPr lang="en-GB" sz="1000" dirty="0"/>
-              <a:t>| - content: String|       | - timestamp: Date |</a:t>
-            </a:r>
-            <a:br>
-              <a:rPr lang="en-GB" sz="1000" dirty="0"/>
-            </a:br>
-            <a:r>
-              <a:rPr lang="en-GB" sz="1000" dirty="0"/>
-              <a:t>| - timestamp: Date|       | - sender: User    |</a:t>
-            </a:r>
-            <a:br>
-              <a:rPr lang="en-GB" sz="1000" dirty="0"/>
-            </a:br>
-            <a:r>
-              <a:rPr lang="en-GB" sz="1000" dirty="0"/>
-              <a:t>| - sender: User |         +------------------+</a:t>
-            </a:r>
-            <a:br>
-              <a:rPr lang="en-GB" sz="1000" dirty="0"/>
-            </a:br>
-            <a:r>
-              <a:rPr lang="en-GB" sz="1000" dirty="0"/>
-              <a:t>+----------------+</a:t>
-            </a:r>
-            <a:br>
-              <a:rPr lang="en-GB" sz="1000" dirty="0"/>
-            </a:br>
-            <a:r>
-              <a:rPr lang="en-GB" sz="1000" dirty="0"/>
-              <a:t>| + </a:t>
-            </a:r>
-            <a:r>
-              <a:rPr lang="en-GB" sz="1000" dirty="0" err="1"/>
-              <a:t>sendMessage</a:t>
-            </a:r>
-            <a:r>
-              <a:rPr lang="en-GB" sz="1000" dirty="0"/>
-              <a:t>() |</a:t>
-            </a:r>
-            <a:br>
-              <a:rPr lang="en-GB" sz="1000" dirty="0"/>
-            </a:br>
-            <a:r>
-              <a:rPr lang="en-GB" sz="1000" dirty="0"/>
-              <a:t>| + </a:t>
-            </a:r>
-            <a:r>
-              <a:rPr lang="en-GB" sz="1000" dirty="0" err="1"/>
-              <a:t>editMessage</a:t>
-            </a:r>
-            <a:r>
-              <a:rPr lang="en-GB" sz="1000" dirty="0"/>
-              <a:t>() |</a:t>
-            </a:r>
-            <a:br>
-              <a:rPr lang="en-GB" sz="1000" dirty="0"/>
-            </a:br>
-            <a:r>
-              <a:rPr lang="en-GB" sz="1000" dirty="0"/>
-              <a:t>| + </a:t>
-            </a:r>
-            <a:r>
-              <a:rPr lang="en-GB" sz="1000" dirty="0" err="1"/>
-              <a:t>deleteMessage</a:t>
-            </a:r>
-            <a:r>
-              <a:rPr lang="en-GB" sz="1000" dirty="0"/>
-              <a:t>()|</a:t>
-            </a:r>
-            <a:br>
-              <a:rPr lang="en-GB" sz="1000" dirty="0"/>
-            </a:br>
-            <a:r>
-              <a:rPr lang="en-GB" sz="1000" dirty="0"/>
-              <a:t>+-------------------+</a:t>
-            </a:r>
-          </a:p>
-        </p:txBody>
-      </p:sp>
-    </p:spTree>
-    <p:extLst>
-      <p:ext uri="{BB962C8B-B14F-4D97-AF65-F5344CB8AC3E}">
-        <p14:creationId xmlns:p14="http://schemas.microsoft.com/office/powerpoint/2010/main" val="3597607779"/>
       </p:ext>
     </p:extLst>
   </p:cSld>

--- a/ban_be-tro_chuyen/Presentation1.pptx
+++ b/ban_be-tro_chuyen/Presentation1.pptx
@@ -4,10 +4,14 @@
   <p:sldMasterIdLst>
     <p:sldMasterId id="2147483648" r:id="rId1"/>
   </p:sldMasterIdLst>
+  <p:notesMasterIdLst>
+    <p:notesMasterId r:id="rId6"/>
+  </p:notesMasterIdLst>
   <p:sldIdLst>
     <p:sldId id="256" r:id="rId2"/>
     <p:sldId id="257" r:id="rId3"/>
-    <p:sldId id="259" r:id="rId4"/>
+    <p:sldId id="260" r:id="rId4"/>
+    <p:sldId id="261" r:id="rId5"/>
   </p:sldIdLst>
   <p:sldSz cx="12192000" cy="6858000"/>
   <p:notesSz cx="6858000" cy="9144000"/>
@@ -112,6 +116,440 @@
     </p:ext>
   </p:extLst>
 </p:presentation>
+</file>
+
+<file path=ppt/notesMasters/notesMaster1.xml><?xml version="1.0" encoding="utf-8"?>
+<p:notesMaster xmlns:a="http://schemas.openxmlformats.org/drawingml/2006/main" xmlns:r="http://schemas.openxmlformats.org/officeDocument/2006/relationships" xmlns:p="http://schemas.openxmlformats.org/presentationml/2006/main">
+  <p:cSld>
+    <p:bg>
+      <p:bgRef idx="1001">
+        <a:schemeClr val="bg1"/>
+      </p:bgRef>
+    </p:bg>
+    <p:spTree>
+      <p:nvGrpSpPr>
+        <p:cNvPr id="1" name=""/>
+        <p:cNvGrpSpPr/>
+        <p:nvPr/>
+      </p:nvGrpSpPr>
+      <p:grpSpPr>
+        <a:xfrm>
+          <a:off x="0" y="0"/>
+          <a:ext cx="0" cy="0"/>
+          <a:chOff x="0" y="0"/>
+          <a:chExt cx="0" cy="0"/>
+        </a:xfrm>
+      </p:grpSpPr>
+      <p:sp>
+        <p:nvSpPr>
+          <p:cNvPr id="2" name="Header Placeholder 1"/>
+          <p:cNvSpPr>
+            <a:spLocks noGrp="1"/>
+          </p:cNvSpPr>
+          <p:nvPr>
+            <p:ph type="hdr" sz="quarter"/>
+          </p:nvPr>
+        </p:nvSpPr>
+        <p:spPr>
+          <a:xfrm>
+            <a:off x="0" y="0"/>
+            <a:ext cx="2971800" cy="458788"/>
+          </a:xfrm>
+          <a:prstGeom prst="rect">
+            <a:avLst/>
+          </a:prstGeom>
+        </p:spPr>
+        <p:txBody>
+          <a:bodyPr vert="horz" lIns="91440" tIns="45720" rIns="91440" bIns="45720" rtlCol="0"/>
+          <a:lstStyle>
+            <a:lvl1pPr algn="l">
+              <a:defRPr sz="1200"/>
+            </a:lvl1pPr>
+          </a:lstStyle>
+          <a:p>
+            <a:endParaRPr lang="en-GB"/>
+          </a:p>
+        </p:txBody>
+      </p:sp>
+      <p:sp>
+        <p:nvSpPr>
+          <p:cNvPr id="3" name="Date Placeholder 2"/>
+          <p:cNvSpPr>
+            <a:spLocks noGrp="1"/>
+          </p:cNvSpPr>
+          <p:nvPr>
+            <p:ph type="dt" idx="1"/>
+          </p:nvPr>
+        </p:nvSpPr>
+        <p:spPr>
+          <a:xfrm>
+            <a:off x="3884613" y="0"/>
+            <a:ext cx="2971800" cy="458788"/>
+          </a:xfrm>
+          <a:prstGeom prst="rect">
+            <a:avLst/>
+          </a:prstGeom>
+        </p:spPr>
+        <p:txBody>
+          <a:bodyPr vert="horz" lIns="91440" tIns="45720" rIns="91440" bIns="45720" rtlCol="0"/>
+          <a:lstStyle>
+            <a:lvl1pPr algn="r">
+              <a:defRPr sz="1200"/>
+            </a:lvl1pPr>
+          </a:lstStyle>
+          <a:p>
+            <a:fld id="{06915D7D-8E45-4B29-9992-98797E2AAB64}" type="datetimeFigureOut">
+              <a:rPr lang="en-GB" smtClean="0"/>
+              <a:t>16/04/2025</a:t>
+            </a:fld>
+            <a:endParaRPr lang="en-GB"/>
+          </a:p>
+        </p:txBody>
+      </p:sp>
+      <p:sp>
+        <p:nvSpPr>
+          <p:cNvPr id="4" name="Slide Image Placeholder 3"/>
+          <p:cNvSpPr>
+            <a:spLocks noGrp="1" noRot="1" noChangeAspect="1"/>
+          </p:cNvSpPr>
+          <p:nvPr>
+            <p:ph type="sldImg" idx="2"/>
+          </p:nvPr>
+        </p:nvSpPr>
+        <p:spPr>
+          <a:xfrm>
+            <a:off x="685800" y="1143000"/>
+            <a:ext cx="5486400" cy="3086100"/>
+          </a:xfrm>
+          <a:prstGeom prst="rect">
+            <a:avLst/>
+          </a:prstGeom>
+          <a:noFill/>
+          <a:ln w="12700">
+            <a:solidFill>
+              <a:prstClr val="black"/>
+            </a:solidFill>
+          </a:ln>
+        </p:spPr>
+        <p:txBody>
+          <a:bodyPr vert="horz" lIns="91440" tIns="45720" rIns="91440" bIns="45720" rtlCol="0" anchor="ctr"/>
+          <a:lstStyle/>
+          <a:p>
+            <a:endParaRPr lang="en-GB"/>
+          </a:p>
+        </p:txBody>
+      </p:sp>
+      <p:sp>
+        <p:nvSpPr>
+          <p:cNvPr id="5" name="Notes Placeholder 4"/>
+          <p:cNvSpPr>
+            <a:spLocks noGrp="1"/>
+          </p:cNvSpPr>
+          <p:nvPr>
+            <p:ph type="body" sz="quarter" idx="3"/>
+          </p:nvPr>
+        </p:nvSpPr>
+        <p:spPr>
+          <a:xfrm>
+            <a:off x="685800" y="4400550"/>
+            <a:ext cx="5486400" cy="3600450"/>
+          </a:xfrm>
+          <a:prstGeom prst="rect">
+            <a:avLst/>
+          </a:prstGeom>
+        </p:spPr>
+        <p:txBody>
+          <a:bodyPr vert="horz" lIns="91440" tIns="45720" rIns="91440" bIns="45720" rtlCol="0"/>
+          <a:lstStyle/>
+          <a:p>
+            <a:pPr lvl="0"/>
+            <a:r>
+              <a:rPr lang="en-US"/>
+              <a:t>Click to edit Master text styles</a:t>
+            </a:r>
+          </a:p>
+          <a:p>
+            <a:pPr lvl="1"/>
+            <a:r>
+              <a:rPr lang="en-US"/>
+              <a:t>Second level</a:t>
+            </a:r>
+          </a:p>
+          <a:p>
+            <a:pPr lvl="2"/>
+            <a:r>
+              <a:rPr lang="en-US"/>
+              <a:t>Third level</a:t>
+            </a:r>
+          </a:p>
+          <a:p>
+            <a:pPr lvl="3"/>
+            <a:r>
+              <a:rPr lang="en-US"/>
+              <a:t>Fourth level</a:t>
+            </a:r>
+          </a:p>
+          <a:p>
+            <a:pPr lvl="4"/>
+            <a:r>
+              <a:rPr lang="en-US"/>
+              <a:t>Fifth level</a:t>
+            </a:r>
+            <a:endParaRPr lang="en-GB"/>
+          </a:p>
+        </p:txBody>
+      </p:sp>
+      <p:sp>
+        <p:nvSpPr>
+          <p:cNvPr id="6" name="Footer Placeholder 5"/>
+          <p:cNvSpPr>
+            <a:spLocks noGrp="1"/>
+          </p:cNvSpPr>
+          <p:nvPr>
+            <p:ph type="ftr" sz="quarter" idx="4"/>
+          </p:nvPr>
+        </p:nvSpPr>
+        <p:spPr>
+          <a:xfrm>
+            <a:off x="0" y="8685213"/>
+            <a:ext cx="2971800" cy="458787"/>
+          </a:xfrm>
+          <a:prstGeom prst="rect">
+            <a:avLst/>
+          </a:prstGeom>
+        </p:spPr>
+        <p:txBody>
+          <a:bodyPr vert="horz" lIns="91440" tIns="45720" rIns="91440" bIns="45720" rtlCol="0" anchor="b"/>
+          <a:lstStyle>
+            <a:lvl1pPr algn="l">
+              <a:defRPr sz="1200"/>
+            </a:lvl1pPr>
+          </a:lstStyle>
+          <a:p>
+            <a:endParaRPr lang="en-GB"/>
+          </a:p>
+        </p:txBody>
+      </p:sp>
+      <p:sp>
+        <p:nvSpPr>
+          <p:cNvPr id="7" name="Slide Number Placeholder 6"/>
+          <p:cNvSpPr>
+            <a:spLocks noGrp="1"/>
+          </p:cNvSpPr>
+          <p:nvPr>
+            <p:ph type="sldNum" sz="quarter" idx="5"/>
+          </p:nvPr>
+        </p:nvSpPr>
+        <p:spPr>
+          <a:xfrm>
+            <a:off x="3884613" y="8685213"/>
+            <a:ext cx="2971800" cy="458787"/>
+          </a:xfrm>
+          <a:prstGeom prst="rect">
+            <a:avLst/>
+          </a:prstGeom>
+        </p:spPr>
+        <p:txBody>
+          <a:bodyPr vert="horz" lIns="91440" tIns="45720" rIns="91440" bIns="45720" rtlCol="0" anchor="b"/>
+          <a:lstStyle>
+            <a:lvl1pPr algn="r">
+              <a:defRPr sz="1200"/>
+            </a:lvl1pPr>
+          </a:lstStyle>
+          <a:p>
+            <a:fld id="{75D04FA2-5D29-4091-B00F-6A65D5A3DE80}" type="slidenum">
+              <a:rPr lang="en-GB" smtClean="0"/>
+              <a:t>‹#›</a:t>
+            </a:fld>
+            <a:endParaRPr lang="en-GB"/>
+          </a:p>
+        </p:txBody>
+      </p:sp>
+    </p:spTree>
+    <p:extLst>
+      <p:ext uri="{BB962C8B-B14F-4D97-AF65-F5344CB8AC3E}">
+        <p14:creationId xmlns:p14="http://schemas.microsoft.com/office/powerpoint/2010/main" val="1529568555"/>
+      </p:ext>
+    </p:extLst>
+  </p:cSld>
+  <p:clrMap bg1="lt1" tx1="dk1" bg2="lt2" tx2="dk2" accent1="accent1" accent2="accent2" accent3="accent3" accent4="accent4" accent5="accent5" accent6="accent6" hlink="hlink" folHlink="folHlink"/>
+  <p:notesStyle>
+    <a:lvl1pPr marL="0" algn="l" defTabSz="914400" rtl="0" eaLnBrk="1" latinLnBrk="0" hangingPunct="1">
+      <a:defRPr sz="1200" kern="1200">
+        <a:solidFill>
+          <a:schemeClr val="tx1"/>
+        </a:solidFill>
+        <a:latin typeface="+mn-lt"/>
+        <a:ea typeface="+mn-ea"/>
+        <a:cs typeface="+mn-cs"/>
+      </a:defRPr>
+    </a:lvl1pPr>
+    <a:lvl2pPr marL="457200" algn="l" defTabSz="914400" rtl="0" eaLnBrk="1" latinLnBrk="0" hangingPunct="1">
+      <a:defRPr sz="1200" kern="1200">
+        <a:solidFill>
+          <a:schemeClr val="tx1"/>
+        </a:solidFill>
+        <a:latin typeface="+mn-lt"/>
+        <a:ea typeface="+mn-ea"/>
+        <a:cs typeface="+mn-cs"/>
+      </a:defRPr>
+    </a:lvl2pPr>
+    <a:lvl3pPr marL="914400" algn="l" defTabSz="914400" rtl="0" eaLnBrk="1" latinLnBrk="0" hangingPunct="1">
+      <a:defRPr sz="1200" kern="1200">
+        <a:solidFill>
+          <a:schemeClr val="tx1"/>
+        </a:solidFill>
+        <a:latin typeface="+mn-lt"/>
+        <a:ea typeface="+mn-ea"/>
+        <a:cs typeface="+mn-cs"/>
+      </a:defRPr>
+    </a:lvl3pPr>
+    <a:lvl4pPr marL="1371600" algn="l" defTabSz="914400" rtl="0" eaLnBrk="1" latinLnBrk="0" hangingPunct="1">
+      <a:defRPr sz="1200" kern="1200">
+        <a:solidFill>
+          <a:schemeClr val="tx1"/>
+        </a:solidFill>
+        <a:latin typeface="+mn-lt"/>
+        <a:ea typeface="+mn-ea"/>
+        <a:cs typeface="+mn-cs"/>
+      </a:defRPr>
+    </a:lvl4pPr>
+    <a:lvl5pPr marL="1828800" algn="l" defTabSz="914400" rtl="0" eaLnBrk="1" latinLnBrk="0" hangingPunct="1">
+      <a:defRPr sz="1200" kern="1200">
+        <a:solidFill>
+          <a:schemeClr val="tx1"/>
+        </a:solidFill>
+        <a:latin typeface="+mn-lt"/>
+        <a:ea typeface="+mn-ea"/>
+        <a:cs typeface="+mn-cs"/>
+      </a:defRPr>
+    </a:lvl5pPr>
+    <a:lvl6pPr marL="2286000" algn="l" defTabSz="914400" rtl="0" eaLnBrk="1" latinLnBrk="0" hangingPunct="1">
+      <a:defRPr sz="1200" kern="1200">
+        <a:solidFill>
+          <a:schemeClr val="tx1"/>
+        </a:solidFill>
+        <a:latin typeface="+mn-lt"/>
+        <a:ea typeface="+mn-ea"/>
+        <a:cs typeface="+mn-cs"/>
+      </a:defRPr>
+    </a:lvl6pPr>
+    <a:lvl7pPr marL="2743200" algn="l" defTabSz="914400" rtl="0" eaLnBrk="1" latinLnBrk="0" hangingPunct="1">
+      <a:defRPr sz="1200" kern="1200">
+        <a:solidFill>
+          <a:schemeClr val="tx1"/>
+        </a:solidFill>
+        <a:latin typeface="+mn-lt"/>
+        <a:ea typeface="+mn-ea"/>
+        <a:cs typeface="+mn-cs"/>
+      </a:defRPr>
+    </a:lvl7pPr>
+    <a:lvl8pPr marL="3200400" algn="l" defTabSz="914400" rtl="0" eaLnBrk="1" latinLnBrk="0" hangingPunct="1">
+      <a:defRPr sz="1200" kern="1200">
+        <a:solidFill>
+          <a:schemeClr val="tx1"/>
+        </a:solidFill>
+        <a:latin typeface="+mn-lt"/>
+        <a:ea typeface="+mn-ea"/>
+        <a:cs typeface="+mn-cs"/>
+      </a:defRPr>
+    </a:lvl8pPr>
+    <a:lvl9pPr marL="3657600" algn="l" defTabSz="914400" rtl="0" eaLnBrk="1" latinLnBrk="0" hangingPunct="1">
+      <a:defRPr sz="1200" kern="1200">
+        <a:solidFill>
+          <a:schemeClr val="tx1"/>
+        </a:solidFill>
+        <a:latin typeface="+mn-lt"/>
+        <a:ea typeface="+mn-ea"/>
+        <a:cs typeface="+mn-cs"/>
+      </a:defRPr>
+    </a:lvl9pPr>
+  </p:notesStyle>
+</p:notesMaster>
+</file>
+
+<file path=ppt/notesSlides/notesSlide1.xml><?xml version="1.0" encoding="utf-8"?>
+<p:notes xmlns:a="http://schemas.openxmlformats.org/drawingml/2006/main" xmlns:r="http://schemas.openxmlformats.org/officeDocument/2006/relationships" xmlns:p="http://schemas.openxmlformats.org/presentationml/2006/main">
+  <p:cSld>
+    <p:spTree>
+      <p:nvGrpSpPr>
+        <p:cNvPr id="1" name=""/>
+        <p:cNvGrpSpPr/>
+        <p:nvPr/>
+      </p:nvGrpSpPr>
+      <p:grpSpPr>
+        <a:xfrm>
+          <a:off x="0" y="0"/>
+          <a:ext cx="0" cy="0"/>
+          <a:chOff x="0" y="0"/>
+          <a:chExt cx="0" cy="0"/>
+        </a:xfrm>
+      </p:grpSpPr>
+      <p:sp>
+        <p:nvSpPr>
+          <p:cNvPr id="2" name="Slide Image Placeholder 1"/>
+          <p:cNvSpPr>
+            <a:spLocks noGrp="1" noRot="1" noChangeAspect="1"/>
+          </p:cNvSpPr>
+          <p:nvPr>
+            <p:ph type="sldImg"/>
+          </p:nvPr>
+        </p:nvSpPr>
+        <p:spPr/>
+      </p:sp>
+      <p:sp>
+        <p:nvSpPr>
+          <p:cNvPr id="3" name="Notes Placeholder 2"/>
+          <p:cNvSpPr>
+            <a:spLocks noGrp="1"/>
+          </p:cNvSpPr>
+          <p:nvPr>
+            <p:ph type="body" idx="1"/>
+          </p:nvPr>
+        </p:nvSpPr>
+        <p:spPr/>
+        <p:txBody>
+          <a:bodyPr/>
+          <a:lstStyle/>
+          <a:p>
+            <a:endParaRPr lang="en-GB" dirty="0"/>
+          </a:p>
+        </p:txBody>
+      </p:sp>
+      <p:sp>
+        <p:nvSpPr>
+          <p:cNvPr id="4" name="Slide Number Placeholder 3"/>
+          <p:cNvSpPr>
+            <a:spLocks noGrp="1"/>
+          </p:cNvSpPr>
+          <p:nvPr>
+            <p:ph type="sldNum" sz="quarter" idx="5"/>
+          </p:nvPr>
+        </p:nvSpPr>
+        <p:spPr/>
+        <p:txBody>
+          <a:bodyPr/>
+          <a:lstStyle/>
+          <a:p>
+            <a:fld id="{75D04FA2-5D29-4091-B00F-6A65D5A3DE80}" type="slidenum">
+              <a:rPr lang="en-GB" smtClean="0"/>
+              <a:t>3</a:t>
+            </a:fld>
+            <a:endParaRPr lang="en-GB"/>
+          </a:p>
+        </p:txBody>
+      </p:sp>
+    </p:spTree>
+    <p:extLst>
+      <p:ext uri="{BB962C8B-B14F-4D97-AF65-F5344CB8AC3E}">
+        <p14:creationId xmlns:p14="http://schemas.microsoft.com/office/powerpoint/2010/main" val="3479361253"/>
+      </p:ext>
+    </p:extLst>
+  </p:cSld>
+  <p:clrMapOvr>
+    <a:masterClrMapping/>
+  </p:clrMapOvr>
+</p:notes>
 </file>
 
 <file path=ppt/slideLayouts/slideLayout1.xml><?xml version="1.0" encoding="utf-8"?>
@@ -6870,58 +7308,3660 @@
       </p:grpSpPr>
       <p:sp>
         <p:nvSpPr>
-          <p:cNvPr id="2" name="Title 1">
-            <a:extLst>
-              <a:ext uri="{FF2B5EF4-FFF2-40B4-BE49-F238E27FC236}">
-                <a16:creationId xmlns:a16="http://schemas.microsoft.com/office/drawing/2014/main" id="{2E052627-B3C8-97AF-AA3F-4ADC3BEE109A}"/>
-              </a:ext>
-            </a:extLst>
-          </p:cNvPr>
-          <p:cNvSpPr>
-            <a:spLocks noGrp="1"/>
-          </p:cNvSpPr>
-          <p:nvPr>
-            <p:ph type="title"/>
-          </p:nvPr>
-        </p:nvSpPr>
-        <p:spPr/>
-        <p:txBody>
-          <a:bodyPr/>
-          <a:lstStyle/>
-          <a:p>
-            <a:endParaRPr lang="en-GB" dirty="0"/>
-          </a:p>
-        </p:txBody>
-      </p:sp>
-      <p:sp>
-        <p:nvSpPr>
-          <p:cNvPr id="3" name="Content Placeholder 2">
-            <a:extLst>
-              <a:ext uri="{FF2B5EF4-FFF2-40B4-BE49-F238E27FC236}">
-                <a16:creationId xmlns:a16="http://schemas.microsoft.com/office/drawing/2014/main" id="{1B39E7CF-8616-3382-C6B1-45798C995577}"/>
-              </a:ext>
-            </a:extLst>
-          </p:cNvPr>
-          <p:cNvSpPr>
-            <a:spLocks noGrp="1"/>
-          </p:cNvSpPr>
-          <p:nvPr>
-            <p:ph idx="1"/>
-          </p:nvPr>
-        </p:nvSpPr>
-        <p:spPr/>
-        <p:txBody>
-          <a:bodyPr/>
-          <a:lstStyle/>
-          <a:p>
-            <a:endParaRPr lang="en-GB"/>
-          </a:p>
-        </p:txBody>
-      </p:sp>
+          <p:cNvPr id="4" name="TextBox 3">
+            <a:extLst>
+              <a:ext uri="{FF2B5EF4-FFF2-40B4-BE49-F238E27FC236}">
+                <a16:creationId xmlns:a16="http://schemas.microsoft.com/office/drawing/2014/main" id="{5B5DADD0-D7F4-1165-8A01-B3D6BDEA56C2}"/>
+              </a:ext>
+            </a:extLst>
+          </p:cNvPr>
+          <p:cNvSpPr txBox="1"/>
+          <p:nvPr/>
+        </p:nvSpPr>
+        <p:spPr>
+          <a:xfrm>
+            <a:off x="5445832" y="11"/>
+            <a:ext cx="1309974" cy="307905"/>
+          </a:xfrm>
+          <a:prstGeom prst="rect">
+            <a:avLst/>
+          </a:prstGeom>
+          <a:noFill/>
+        </p:spPr>
+        <p:txBody>
+          <a:bodyPr wrap="none" rtlCol="0">
+            <a:spAutoFit/>
+          </a:bodyPr>
+          <a:lstStyle/>
+          <a:p>
+            <a:r>
+              <a:rPr lang="vi-VN" sz="1401" b="1" dirty="0">
+                <a:latin typeface="+mj-lt"/>
+                <a:cs typeface="Times New Roman" panose="02020603050405020304" pitchFamily="18" charset="0"/>
+              </a:rPr>
+              <a:t>Tạo nhóm mới</a:t>
+            </a:r>
+            <a:endParaRPr lang="en-US" sz="1401" b="1" dirty="0">
+              <a:latin typeface="+mj-lt"/>
+              <a:cs typeface="Times New Roman" panose="02020603050405020304" pitchFamily="18" charset="0"/>
+            </a:endParaRPr>
+          </a:p>
+        </p:txBody>
+      </p:sp>
+      <p:sp>
+        <p:nvSpPr>
+          <p:cNvPr id="5" name="Rectangle 4">
+            <a:extLst>
+              <a:ext uri="{FF2B5EF4-FFF2-40B4-BE49-F238E27FC236}">
+                <a16:creationId xmlns:a16="http://schemas.microsoft.com/office/drawing/2014/main" id="{47B7BF27-A611-ED04-1CCA-38E02693E286}"/>
+              </a:ext>
+            </a:extLst>
+          </p:cNvPr>
+          <p:cNvSpPr/>
+          <p:nvPr/>
+        </p:nvSpPr>
+        <p:spPr>
+          <a:xfrm>
+            <a:off x="23128" y="329541"/>
+            <a:ext cx="12192000" cy="3262739"/>
+          </a:xfrm>
+          <a:prstGeom prst="rect">
+            <a:avLst/>
+          </a:prstGeom>
+        </p:spPr>
+        <p:style>
+          <a:lnRef idx="2">
+            <a:schemeClr val="accent6"/>
+          </a:lnRef>
+          <a:fillRef idx="1">
+            <a:schemeClr val="lt1"/>
+          </a:fillRef>
+          <a:effectRef idx="0">
+            <a:schemeClr val="accent6"/>
+          </a:effectRef>
+          <a:fontRef idx="minor">
+            <a:schemeClr val="dk1"/>
+          </a:fontRef>
+        </p:style>
+        <p:txBody>
+          <a:bodyPr rtlCol="0" anchor="ctr"/>
+          <a:lstStyle/>
+          <a:p>
+            <a:pPr algn="ctr"/>
+            <a:endParaRPr lang="en-US" sz="1401">
+              <a:latin typeface="+mj-lt"/>
+            </a:endParaRPr>
+          </a:p>
+        </p:txBody>
+      </p:sp>
+      <p:sp>
+        <p:nvSpPr>
+          <p:cNvPr id="6" name="Rectangle 5">
+            <a:extLst>
+              <a:ext uri="{FF2B5EF4-FFF2-40B4-BE49-F238E27FC236}">
+                <a16:creationId xmlns:a16="http://schemas.microsoft.com/office/drawing/2014/main" id="{E366241E-6946-8961-7703-EBFDFFDE6A7B}"/>
+              </a:ext>
+            </a:extLst>
+          </p:cNvPr>
+          <p:cNvSpPr/>
+          <p:nvPr/>
+        </p:nvSpPr>
+        <p:spPr>
+          <a:xfrm>
+            <a:off x="19055" y="3578440"/>
+            <a:ext cx="12192000" cy="3262738"/>
+          </a:xfrm>
+          <a:prstGeom prst="rect">
+            <a:avLst/>
+          </a:prstGeom>
+        </p:spPr>
+        <p:style>
+          <a:lnRef idx="2">
+            <a:schemeClr val="accent6"/>
+          </a:lnRef>
+          <a:fillRef idx="1">
+            <a:schemeClr val="lt1"/>
+          </a:fillRef>
+          <a:effectRef idx="0">
+            <a:schemeClr val="accent6"/>
+          </a:effectRef>
+          <a:fontRef idx="minor">
+            <a:schemeClr val="dk1"/>
+          </a:fontRef>
+        </p:style>
+        <p:txBody>
+          <a:bodyPr rtlCol="0" anchor="ctr"/>
+          <a:lstStyle/>
+          <a:p>
+            <a:pPr algn="ctr"/>
+            <a:endParaRPr lang="en-US" sz="1401" dirty="0">
+              <a:latin typeface="+mj-lt"/>
+            </a:endParaRPr>
+          </a:p>
+        </p:txBody>
+      </p:sp>
+      <p:sp>
+        <p:nvSpPr>
+          <p:cNvPr id="8" name="Rectangle 7">
+            <a:extLst>
+              <a:ext uri="{FF2B5EF4-FFF2-40B4-BE49-F238E27FC236}">
+                <a16:creationId xmlns:a16="http://schemas.microsoft.com/office/drawing/2014/main" id="{0B79E66F-D60E-4AFC-1EFE-90DD15DB8FB2}"/>
+              </a:ext>
+            </a:extLst>
+          </p:cNvPr>
+          <p:cNvSpPr/>
+          <p:nvPr/>
+        </p:nvSpPr>
+        <p:spPr>
+          <a:xfrm rot="16200000">
+            <a:off x="-1206821" y="1514600"/>
+            <a:ext cx="3262737" cy="849089"/>
+          </a:xfrm>
+          <a:prstGeom prst="rect">
+            <a:avLst/>
+          </a:prstGeom>
+        </p:spPr>
+        <p:style>
+          <a:lnRef idx="2">
+            <a:schemeClr val="accent6"/>
+          </a:lnRef>
+          <a:fillRef idx="1">
+            <a:schemeClr val="lt1"/>
+          </a:fillRef>
+          <a:effectRef idx="0">
+            <a:schemeClr val="accent6"/>
+          </a:effectRef>
+          <a:fontRef idx="minor">
+            <a:schemeClr val="dk1"/>
+          </a:fontRef>
+        </p:style>
+        <p:txBody>
+          <a:bodyPr rtlCol="0" anchor="ctr"/>
+          <a:lstStyle/>
+          <a:p>
+            <a:pPr algn="ctr"/>
+            <a:r>
+              <a:rPr lang="vi-VN" sz="1401" dirty="0">
+                <a:latin typeface="+mj-lt"/>
+              </a:rPr>
+              <a:t>Người dùng</a:t>
+            </a:r>
+            <a:endParaRPr lang="en-US" sz="1401" dirty="0">
+              <a:latin typeface="+mj-lt"/>
+            </a:endParaRPr>
+          </a:p>
+        </p:txBody>
+      </p:sp>
+      <p:sp>
+        <p:nvSpPr>
+          <p:cNvPr id="9" name="Rectangle 8">
+            <a:extLst>
+              <a:ext uri="{FF2B5EF4-FFF2-40B4-BE49-F238E27FC236}">
+                <a16:creationId xmlns:a16="http://schemas.microsoft.com/office/drawing/2014/main" id="{2E2CB199-5277-3442-5FFE-8453782409C7}"/>
+              </a:ext>
+            </a:extLst>
+          </p:cNvPr>
+          <p:cNvSpPr/>
+          <p:nvPr/>
+        </p:nvSpPr>
+        <p:spPr>
+          <a:xfrm rot="16200000">
+            <a:off x="-1206822" y="4777334"/>
+            <a:ext cx="3262737" cy="849093"/>
+          </a:xfrm>
+          <a:prstGeom prst="rect">
+            <a:avLst/>
+          </a:prstGeom>
+        </p:spPr>
+        <p:style>
+          <a:lnRef idx="2">
+            <a:schemeClr val="accent6"/>
+          </a:lnRef>
+          <a:fillRef idx="1">
+            <a:schemeClr val="lt1"/>
+          </a:fillRef>
+          <a:effectRef idx="0">
+            <a:schemeClr val="accent6"/>
+          </a:effectRef>
+          <a:fontRef idx="minor">
+            <a:schemeClr val="dk1"/>
+          </a:fontRef>
+        </p:style>
+        <p:txBody>
+          <a:bodyPr rtlCol="0" anchor="ctr"/>
+          <a:lstStyle/>
+          <a:p>
+            <a:pPr algn="ctr"/>
+            <a:r>
+              <a:rPr lang="vi-VN" sz="1401" dirty="0">
+                <a:latin typeface="+mj-lt"/>
+              </a:rPr>
+              <a:t>Hệ thống</a:t>
+            </a:r>
+            <a:endParaRPr lang="en-US" sz="1401" dirty="0">
+              <a:latin typeface="+mj-lt"/>
+            </a:endParaRPr>
+          </a:p>
+        </p:txBody>
+      </p:sp>
+      <p:sp>
+        <p:nvSpPr>
+          <p:cNvPr id="10" name="Flowchart: Connector 9">
+            <a:extLst>
+              <a:ext uri="{FF2B5EF4-FFF2-40B4-BE49-F238E27FC236}">
+                <a16:creationId xmlns:a16="http://schemas.microsoft.com/office/drawing/2014/main" id="{1381F31B-1EAB-185F-17E8-ABE85582A3DB}"/>
+              </a:ext>
+            </a:extLst>
+          </p:cNvPr>
+          <p:cNvSpPr/>
+          <p:nvPr/>
+        </p:nvSpPr>
+        <p:spPr>
+          <a:xfrm>
+            <a:off x="1088578" y="1719945"/>
+            <a:ext cx="185059" cy="217715"/>
+          </a:xfrm>
+          <a:prstGeom prst="flowChartConnector">
+            <a:avLst/>
+          </a:prstGeom>
+        </p:spPr>
+        <p:style>
+          <a:lnRef idx="2">
+            <a:schemeClr val="dk1">
+              <a:shade val="15000"/>
+            </a:schemeClr>
+          </a:lnRef>
+          <a:fillRef idx="1">
+            <a:schemeClr val="dk1"/>
+          </a:fillRef>
+          <a:effectRef idx="0">
+            <a:schemeClr val="dk1"/>
+          </a:effectRef>
+          <a:fontRef idx="minor">
+            <a:schemeClr val="lt1"/>
+          </a:fontRef>
+        </p:style>
+        <p:txBody>
+          <a:bodyPr rtlCol="0" anchor="ctr"/>
+          <a:lstStyle/>
+          <a:p>
+            <a:pPr algn="ctr"/>
+            <a:endParaRPr lang="en-US" sz="1401">
+              <a:latin typeface="+mj-lt"/>
+            </a:endParaRPr>
+          </a:p>
+        </p:txBody>
+      </p:sp>
+      <p:sp>
+        <p:nvSpPr>
+          <p:cNvPr id="13" name="Rectangle: Rounded Corners 12">
+            <a:extLst>
+              <a:ext uri="{FF2B5EF4-FFF2-40B4-BE49-F238E27FC236}">
+                <a16:creationId xmlns:a16="http://schemas.microsoft.com/office/drawing/2014/main" id="{61B02474-1C31-08CD-CF11-C0DE5347322D}"/>
+              </a:ext>
+            </a:extLst>
+          </p:cNvPr>
+          <p:cNvSpPr/>
+          <p:nvPr/>
+        </p:nvSpPr>
+        <p:spPr>
+          <a:xfrm>
+            <a:off x="2103685" y="1556664"/>
+            <a:ext cx="1317172" cy="544287"/>
+          </a:xfrm>
+          <a:prstGeom prst="roundRect">
+            <a:avLst/>
+          </a:prstGeom>
+        </p:spPr>
+        <p:style>
+          <a:lnRef idx="2">
+            <a:schemeClr val="accent6"/>
+          </a:lnRef>
+          <a:fillRef idx="1">
+            <a:schemeClr val="lt1"/>
+          </a:fillRef>
+          <a:effectRef idx="0">
+            <a:schemeClr val="accent6"/>
+          </a:effectRef>
+          <a:fontRef idx="minor">
+            <a:schemeClr val="dk1"/>
+          </a:fontRef>
+        </p:style>
+        <p:txBody>
+          <a:bodyPr rtlCol="0" anchor="ctr"/>
+          <a:lstStyle/>
+          <a:p>
+            <a:pPr algn="ctr"/>
+            <a:r>
+              <a:rPr lang="vi-VN" sz="1401" dirty="0">
+                <a:latin typeface="+mj-lt"/>
+              </a:rPr>
+              <a:t>Người dùng chọn “tạo nhóm”</a:t>
+            </a:r>
+            <a:endParaRPr lang="en-US" sz="1401" dirty="0">
+              <a:latin typeface="+mj-lt"/>
+            </a:endParaRPr>
+          </a:p>
+        </p:txBody>
+      </p:sp>
+      <p:sp>
+        <p:nvSpPr>
+          <p:cNvPr id="17" name="Rectangle: Rounded Corners 16">
+            <a:extLst>
+              <a:ext uri="{FF2B5EF4-FFF2-40B4-BE49-F238E27FC236}">
+                <a16:creationId xmlns:a16="http://schemas.microsoft.com/office/drawing/2014/main" id="{C7AF4A38-CDFA-175E-9F55-629211289818}"/>
+              </a:ext>
+            </a:extLst>
+          </p:cNvPr>
+          <p:cNvSpPr/>
+          <p:nvPr/>
+        </p:nvSpPr>
+        <p:spPr>
+          <a:xfrm>
+            <a:off x="5067310" y="1556667"/>
+            <a:ext cx="1317172" cy="544287"/>
+          </a:xfrm>
+          <a:prstGeom prst="roundRect">
+            <a:avLst/>
+          </a:prstGeom>
+        </p:spPr>
+        <p:style>
+          <a:lnRef idx="2">
+            <a:schemeClr val="accent6"/>
+          </a:lnRef>
+          <a:fillRef idx="1">
+            <a:schemeClr val="lt1"/>
+          </a:fillRef>
+          <a:effectRef idx="0">
+            <a:schemeClr val="accent6"/>
+          </a:effectRef>
+          <a:fontRef idx="minor">
+            <a:schemeClr val="dk1"/>
+          </a:fontRef>
+        </p:style>
+        <p:txBody>
+          <a:bodyPr rtlCol="0" anchor="ctr"/>
+          <a:lstStyle/>
+          <a:p>
+            <a:pPr algn="ctr"/>
+            <a:r>
+              <a:rPr lang="vi-VN" sz="1401" dirty="0">
+                <a:latin typeface="+mj-lt"/>
+              </a:rPr>
+              <a:t>Nhập tên nhóm, mô tả, quyền riêng tư</a:t>
+            </a:r>
+            <a:endParaRPr lang="en-US" sz="1401" dirty="0">
+              <a:latin typeface="+mj-lt"/>
+            </a:endParaRPr>
+          </a:p>
+        </p:txBody>
+      </p:sp>
+      <p:sp>
+        <p:nvSpPr>
+          <p:cNvPr id="19" name="Rectangle: Rounded Corners 18">
+            <a:extLst>
+              <a:ext uri="{FF2B5EF4-FFF2-40B4-BE49-F238E27FC236}">
+                <a16:creationId xmlns:a16="http://schemas.microsoft.com/office/drawing/2014/main" id="{2A0B17B7-CC6C-5B78-3710-123445F82C90}"/>
+              </a:ext>
+            </a:extLst>
+          </p:cNvPr>
+          <p:cNvSpPr/>
+          <p:nvPr/>
+        </p:nvSpPr>
+        <p:spPr>
+          <a:xfrm>
+            <a:off x="7587347" y="1556667"/>
+            <a:ext cx="1317172" cy="544287"/>
+          </a:xfrm>
+          <a:prstGeom prst="roundRect">
+            <a:avLst/>
+          </a:prstGeom>
+        </p:spPr>
+        <p:style>
+          <a:lnRef idx="2">
+            <a:schemeClr val="accent6"/>
+          </a:lnRef>
+          <a:fillRef idx="1">
+            <a:schemeClr val="lt1"/>
+          </a:fillRef>
+          <a:effectRef idx="0">
+            <a:schemeClr val="accent6"/>
+          </a:effectRef>
+          <a:fontRef idx="minor">
+            <a:schemeClr val="dk1"/>
+          </a:fontRef>
+        </p:style>
+        <p:txBody>
+          <a:bodyPr rtlCol="0" anchor="ctr"/>
+          <a:lstStyle/>
+          <a:p>
+            <a:pPr algn="ctr"/>
+            <a:r>
+              <a:rPr lang="vi-VN" sz="1401" dirty="0">
+                <a:latin typeface="+mj-lt"/>
+              </a:rPr>
+              <a:t>Ấn "Tạo nhóm"</a:t>
+            </a:r>
+            <a:endParaRPr lang="en-US" sz="1401" dirty="0">
+              <a:latin typeface="+mj-lt"/>
+            </a:endParaRPr>
+          </a:p>
+        </p:txBody>
+      </p:sp>
+      <p:sp>
+        <p:nvSpPr>
+          <p:cNvPr id="21" name="Rectangle: Rounded Corners 20">
+            <a:extLst>
+              <a:ext uri="{FF2B5EF4-FFF2-40B4-BE49-F238E27FC236}">
+                <a16:creationId xmlns:a16="http://schemas.microsoft.com/office/drawing/2014/main" id="{56EC9BAF-1831-FC16-04DD-0C08EDB7907C}"/>
+              </a:ext>
+            </a:extLst>
+          </p:cNvPr>
+          <p:cNvSpPr/>
+          <p:nvPr/>
+        </p:nvSpPr>
+        <p:spPr>
+          <a:xfrm>
+            <a:off x="2492846" y="5029211"/>
+            <a:ext cx="1317172" cy="544287"/>
+          </a:xfrm>
+          <a:prstGeom prst="roundRect">
+            <a:avLst/>
+          </a:prstGeom>
+        </p:spPr>
+        <p:style>
+          <a:lnRef idx="2">
+            <a:schemeClr val="accent6"/>
+          </a:lnRef>
+          <a:fillRef idx="1">
+            <a:schemeClr val="lt1"/>
+          </a:fillRef>
+          <a:effectRef idx="0">
+            <a:schemeClr val="accent6"/>
+          </a:effectRef>
+          <a:fontRef idx="minor">
+            <a:schemeClr val="dk1"/>
+          </a:fontRef>
+        </p:style>
+        <p:txBody>
+          <a:bodyPr rtlCol="0" anchor="ctr"/>
+          <a:lstStyle/>
+          <a:p>
+            <a:pPr algn="ctr"/>
+            <a:r>
+              <a:rPr lang="vi-VN" sz="1401" dirty="0">
+                <a:latin typeface="+mj-lt"/>
+              </a:rPr>
+              <a:t>Hệ thống tạo bản ghi Group</a:t>
+            </a:r>
+            <a:endParaRPr lang="en-US" sz="1401" dirty="0">
+              <a:latin typeface="+mj-lt"/>
+            </a:endParaRPr>
+          </a:p>
+        </p:txBody>
+      </p:sp>
+      <p:sp>
+        <p:nvSpPr>
+          <p:cNvPr id="24" name="Rectangle: Rounded Corners 23">
+            <a:extLst>
+              <a:ext uri="{FF2B5EF4-FFF2-40B4-BE49-F238E27FC236}">
+                <a16:creationId xmlns:a16="http://schemas.microsoft.com/office/drawing/2014/main" id="{1EC1AAF0-D583-A3F4-84B8-C952A9A5AFCC}"/>
+              </a:ext>
+            </a:extLst>
+          </p:cNvPr>
+          <p:cNvSpPr/>
+          <p:nvPr/>
+        </p:nvSpPr>
+        <p:spPr>
+          <a:xfrm>
+            <a:off x="5067304" y="5029211"/>
+            <a:ext cx="2095503" cy="544287"/>
+          </a:xfrm>
+          <a:prstGeom prst="roundRect">
+            <a:avLst/>
+          </a:prstGeom>
+        </p:spPr>
+        <p:style>
+          <a:lnRef idx="2">
+            <a:schemeClr val="accent6"/>
+          </a:lnRef>
+          <a:fillRef idx="1">
+            <a:schemeClr val="lt1"/>
+          </a:fillRef>
+          <a:effectRef idx="0">
+            <a:schemeClr val="accent6"/>
+          </a:effectRef>
+          <a:fontRef idx="minor">
+            <a:schemeClr val="dk1"/>
+          </a:fontRef>
+        </p:style>
+        <p:txBody>
+          <a:bodyPr rtlCol="0" anchor="ctr"/>
+          <a:lstStyle/>
+          <a:p>
+            <a:pPr algn="ctr"/>
+            <a:r>
+              <a:rPr lang="vi-VN" sz="1401" dirty="0">
+                <a:latin typeface="+mj-lt"/>
+              </a:rPr>
+              <a:t>Hệ thống tạo bản ghi GroupMember với role = admin</a:t>
+            </a:r>
+            <a:endParaRPr lang="en-US" sz="1401" dirty="0">
+              <a:latin typeface="+mj-lt"/>
+            </a:endParaRPr>
+          </a:p>
+        </p:txBody>
+      </p:sp>
+      <p:sp>
+        <p:nvSpPr>
+          <p:cNvPr id="26" name="Rectangle: Rounded Corners 25">
+            <a:extLst>
+              <a:ext uri="{FF2B5EF4-FFF2-40B4-BE49-F238E27FC236}">
+                <a16:creationId xmlns:a16="http://schemas.microsoft.com/office/drawing/2014/main" id="{20AE3517-82B9-8EB7-3D19-5F0E054AEB0A}"/>
+              </a:ext>
+            </a:extLst>
+          </p:cNvPr>
+          <p:cNvSpPr/>
+          <p:nvPr/>
+        </p:nvSpPr>
+        <p:spPr>
+          <a:xfrm>
+            <a:off x="10134598" y="1545780"/>
+            <a:ext cx="1317172" cy="544287"/>
+          </a:xfrm>
+          <a:prstGeom prst="roundRect">
+            <a:avLst/>
+          </a:prstGeom>
+        </p:spPr>
+        <p:style>
+          <a:lnRef idx="2">
+            <a:schemeClr val="accent6"/>
+          </a:lnRef>
+          <a:fillRef idx="1">
+            <a:schemeClr val="lt1"/>
+          </a:fillRef>
+          <a:effectRef idx="0">
+            <a:schemeClr val="accent6"/>
+          </a:effectRef>
+          <a:fontRef idx="minor">
+            <a:schemeClr val="dk1"/>
+          </a:fontRef>
+        </p:style>
+        <p:txBody>
+          <a:bodyPr rtlCol="0" anchor="ctr"/>
+          <a:lstStyle/>
+          <a:p>
+            <a:pPr algn="ctr"/>
+            <a:r>
+              <a:rPr lang="vi-VN" sz="1401" dirty="0">
+                <a:latin typeface="+mj-lt"/>
+              </a:rPr>
+              <a:t>Hiển thị trang nhóm mới</a:t>
+            </a:r>
+            <a:endParaRPr lang="en-US" sz="1401" dirty="0">
+              <a:latin typeface="+mj-lt"/>
+            </a:endParaRPr>
+          </a:p>
+        </p:txBody>
+      </p:sp>
+      <p:sp>
+        <p:nvSpPr>
+          <p:cNvPr id="33" name="Flowchart: Connector 32">
+            <a:extLst>
+              <a:ext uri="{FF2B5EF4-FFF2-40B4-BE49-F238E27FC236}">
+                <a16:creationId xmlns:a16="http://schemas.microsoft.com/office/drawing/2014/main" id="{3E620EBC-601E-A71E-3BAF-1367866A22F4}"/>
+              </a:ext>
+            </a:extLst>
+          </p:cNvPr>
+          <p:cNvSpPr/>
+          <p:nvPr/>
+        </p:nvSpPr>
+        <p:spPr>
+          <a:xfrm>
+            <a:off x="11789223" y="1741714"/>
+            <a:ext cx="185059" cy="217715"/>
+          </a:xfrm>
+          <a:prstGeom prst="flowChartConnector">
+            <a:avLst/>
+          </a:prstGeom>
+        </p:spPr>
+        <p:style>
+          <a:lnRef idx="2">
+            <a:schemeClr val="dk1">
+              <a:shade val="15000"/>
+            </a:schemeClr>
+          </a:lnRef>
+          <a:fillRef idx="1">
+            <a:schemeClr val="dk1"/>
+          </a:fillRef>
+          <a:effectRef idx="0">
+            <a:schemeClr val="dk1"/>
+          </a:effectRef>
+          <a:fontRef idx="minor">
+            <a:schemeClr val="lt1"/>
+          </a:fontRef>
+        </p:style>
+        <p:txBody>
+          <a:bodyPr rtlCol="0" anchor="ctr"/>
+          <a:lstStyle/>
+          <a:p>
+            <a:pPr algn="ctr"/>
+            <a:endParaRPr lang="en-US" sz="1401">
+              <a:latin typeface="+mj-lt"/>
+            </a:endParaRPr>
+          </a:p>
+        </p:txBody>
+      </p:sp>
+      <p:cxnSp>
+        <p:nvCxnSpPr>
+          <p:cNvPr id="70" name="Straight Arrow Connector 69">
+            <a:extLst>
+              <a:ext uri="{FF2B5EF4-FFF2-40B4-BE49-F238E27FC236}">
+                <a16:creationId xmlns:a16="http://schemas.microsoft.com/office/drawing/2014/main" id="{734B5992-8D54-E7C3-FDC6-DA5E1A7BE749}"/>
+              </a:ext>
+            </a:extLst>
+          </p:cNvPr>
+          <p:cNvCxnSpPr>
+            <a:stCxn id="10" idx="6"/>
+          </p:cNvCxnSpPr>
+          <p:nvPr/>
+        </p:nvCxnSpPr>
+        <p:spPr>
+          <a:xfrm flipV="1">
+            <a:off x="1273637" y="1828802"/>
+            <a:ext cx="830048" cy="1"/>
+          </a:xfrm>
+          <a:prstGeom prst="straightConnector1">
+            <a:avLst/>
+          </a:prstGeom>
+          <a:ln>
+            <a:tailEnd type="triangle"/>
+          </a:ln>
+        </p:spPr>
+        <p:style>
+          <a:lnRef idx="2">
+            <a:schemeClr val="accent1"/>
+          </a:lnRef>
+          <a:fillRef idx="0">
+            <a:schemeClr val="accent1"/>
+          </a:fillRef>
+          <a:effectRef idx="1">
+            <a:schemeClr val="accent1"/>
+          </a:effectRef>
+          <a:fontRef idx="minor">
+            <a:schemeClr val="tx1"/>
+          </a:fontRef>
+        </p:style>
+      </p:cxnSp>
+      <p:cxnSp>
+        <p:nvCxnSpPr>
+          <p:cNvPr id="72" name="Straight Arrow Connector 71">
+            <a:extLst>
+              <a:ext uri="{FF2B5EF4-FFF2-40B4-BE49-F238E27FC236}">
+                <a16:creationId xmlns:a16="http://schemas.microsoft.com/office/drawing/2014/main" id="{DB27DAF9-C818-E438-ED1D-FFDFEA410537}"/>
+              </a:ext>
+            </a:extLst>
+          </p:cNvPr>
+          <p:cNvCxnSpPr>
+            <a:endCxn id="17" idx="1"/>
+          </p:cNvCxnSpPr>
+          <p:nvPr/>
+        </p:nvCxnSpPr>
+        <p:spPr>
+          <a:xfrm>
+            <a:off x="3439886" y="1828802"/>
+            <a:ext cx="1627424" cy="9"/>
+          </a:xfrm>
+          <a:prstGeom prst="straightConnector1">
+            <a:avLst/>
+          </a:prstGeom>
+          <a:ln>
+            <a:tailEnd type="triangle"/>
+          </a:ln>
+        </p:spPr>
+        <p:style>
+          <a:lnRef idx="2">
+            <a:schemeClr val="accent1"/>
+          </a:lnRef>
+          <a:fillRef idx="0">
+            <a:schemeClr val="accent1"/>
+          </a:fillRef>
+          <a:effectRef idx="1">
+            <a:schemeClr val="accent1"/>
+          </a:effectRef>
+          <a:fontRef idx="minor">
+            <a:schemeClr val="tx1"/>
+          </a:fontRef>
+        </p:style>
+      </p:cxnSp>
+      <p:cxnSp>
+        <p:nvCxnSpPr>
+          <p:cNvPr id="74" name="Straight Arrow Connector 73">
+            <a:extLst>
+              <a:ext uri="{FF2B5EF4-FFF2-40B4-BE49-F238E27FC236}">
+                <a16:creationId xmlns:a16="http://schemas.microsoft.com/office/drawing/2014/main" id="{6091417E-4A9A-A7A0-2579-E505D9F70B78}"/>
+              </a:ext>
+            </a:extLst>
+          </p:cNvPr>
+          <p:cNvCxnSpPr/>
+          <p:nvPr/>
+        </p:nvCxnSpPr>
+        <p:spPr>
+          <a:xfrm>
+            <a:off x="6384482" y="1817923"/>
+            <a:ext cx="1178351" cy="10879"/>
+          </a:xfrm>
+          <a:prstGeom prst="straightConnector1">
+            <a:avLst/>
+          </a:prstGeom>
+          <a:ln>
+            <a:tailEnd type="triangle"/>
+          </a:ln>
+        </p:spPr>
+        <p:style>
+          <a:lnRef idx="2">
+            <a:schemeClr val="accent1"/>
+          </a:lnRef>
+          <a:fillRef idx="0">
+            <a:schemeClr val="accent1"/>
+          </a:fillRef>
+          <a:effectRef idx="1">
+            <a:schemeClr val="accent1"/>
+          </a:effectRef>
+          <a:fontRef idx="minor">
+            <a:schemeClr val="tx1"/>
+          </a:fontRef>
+        </p:style>
+      </p:cxnSp>
+      <p:cxnSp>
+        <p:nvCxnSpPr>
+          <p:cNvPr id="76" name="Straight Arrow Connector 75">
+            <a:extLst>
+              <a:ext uri="{FF2B5EF4-FFF2-40B4-BE49-F238E27FC236}">
+                <a16:creationId xmlns:a16="http://schemas.microsoft.com/office/drawing/2014/main" id="{839F60BC-8931-C314-B35D-1E452D2C6C26}"/>
+              </a:ext>
+            </a:extLst>
+          </p:cNvPr>
+          <p:cNvCxnSpPr/>
+          <p:nvPr/>
+        </p:nvCxnSpPr>
+        <p:spPr>
+          <a:xfrm flipH="1">
+            <a:off x="3102433" y="2122579"/>
+            <a:ext cx="5143500" cy="2906632"/>
+          </a:xfrm>
+          <a:prstGeom prst="straightConnector1">
+            <a:avLst/>
+          </a:prstGeom>
+          <a:ln>
+            <a:tailEnd type="triangle"/>
+          </a:ln>
+        </p:spPr>
+        <p:style>
+          <a:lnRef idx="2">
+            <a:schemeClr val="accent1"/>
+          </a:lnRef>
+          <a:fillRef idx="0">
+            <a:schemeClr val="accent1"/>
+          </a:fillRef>
+          <a:effectRef idx="1">
+            <a:schemeClr val="accent1"/>
+          </a:effectRef>
+          <a:fontRef idx="minor">
+            <a:schemeClr val="tx1"/>
+          </a:fontRef>
+        </p:style>
+      </p:cxnSp>
+      <p:cxnSp>
+        <p:nvCxnSpPr>
+          <p:cNvPr id="78" name="Straight Arrow Connector 77">
+            <a:extLst>
+              <a:ext uri="{FF2B5EF4-FFF2-40B4-BE49-F238E27FC236}">
+                <a16:creationId xmlns:a16="http://schemas.microsoft.com/office/drawing/2014/main" id="{385BC605-921E-44E1-3634-8EF234FC47B6}"/>
+              </a:ext>
+            </a:extLst>
+          </p:cNvPr>
+          <p:cNvCxnSpPr/>
+          <p:nvPr/>
+        </p:nvCxnSpPr>
+        <p:spPr>
+          <a:xfrm>
+            <a:off x="3829073" y="5301333"/>
+            <a:ext cx="1238231" cy="48517"/>
+          </a:xfrm>
+          <a:prstGeom prst="straightConnector1">
+            <a:avLst/>
+          </a:prstGeom>
+          <a:ln>
+            <a:tailEnd type="triangle"/>
+          </a:ln>
+        </p:spPr>
+        <p:style>
+          <a:lnRef idx="2">
+            <a:schemeClr val="accent1"/>
+          </a:lnRef>
+          <a:fillRef idx="0">
+            <a:schemeClr val="accent1"/>
+          </a:fillRef>
+          <a:effectRef idx="1">
+            <a:schemeClr val="accent1"/>
+          </a:effectRef>
+          <a:fontRef idx="minor">
+            <a:schemeClr val="tx1"/>
+          </a:fontRef>
+        </p:style>
+      </p:cxnSp>
+      <p:cxnSp>
+        <p:nvCxnSpPr>
+          <p:cNvPr id="80" name="Straight Arrow Connector 79">
+            <a:extLst>
+              <a:ext uri="{FF2B5EF4-FFF2-40B4-BE49-F238E27FC236}">
+                <a16:creationId xmlns:a16="http://schemas.microsoft.com/office/drawing/2014/main" id="{BC16DCDC-C197-C61F-FF6C-BDEE517E7180}"/>
+              </a:ext>
+            </a:extLst>
+          </p:cNvPr>
+          <p:cNvCxnSpPr>
+            <a:endCxn id="26" idx="2"/>
+          </p:cNvCxnSpPr>
+          <p:nvPr/>
+        </p:nvCxnSpPr>
+        <p:spPr>
+          <a:xfrm flipV="1">
+            <a:off x="7162807" y="2090067"/>
+            <a:ext cx="3630377" cy="3187029"/>
+          </a:xfrm>
+          <a:prstGeom prst="straightConnector1">
+            <a:avLst/>
+          </a:prstGeom>
+          <a:ln>
+            <a:tailEnd type="triangle"/>
+          </a:ln>
+        </p:spPr>
+        <p:style>
+          <a:lnRef idx="2">
+            <a:schemeClr val="accent1"/>
+          </a:lnRef>
+          <a:fillRef idx="0">
+            <a:schemeClr val="accent1"/>
+          </a:fillRef>
+          <a:effectRef idx="1">
+            <a:schemeClr val="accent1"/>
+          </a:effectRef>
+          <a:fontRef idx="minor">
+            <a:schemeClr val="tx1"/>
+          </a:fontRef>
+        </p:style>
+      </p:cxnSp>
+      <p:cxnSp>
+        <p:nvCxnSpPr>
+          <p:cNvPr id="82" name="Straight Arrow Connector 81">
+            <a:extLst>
+              <a:ext uri="{FF2B5EF4-FFF2-40B4-BE49-F238E27FC236}">
+                <a16:creationId xmlns:a16="http://schemas.microsoft.com/office/drawing/2014/main" id="{1C990248-E47C-A743-A3C3-E70D3682FFA0}"/>
+              </a:ext>
+            </a:extLst>
+          </p:cNvPr>
+          <p:cNvCxnSpPr>
+            <a:stCxn id="26" idx="3"/>
+            <a:endCxn id="33" idx="2"/>
+          </p:cNvCxnSpPr>
+          <p:nvPr/>
+        </p:nvCxnSpPr>
+        <p:spPr>
+          <a:xfrm>
+            <a:off x="11451770" y="1817924"/>
+            <a:ext cx="337453" cy="32648"/>
+          </a:xfrm>
+          <a:prstGeom prst="straightConnector1">
+            <a:avLst/>
+          </a:prstGeom>
+          <a:ln>
+            <a:tailEnd type="triangle"/>
+          </a:ln>
+        </p:spPr>
+        <p:style>
+          <a:lnRef idx="2">
+            <a:schemeClr val="accent1"/>
+          </a:lnRef>
+          <a:fillRef idx="0">
+            <a:schemeClr val="accent1"/>
+          </a:fillRef>
+          <a:effectRef idx="1">
+            <a:schemeClr val="accent1"/>
+          </a:effectRef>
+          <a:fontRef idx="minor">
+            <a:schemeClr val="tx1"/>
+          </a:fontRef>
+        </p:style>
+      </p:cxnSp>
     </p:spTree>
     <p:extLst>
       <p:ext uri="{BB962C8B-B14F-4D97-AF65-F5344CB8AC3E}">
-        <p14:creationId xmlns:p14="http://schemas.microsoft.com/office/powerpoint/2010/main" val="10584473"/>
+        <p14:creationId xmlns:p14="http://schemas.microsoft.com/office/powerpoint/2010/main" val="3943183032"/>
+      </p:ext>
+    </p:extLst>
+  </p:cSld>
+  <p:clrMapOvr>
+    <a:masterClrMapping/>
+  </p:clrMapOvr>
+</p:sld>
+</file>
+
+<file path=ppt/slides/slide4.xml><?xml version="1.0" encoding="utf-8"?>
+<p:sld xmlns:a="http://schemas.openxmlformats.org/drawingml/2006/main" xmlns:r="http://schemas.openxmlformats.org/officeDocument/2006/relationships" xmlns:p="http://schemas.openxmlformats.org/presentationml/2006/main">
+  <p:cSld>
+    <p:spTree>
+      <p:nvGrpSpPr>
+        <p:cNvPr id="1" name=""/>
+        <p:cNvGrpSpPr/>
+        <p:nvPr/>
+      </p:nvGrpSpPr>
+      <p:grpSpPr>
+        <a:xfrm>
+          <a:off x="0" y="0"/>
+          <a:ext cx="0" cy="0"/>
+          <a:chOff x="0" y="0"/>
+          <a:chExt cx="0" cy="0"/>
+        </a:xfrm>
+      </p:grpSpPr>
+      <p:sp>
+        <p:nvSpPr>
+          <p:cNvPr id="8" name="TextBox 7">
+            <a:extLst>
+              <a:ext uri="{FF2B5EF4-FFF2-40B4-BE49-F238E27FC236}">
+                <a16:creationId xmlns:a16="http://schemas.microsoft.com/office/drawing/2014/main" id="{49709C9A-C4E0-75C0-4E39-A752652BB784}"/>
+              </a:ext>
+            </a:extLst>
+          </p:cNvPr>
+          <p:cNvSpPr txBox="1"/>
+          <p:nvPr/>
+        </p:nvSpPr>
+        <p:spPr>
+          <a:xfrm>
+            <a:off x="5435402" y="0"/>
+            <a:ext cx="1321196" cy="307777"/>
+          </a:xfrm>
+          <a:prstGeom prst="rect">
+            <a:avLst/>
+          </a:prstGeom>
+          <a:noFill/>
+        </p:spPr>
+        <p:txBody>
+          <a:bodyPr wrap="none" rtlCol="0">
+            <a:spAutoFit/>
+          </a:bodyPr>
+          <a:lstStyle/>
+          <a:p>
+            <a:r>
+              <a:rPr lang="vi-VN" sz="1400" dirty="0">
+                <a:latin typeface="Times New Roman" panose="02020603050405020304" pitchFamily="18" charset="0"/>
+                <a:cs typeface="Times New Roman" panose="02020603050405020304" pitchFamily="18" charset="0"/>
+              </a:rPr>
+              <a:t>Tham gia nhóm</a:t>
+            </a:r>
+            <a:endParaRPr lang="en-US" sz="1400" dirty="0">
+              <a:latin typeface="Times New Roman" panose="02020603050405020304" pitchFamily="18" charset="0"/>
+              <a:cs typeface="Times New Roman" panose="02020603050405020304" pitchFamily="18" charset="0"/>
+            </a:endParaRPr>
+          </a:p>
+        </p:txBody>
+      </p:sp>
+      <p:sp>
+        <p:nvSpPr>
+          <p:cNvPr id="9" name="Rectangle 8">
+            <a:extLst>
+              <a:ext uri="{FF2B5EF4-FFF2-40B4-BE49-F238E27FC236}">
+                <a16:creationId xmlns:a16="http://schemas.microsoft.com/office/drawing/2014/main" id="{DE5B4A20-19F9-25A3-B5A8-867B8A3EA8B0}"/>
+              </a:ext>
+            </a:extLst>
+          </p:cNvPr>
+          <p:cNvSpPr/>
+          <p:nvPr/>
+        </p:nvSpPr>
+        <p:spPr>
+          <a:xfrm>
+            <a:off x="-1" y="416635"/>
+            <a:ext cx="3995057" cy="573965"/>
+          </a:xfrm>
+          <a:prstGeom prst="rect">
+            <a:avLst/>
+          </a:prstGeom>
+        </p:spPr>
+        <p:style>
+          <a:lnRef idx="2">
+            <a:schemeClr val="accent6"/>
+          </a:lnRef>
+          <a:fillRef idx="1">
+            <a:schemeClr val="lt1"/>
+          </a:fillRef>
+          <a:effectRef idx="0">
+            <a:schemeClr val="accent6"/>
+          </a:effectRef>
+          <a:fontRef idx="minor">
+            <a:schemeClr val="dk1"/>
+          </a:fontRef>
+        </p:style>
+        <p:txBody>
+          <a:bodyPr rtlCol="0" anchor="ctr"/>
+          <a:lstStyle/>
+          <a:p>
+            <a:pPr algn="ctr"/>
+            <a:r>
+              <a:rPr lang="vi-VN" sz="1400" dirty="0">
+                <a:latin typeface="Times New Roman" panose="02020603050405020304" pitchFamily="18" charset="0"/>
+                <a:cs typeface="Times New Roman" panose="02020603050405020304" pitchFamily="18" charset="0"/>
+              </a:rPr>
+              <a:t>Người dùng</a:t>
+            </a:r>
+            <a:endParaRPr lang="en-US" sz="1400" dirty="0">
+              <a:latin typeface="Times New Roman" panose="02020603050405020304" pitchFamily="18" charset="0"/>
+              <a:cs typeface="Times New Roman" panose="02020603050405020304" pitchFamily="18" charset="0"/>
+            </a:endParaRPr>
+          </a:p>
+        </p:txBody>
+      </p:sp>
+      <p:sp>
+        <p:nvSpPr>
+          <p:cNvPr id="10" name="Rectangle 9">
+            <a:extLst>
+              <a:ext uri="{FF2B5EF4-FFF2-40B4-BE49-F238E27FC236}">
+                <a16:creationId xmlns:a16="http://schemas.microsoft.com/office/drawing/2014/main" id="{075B78BD-E68F-070F-1931-6AA142114692}"/>
+              </a:ext>
+            </a:extLst>
+          </p:cNvPr>
+          <p:cNvSpPr/>
+          <p:nvPr/>
+        </p:nvSpPr>
+        <p:spPr>
+          <a:xfrm>
+            <a:off x="3995056" y="416635"/>
+            <a:ext cx="4201890" cy="573965"/>
+          </a:xfrm>
+          <a:prstGeom prst="rect">
+            <a:avLst/>
+          </a:prstGeom>
+        </p:spPr>
+        <p:style>
+          <a:lnRef idx="2">
+            <a:schemeClr val="accent6"/>
+          </a:lnRef>
+          <a:fillRef idx="1">
+            <a:schemeClr val="lt1"/>
+          </a:fillRef>
+          <a:effectRef idx="0">
+            <a:schemeClr val="accent6"/>
+          </a:effectRef>
+          <a:fontRef idx="minor">
+            <a:schemeClr val="dk1"/>
+          </a:fontRef>
+        </p:style>
+        <p:txBody>
+          <a:bodyPr rtlCol="0" anchor="ctr"/>
+          <a:lstStyle/>
+          <a:p>
+            <a:pPr algn="ctr"/>
+            <a:r>
+              <a:rPr lang="vi-VN" sz="1400" dirty="0">
+                <a:latin typeface="Times New Roman" panose="02020603050405020304" pitchFamily="18" charset="0"/>
+                <a:cs typeface="Times New Roman" panose="02020603050405020304" pitchFamily="18" charset="0"/>
+              </a:rPr>
+              <a:t>Hệ thống</a:t>
+            </a:r>
+            <a:endParaRPr lang="en-US" sz="1400" dirty="0">
+              <a:latin typeface="Times New Roman" panose="02020603050405020304" pitchFamily="18" charset="0"/>
+              <a:cs typeface="Times New Roman" panose="02020603050405020304" pitchFamily="18" charset="0"/>
+            </a:endParaRPr>
+          </a:p>
+        </p:txBody>
+      </p:sp>
+      <p:sp>
+        <p:nvSpPr>
+          <p:cNvPr id="11" name="Rectangle 10">
+            <a:extLst>
+              <a:ext uri="{FF2B5EF4-FFF2-40B4-BE49-F238E27FC236}">
+                <a16:creationId xmlns:a16="http://schemas.microsoft.com/office/drawing/2014/main" id="{E0545113-9626-E2BD-88FE-29BD481E1908}"/>
+              </a:ext>
+            </a:extLst>
+          </p:cNvPr>
+          <p:cNvSpPr/>
+          <p:nvPr/>
+        </p:nvSpPr>
+        <p:spPr>
+          <a:xfrm>
+            <a:off x="8196946" y="416635"/>
+            <a:ext cx="3995054" cy="573965"/>
+          </a:xfrm>
+          <a:prstGeom prst="rect">
+            <a:avLst/>
+          </a:prstGeom>
+        </p:spPr>
+        <p:style>
+          <a:lnRef idx="2">
+            <a:schemeClr val="accent6"/>
+          </a:lnRef>
+          <a:fillRef idx="1">
+            <a:schemeClr val="lt1"/>
+          </a:fillRef>
+          <a:effectRef idx="0">
+            <a:schemeClr val="accent6"/>
+          </a:effectRef>
+          <a:fontRef idx="minor">
+            <a:schemeClr val="dk1"/>
+          </a:fontRef>
+        </p:style>
+        <p:txBody>
+          <a:bodyPr rtlCol="0" anchor="ctr"/>
+          <a:lstStyle/>
+          <a:p>
+            <a:pPr algn="ctr"/>
+            <a:r>
+              <a:rPr lang="vi-VN" sz="1400" dirty="0">
+                <a:latin typeface="Times New Roman" panose="02020603050405020304" pitchFamily="18" charset="0"/>
+                <a:cs typeface="Times New Roman" panose="02020603050405020304" pitchFamily="18" charset="0"/>
+              </a:rPr>
+              <a:t>Quản trị viên</a:t>
+            </a:r>
+            <a:endParaRPr lang="en-US" sz="1400" dirty="0">
+              <a:latin typeface="Times New Roman" panose="02020603050405020304" pitchFamily="18" charset="0"/>
+              <a:cs typeface="Times New Roman" panose="02020603050405020304" pitchFamily="18" charset="0"/>
+            </a:endParaRPr>
+          </a:p>
+        </p:txBody>
+      </p:sp>
+      <p:sp>
+        <p:nvSpPr>
+          <p:cNvPr id="12" name="Rectangle 11">
+            <a:extLst>
+              <a:ext uri="{FF2B5EF4-FFF2-40B4-BE49-F238E27FC236}">
+                <a16:creationId xmlns:a16="http://schemas.microsoft.com/office/drawing/2014/main" id="{D391244B-79C3-8A3F-EC8F-9EB787238FAF}"/>
+              </a:ext>
+            </a:extLst>
+          </p:cNvPr>
+          <p:cNvSpPr/>
+          <p:nvPr/>
+        </p:nvSpPr>
+        <p:spPr>
+          <a:xfrm>
+            <a:off x="-12815" y="990597"/>
+            <a:ext cx="3995054" cy="5867400"/>
+          </a:xfrm>
+          <a:prstGeom prst="rect">
+            <a:avLst/>
+          </a:prstGeom>
+        </p:spPr>
+        <p:style>
+          <a:lnRef idx="2">
+            <a:schemeClr val="accent6"/>
+          </a:lnRef>
+          <a:fillRef idx="1">
+            <a:schemeClr val="lt1"/>
+          </a:fillRef>
+          <a:effectRef idx="0">
+            <a:schemeClr val="accent6"/>
+          </a:effectRef>
+          <a:fontRef idx="minor">
+            <a:schemeClr val="dk1"/>
+          </a:fontRef>
+        </p:style>
+        <p:txBody>
+          <a:bodyPr rtlCol="0" anchor="ctr"/>
+          <a:lstStyle/>
+          <a:p>
+            <a:pPr algn="ctr"/>
+            <a:endParaRPr lang="en-US" sz="1400">
+              <a:latin typeface="Times New Roman" panose="02020603050405020304" pitchFamily="18" charset="0"/>
+              <a:cs typeface="Times New Roman" panose="02020603050405020304" pitchFamily="18" charset="0"/>
+            </a:endParaRPr>
+          </a:p>
+        </p:txBody>
+      </p:sp>
+      <p:sp>
+        <p:nvSpPr>
+          <p:cNvPr id="13" name="Rectangle 12">
+            <a:extLst>
+              <a:ext uri="{FF2B5EF4-FFF2-40B4-BE49-F238E27FC236}">
+                <a16:creationId xmlns:a16="http://schemas.microsoft.com/office/drawing/2014/main" id="{61487B2B-94F3-EB67-8B53-3617431BC4A7}"/>
+              </a:ext>
+            </a:extLst>
+          </p:cNvPr>
+          <p:cNvSpPr/>
+          <p:nvPr/>
+        </p:nvSpPr>
+        <p:spPr>
+          <a:xfrm>
+            <a:off x="4007781" y="991825"/>
+            <a:ext cx="4201889" cy="5867400"/>
+          </a:xfrm>
+          <a:prstGeom prst="rect">
+            <a:avLst/>
+          </a:prstGeom>
+        </p:spPr>
+        <p:style>
+          <a:lnRef idx="2">
+            <a:schemeClr val="accent6"/>
+          </a:lnRef>
+          <a:fillRef idx="1">
+            <a:schemeClr val="lt1"/>
+          </a:fillRef>
+          <a:effectRef idx="0">
+            <a:schemeClr val="accent6"/>
+          </a:effectRef>
+          <a:fontRef idx="minor">
+            <a:schemeClr val="dk1"/>
+          </a:fontRef>
+        </p:style>
+        <p:txBody>
+          <a:bodyPr rtlCol="0" anchor="ctr"/>
+          <a:lstStyle/>
+          <a:p>
+            <a:pPr algn="ctr"/>
+            <a:endParaRPr lang="en-US" sz="1400" dirty="0">
+              <a:latin typeface="Times New Roman" panose="02020603050405020304" pitchFamily="18" charset="0"/>
+              <a:cs typeface="Times New Roman" panose="02020603050405020304" pitchFamily="18" charset="0"/>
+            </a:endParaRPr>
+          </a:p>
+        </p:txBody>
+      </p:sp>
+      <p:sp>
+        <p:nvSpPr>
+          <p:cNvPr id="14" name="Rectangle 13">
+            <a:extLst>
+              <a:ext uri="{FF2B5EF4-FFF2-40B4-BE49-F238E27FC236}">
+                <a16:creationId xmlns:a16="http://schemas.microsoft.com/office/drawing/2014/main" id="{73CB08E6-D6D8-6872-D95E-5BEF73705562}"/>
+              </a:ext>
+            </a:extLst>
+          </p:cNvPr>
+          <p:cNvSpPr/>
+          <p:nvPr/>
+        </p:nvSpPr>
+        <p:spPr>
+          <a:xfrm>
+            <a:off x="8196940" y="990597"/>
+            <a:ext cx="3995054" cy="5867401"/>
+          </a:xfrm>
+          <a:prstGeom prst="rect">
+            <a:avLst/>
+          </a:prstGeom>
+        </p:spPr>
+        <p:style>
+          <a:lnRef idx="2">
+            <a:schemeClr val="accent6"/>
+          </a:lnRef>
+          <a:fillRef idx="1">
+            <a:schemeClr val="lt1"/>
+          </a:fillRef>
+          <a:effectRef idx="0">
+            <a:schemeClr val="accent6"/>
+          </a:effectRef>
+          <a:fontRef idx="minor">
+            <a:schemeClr val="dk1"/>
+          </a:fontRef>
+        </p:style>
+        <p:txBody>
+          <a:bodyPr rtlCol="0" anchor="ctr"/>
+          <a:lstStyle/>
+          <a:p>
+            <a:pPr algn="ctr"/>
+            <a:endParaRPr lang="en-US" sz="1400">
+              <a:latin typeface="Times New Roman" panose="02020603050405020304" pitchFamily="18" charset="0"/>
+              <a:cs typeface="Times New Roman" panose="02020603050405020304" pitchFamily="18" charset="0"/>
+            </a:endParaRPr>
+          </a:p>
+        </p:txBody>
+      </p:sp>
+      <p:sp>
+        <p:nvSpPr>
+          <p:cNvPr id="15" name="Flowchart: Connector 14">
+            <a:extLst>
+              <a:ext uri="{FF2B5EF4-FFF2-40B4-BE49-F238E27FC236}">
+                <a16:creationId xmlns:a16="http://schemas.microsoft.com/office/drawing/2014/main" id="{1CF5C928-CB51-6BAE-79B6-6DEA008BCA06}"/>
+              </a:ext>
+            </a:extLst>
+          </p:cNvPr>
+          <p:cNvSpPr/>
+          <p:nvPr/>
+        </p:nvSpPr>
+        <p:spPr>
+          <a:xfrm>
+            <a:off x="119740" y="1161794"/>
+            <a:ext cx="206828" cy="239485"/>
+          </a:xfrm>
+          <a:prstGeom prst="flowChartConnector">
+            <a:avLst/>
+          </a:prstGeom>
+        </p:spPr>
+        <p:style>
+          <a:lnRef idx="2">
+            <a:schemeClr val="dk1">
+              <a:shade val="15000"/>
+            </a:schemeClr>
+          </a:lnRef>
+          <a:fillRef idx="1">
+            <a:schemeClr val="dk1"/>
+          </a:fillRef>
+          <a:effectRef idx="0">
+            <a:schemeClr val="dk1"/>
+          </a:effectRef>
+          <a:fontRef idx="minor">
+            <a:schemeClr val="lt1"/>
+          </a:fontRef>
+        </p:style>
+        <p:txBody>
+          <a:bodyPr rtlCol="0" anchor="ctr"/>
+          <a:lstStyle/>
+          <a:p>
+            <a:pPr algn="ctr"/>
+            <a:endParaRPr lang="en-US" sz="1400">
+              <a:latin typeface="Times New Roman" panose="02020603050405020304" pitchFamily="18" charset="0"/>
+              <a:cs typeface="Times New Roman" panose="02020603050405020304" pitchFamily="18" charset="0"/>
+            </a:endParaRPr>
+          </a:p>
+        </p:txBody>
+      </p:sp>
+      <p:sp>
+        <p:nvSpPr>
+          <p:cNvPr id="16" name="Rectangle: Rounded Corners 15">
+            <a:extLst>
+              <a:ext uri="{FF2B5EF4-FFF2-40B4-BE49-F238E27FC236}">
+                <a16:creationId xmlns:a16="http://schemas.microsoft.com/office/drawing/2014/main" id="{CC00D205-A6AF-DD6A-0E96-D52505879971}"/>
+              </a:ext>
+            </a:extLst>
+          </p:cNvPr>
+          <p:cNvSpPr/>
+          <p:nvPr/>
+        </p:nvSpPr>
+        <p:spPr>
+          <a:xfrm>
+            <a:off x="914396" y="1091037"/>
+            <a:ext cx="1948543" cy="381000"/>
+          </a:xfrm>
+          <a:prstGeom prst="roundRect">
+            <a:avLst/>
+          </a:prstGeom>
+        </p:spPr>
+        <p:style>
+          <a:lnRef idx="2">
+            <a:schemeClr val="accent6"/>
+          </a:lnRef>
+          <a:fillRef idx="1">
+            <a:schemeClr val="lt1"/>
+          </a:fillRef>
+          <a:effectRef idx="0">
+            <a:schemeClr val="accent6"/>
+          </a:effectRef>
+          <a:fontRef idx="minor">
+            <a:schemeClr val="dk1"/>
+          </a:fontRef>
+        </p:style>
+        <p:txBody>
+          <a:bodyPr rtlCol="0" anchor="ctr"/>
+          <a:lstStyle/>
+          <a:p>
+            <a:pPr algn="ctr"/>
+            <a:r>
+              <a:rPr lang="vi-VN" sz="1400" dirty="0">
+                <a:latin typeface="Times New Roman" panose="02020603050405020304" pitchFamily="18" charset="0"/>
+                <a:cs typeface="Times New Roman" panose="02020603050405020304" pitchFamily="18" charset="0"/>
+              </a:rPr>
+              <a:t>Tìm nhóm </a:t>
+            </a:r>
+            <a:endParaRPr lang="en-US" sz="1400" dirty="0">
+              <a:latin typeface="Times New Roman" panose="02020603050405020304" pitchFamily="18" charset="0"/>
+              <a:cs typeface="Times New Roman" panose="02020603050405020304" pitchFamily="18" charset="0"/>
+            </a:endParaRPr>
+          </a:p>
+        </p:txBody>
+      </p:sp>
+      <p:sp>
+        <p:nvSpPr>
+          <p:cNvPr id="17" name="Rectangle: Rounded Corners 16">
+            <a:extLst>
+              <a:ext uri="{FF2B5EF4-FFF2-40B4-BE49-F238E27FC236}">
+                <a16:creationId xmlns:a16="http://schemas.microsoft.com/office/drawing/2014/main" id="{D5DC80A1-83FD-EA0C-7AEA-1F6BD0171AD9}"/>
+              </a:ext>
+            </a:extLst>
+          </p:cNvPr>
+          <p:cNvSpPr/>
+          <p:nvPr/>
+        </p:nvSpPr>
+        <p:spPr>
+          <a:xfrm>
+            <a:off x="5152368" y="1084507"/>
+            <a:ext cx="1948543" cy="381000"/>
+          </a:xfrm>
+          <a:prstGeom prst="roundRect">
+            <a:avLst/>
+          </a:prstGeom>
+        </p:spPr>
+        <p:style>
+          <a:lnRef idx="2">
+            <a:schemeClr val="accent6"/>
+          </a:lnRef>
+          <a:fillRef idx="1">
+            <a:schemeClr val="lt1"/>
+          </a:fillRef>
+          <a:effectRef idx="0">
+            <a:schemeClr val="accent6"/>
+          </a:effectRef>
+          <a:fontRef idx="minor">
+            <a:schemeClr val="dk1"/>
+          </a:fontRef>
+        </p:style>
+        <p:txBody>
+          <a:bodyPr rtlCol="0" anchor="ctr"/>
+          <a:lstStyle/>
+          <a:p>
+            <a:pPr algn="ctr"/>
+            <a:r>
+              <a:rPr lang="vi-VN" sz="1400" dirty="0">
+                <a:latin typeface="Times New Roman" panose="02020603050405020304" pitchFamily="18" charset="0"/>
+                <a:cs typeface="Times New Roman" panose="02020603050405020304" pitchFamily="18" charset="0"/>
+              </a:rPr>
+              <a:t>Lấy ra các nhóm phù hợp </a:t>
+            </a:r>
+            <a:endParaRPr lang="en-US" sz="1400" dirty="0">
+              <a:latin typeface="Times New Roman" panose="02020603050405020304" pitchFamily="18" charset="0"/>
+              <a:cs typeface="Times New Roman" panose="02020603050405020304" pitchFamily="18" charset="0"/>
+            </a:endParaRPr>
+          </a:p>
+        </p:txBody>
+      </p:sp>
+      <p:sp>
+        <p:nvSpPr>
+          <p:cNvPr id="18" name="Rectangle: Rounded Corners 17">
+            <a:extLst>
+              <a:ext uri="{FF2B5EF4-FFF2-40B4-BE49-F238E27FC236}">
+                <a16:creationId xmlns:a16="http://schemas.microsoft.com/office/drawing/2014/main" id="{0336C7DA-8D8A-349A-8CD8-911A879BA6FC}"/>
+              </a:ext>
+            </a:extLst>
+          </p:cNvPr>
+          <p:cNvSpPr/>
+          <p:nvPr/>
+        </p:nvSpPr>
+        <p:spPr>
+          <a:xfrm>
+            <a:off x="914395" y="1750729"/>
+            <a:ext cx="1948543" cy="381000"/>
+          </a:xfrm>
+          <a:prstGeom prst="roundRect">
+            <a:avLst/>
+          </a:prstGeom>
+        </p:spPr>
+        <p:style>
+          <a:lnRef idx="2">
+            <a:schemeClr val="accent6"/>
+          </a:lnRef>
+          <a:fillRef idx="1">
+            <a:schemeClr val="lt1"/>
+          </a:fillRef>
+          <a:effectRef idx="0">
+            <a:schemeClr val="accent6"/>
+          </a:effectRef>
+          <a:fontRef idx="minor">
+            <a:schemeClr val="dk1"/>
+          </a:fontRef>
+        </p:style>
+        <p:txBody>
+          <a:bodyPr rtlCol="0" anchor="ctr"/>
+          <a:lstStyle/>
+          <a:p>
+            <a:pPr algn="ctr"/>
+            <a:r>
+              <a:rPr lang="vi-VN" sz="1400" dirty="0">
+                <a:latin typeface="Times New Roman" panose="02020603050405020304" pitchFamily="18" charset="0"/>
+                <a:cs typeface="Times New Roman" panose="02020603050405020304" pitchFamily="18" charset="0"/>
+              </a:rPr>
+              <a:t>Hiển thị danh sách nhóm</a:t>
+            </a:r>
+            <a:endParaRPr lang="en-US" sz="1400" dirty="0">
+              <a:latin typeface="Times New Roman" panose="02020603050405020304" pitchFamily="18" charset="0"/>
+              <a:cs typeface="Times New Roman" panose="02020603050405020304" pitchFamily="18" charset="0"/>
+            </a:endParaRPr>
+          </a:p>
+        </p:txBody>
+      </p:sp>
+      <p:sp>
+        <p:nvSpPr>
+          <p:cNvPr id="19" name="Rectangle: Rounded Corners 18">
+            <a:extLst>
+              <a:ext uri="{FF2B5EF4-FFF2-40B4-BE49-F238E27FC236}">
+                <a16:creationId xmlns:a16="http://schemas.microsoft.com/office/drawing/2014/main" id="{3E7ECF0B-1D3A-3DA5-9E1E-27489EA655B8}"/>
+              </a:ext>
+            </a:extLst>
+          </p:cNvPr>
+          <p:cNvSpPr/>
+          <p:nvPr/>
+        </p:nvSpPr>
+        <p:spPr>
+          <a:xfrm>
+            <a:off x="914395" y="2410422"/>
+            <a:ext cx="1948543" cy="381000"/>
+          </a:xfrm>
+          <a:prstGeom prst="roundRect">
+            <a:avLst/>
+          </a:prstGeom>
+        </p:spPr>
+        <p:style>
+          <a:lnRef idx="2">
+            <a:schemeClr val="accent6"/>
+          </a:lnRef>
+          <a:fillRef idx="1">
+            <a:schemeClr val="lt1"/>
+          </a:fillRef>
+          <a:effectRef idx="0">
+            <a:schemeClr val="accent6"/>
+          </a:effectRef>
+          <a:fontRef idx="minor">
+            <a:schemeClr val="dk1"/>
+          </a:fontRef>
+        </p:style>
+        <p:txBody>
+          <a:bodyPr rtlCol="0" anchor="ctr"/>
+          <a:lstStyle/>
+          <a:p>
+            <a:pPr algn="ctr"/>
+            <a:r>
+              <a:rPr lang="vi-VN" sz="1400" dirty="0">
+                <a:latin typeface="Times New Roman" panose="02020603050405020304" pitchFamily="18" charset="0"/>
+                <a:cs typeface="Times New Roman" panose="02020603050405020304" pitchFamily="18" charset="0"/>
+              </a:rPr>
+              <a:t>Chọn nhóm và ấn “Tham gia”</a:t>
+            </a:r>
+            <a:endParaRPr lang="en-US" sz="1400" dirty="0">
+              <a:latin typeface="Times New Roman" panose="02020603050405020304" pitchFamily="18" charset="0"/>
+              <a:cs typeface="Times New Roman" panose="02020603050405020304" pitchFamily="18" charset="0"/>
+            </a:endParaRPr>
+          </a:p>
+        </p:txBody>
+      </p:sp>
+      <p:sp>
+        <p:nvSpPr>
+          <p:cNvPr id="20" name="Rectangle: Rounded Corners 19">
+            <a:extLst>
+              <a:ext uri="{FF2B5EF4-FFF2-40B4-BE49-F238E27FC236}">
+                <a16:creationId xmlns:a16="http://schemas.microsoft.com/office/drawing/2014/main" id="{062A2CED-8E37-791C-A693-4E326E3E6AD8}"/>
+              </a:ext>
+            </a:extLst>
+          </p:cNvPr>
+          <p:cNvSpPr/>
+          <p:nvPr/>
+        </p:nvSpPr>
+        <p:spPr>
+          <a:xfrm>
+            <a:off x="5152367" y="2407141"/>
+            <a:ext cx="1948543" cy="381000"/>
+          </a:xfrm>
+          <a:prstGeom prst="roundRect">
+            <a:avLst/>
+          </a:prstGeom>
+        </p:spPr>
+        <p:style>
+          <a:lnRef idx="2">
+            <a:schemeClr val="accent6"/>
+          </a:lnRef>
+          <a:fillRef idx="1">
+            <a:schemeClr val="lt1"/>
+          </a:fillRef>
+          <a:effectRef idx="0">
+            <a:schemeClr val="accent6"/>
+          </a:effectRef>
+          <a:fontRef idx="minor">
+            <a:schemeClr val="dk1"/>
+          </a:fontRef>
+        </p:style>
+        <p:txBody>
+          <a:bodyPr rtlCol="0" anchor="ctr"/>
+          <a:lstStyle/>
+          <a:p>
+            <a:pPr algn="ctr"/>
+            <a:r>
+              <a:rPr lang="vi-VN" sz="1400" dirty="0">
+                <a:latin typeface="Times New Roman" panose="02020603050405020304" pitchFamily="18" charset="0"/>
+                <a:cs typeface="Times New Roman" panose="02020603050405020304" pitchFamily="18" charset="0"/>
+              </a:rPr>
+              <a:t>Kiểm tra loại nhóm</a:t>
+            </a:r>
+            <a:endParaRPr lang="en-US" sz="1400" dirty="0">
+              <a:latin typeface="Times New Roman" panose="02020603050405020304" pitchFamily="18" charset="0"/>
+              <a:cs typeface="Times New Roman" panose="02020603050405020304" pitchFamily="18" charset="0"/>
+            </a:endParaRPr>
+          </a:p>
+        </p:txBody>
+      </p:sp>
+      <p:sp>
+        <p:nvSpPr>
+          <p:cNvPr id="21" name="Flowchart: Decision 20">
+            <a:extLst>
+              <a:ext uri="{FF2B5EF4-FFF2-40B4-BE49-F238E27FC236}">
+                <a16:creationId xmlns:a16="http://schemas.microsoft.com/office/drawing/2014/main" id="{69FAE59D-5497-B335-9790-0B9AC1A46CD3}"/>
+              </a:ext>
+            </a:extLst>
+          </p:cNvPr>
+          <p:cNvSpPr/>
+          <p:nvPr/>
+        </p:nvSpPr>
+        <p:spPr>
+          <a:xfrm>
+            <a:off x="5878199" y="3314700"/>
+            <a:ext cx="522515" cy="228600"/>
+          </a:xfrm>
+          <a:prstGeom prst="flowChartDecision">
+            <a:avLst/>
+          </a:prstGeom>
+        </p:spPr>
+        <p:style>
+          <a:lnRef idx="2">
+            <a:schemeClr val="accent6"/>
+          </a:lnRef>
+          <a:fillRef idx="1">
+            <a:schemeClr val="lt1"/>
+          </a:fillRef>
+          <a:effectRef idx="0">
+            <a:schemeClr val="accent6"/>
+          </a:effectRef>
+          <a:fontRef idx="minor">
+            <a:schemeClr val="dk1"/>
+          </a:fontRef>
+        </p:style>
+        <p:txBody>
+          <a:bodyPr rtlCol="0" anchor="ctr"/>
+          <a:lstStyle/>
+          <a:p>
+            <a:pPr algn="ctr"/>
+            <a:endParaRPr lang="en-US"/>
+          </a:p>
+        </p:txBody>
+      </p:sp>
+      <p:sp>
+        <p:nvSpPr>
+          <p:cNvPr id="23" name="Rectangle: Rounded Corners 22">
+            <a:extLst>
+              <a:ext uri="{FF2B5EF4-FFF2-40B4-BE49-F238E27FC236}">
+                <a16:creationId xmlns:a16="http://schemas.microsoft.com/office/drawing/2014/main" id="{AF505D3D-1A58-72AC-83E6-24ECB2EC0CE8}"/>
+              </a:ext>
+            </a:extLst>
+          </p:cNvPr>
+          <p:cNvSpPr/>
+          <p:nvPr/>
+        </p:nvSpPr>
+        <p:spPr>
+          <a:xfrm>
+            <a:off x="4114487" y="3924297"/>
+            <a:ext cx="1406279" cy="381000"/>
+          </a:xfrm>
+          <a:prstGeom prst="roundRect">
+            <a:avLst/>
+          </a:prstGeom>
+        </p:spPr>
+        <p:style>
+          <a:lnRef idx="2">
+            <a:schemeClr val="accent6"/>
+          </a:lnRef>
+          <a:fillRef idx="1">
+            <a:schemeClr val="lt1"/>
+          </a:fillRef>
+          <a:effectRef idx="0">
+            <a:schemeClr val="accent6"/>
+          </a:effectRef>
+          <a:fontRef idx="minor">
+            <a:schemeClr val="dk1"/>
+          </a:fontRef>
+        </p:style>
+        <p:txBody>
+          <a:bodyPr rtlCol="0" anchor="ctr"/>
+          <a:lstStyle/>
+          <a:p>
+            <a:pPr algn="ctr"/>
+            <a:r>
+              <a:rPr lang="vi-VN" sz="1400" dirty="0">
+                <a:latin typeface="Times New Roman" panose="02020603050405020304" pitchFamily="18" charset="0"/>
+                <a:cs typeface="Times New Roman" panose="02020603050405020304" pitchFamily="18" charset="0"/>
+              </a:rPr>
+              <a:t>Thêm người dùng vào nhóm</a:t>
+            </a:r>
+            <a:endParaRPr lang="en-US" sz="1400" dirty="0">
+              <a:latin typeface="Times New Roman" panose="02020603050405020304" pitchFamily="18" charset="0"/>
+              <a:cs typeface="Times New Roman" panose="02020603050405020304" pitchFamily="18" charset="0"/>
+            </a:endParaRPr>
+          </a:p>
+        </p:txBody>
+      </p:sp>
+      <p:sp>
+        <p:nvSpPr>
+          <p:cNvPr id="25" name="Rectangle: Rounded Corners 24">
+            <a:extLst>
+              <a:ext uri="{FF2B5EF4-FFF2-40B4-BE49-F238E27FC236}">
+                <a16:creationId xmlns:a16="http://schemas.microsoft.com/office/drawing/2014/main" id="{28F4A98C-7356-10D7-9E84-838762F58AE5}"/>
+              </a:ext>
+            </a:extLst>
+          </p:cNvPr>
+          <p:cNvSpPr/>
+          <p:nvPr/>
+        </p:nvSpPr>
+        <p:spPr>
+          <a:xfrm>
+            <a:off x="6599666" y="3901478"/>
+            <a:ext cx="1406279" cy="381000"/>
+          </a:xfrm>
+          <a:prstGeom prst="roundRect">
+            <a:avLst/>
+          </a:prstGeom>
+        </p:spPr>
+        <p:style>
+          <a:lnRef idx="2">
+            <a:schemeClr val="accent6"/>
+          </a:lnRef>
+          <a:fillRef idx="1">
+            <a:schemeClr val="lt1"/>
+          </a:fillRef>
+          <a:effectRef idx="0">
+            <a:schemeClr val="accent6"/>
+          </a:effectRef>
+          <a:fontRef idx="minor">
+            <a:schemeClr val="dk1"/>
+          </a:fontRef>
+        </p:style>
+        <p:txBody>
+          <a:bodyPr rtlCol="0" anchor="ctr"/>
+          <a:lstStyle/>
+          <a:p>
+            <a:pPr algn="ctr"/>
+            <a:r>
+              <a:rPr lang="vi-VN" sz="1400" dirty="0">
+                <a:latin typeface="Times New Roman" panose="02020603050405020304" pitchFamily="18" charset="0"/>
+                <a:cs typeface="Times New Roman" panose="02020603050405020304" pitchFamily="18" charset="0"/>
+              </a:rPr>
+              <a:t>Tạo yêu cầu tham gia</a:t>
+            </a:r>
+            <a:endParaRPr lang="en-US" sz="1400" dirty="0">
+              <a:latin typeface="Times New Roman" panose="02020603050405020304" pitchFamily="18" charset="0"/>
+              <a:cs typeface="Times New Roman" panose="02020603050405020304" pitchFamily="18" charset="0"/>
+            </a:endParaRPr>
+          </a:p>
+        </p:txBody>
+      </p:sp>
+      <p:sp>
+        <p:nvSpPr>
+          <p:cNvPr id="27" name="Rectangle: Rounded Corners 26">
+            <a:extLst>
+              <a:ext uri="{FF2B5EF4-FFF2-40B4-BE49-F238E27FC236}">
+                <a16:creationId xmlns:a16="http://schemas.microsoft.com/office/drawing/2014/main" id="{0ADE601C-36EF-1869-29F0-8D4D584EBAEA}"/>
+              </a:ext>
+            </a:extLst>
+          </p:cNvPr>
+          <p:cNvSpPr/>
+          <p:nvPr/>
+        </p:nvSpPr>
+        <p:spPr>
+          <a:xfrm>
+            <a:off x="9189553" y="3901478"/>
+            <a:ext cx="1948543" cy="381000"/>
+          </a:xfrm>
+          <a:prstGeom prst="roundRect">
+            <a:avLst/>
+          </a:prstGeom>
+        </p:spPr>
+        <p:style>
+          <a:lnRef idx="2">
+            <a:schemeClr val="accent6"/>
+          </a:lnRef>
+          <a:fillRef idx="1">
+            <a:schemeClr val="lt1"/>
+          </a:fillRef>
+          <a:effectRef idx="0">
+            <a:schemeClr val="accent6"/>
+          </a:effectRef>
+          <a:fontRef idx="minor">
+            <a:schemeClr val="dk1"/>
+          </a:fontRef>
+        </p:style>
+        <p:txBody>
+          <a:bodyPr rtlCol="0" anchor="ctr"/>
+          <a:lstStyle/>
+          <a:p>
+            <a:pPr algn="ctr"/>
+            <a:r>
+              <a:rPr lang="vi-VN" sz="1400" dirty="0">
+                <a:latin typeface="Times New Roman" panose="02020603050405020304" pitchFamily="18" charset="0"/>
+                <a:cs typeface="Times New Roman" panose="02020603050405020304" pitchFamily="18" charset="0"/>
+              </a:rPr>
+              <a:t>Mở trang duyệt yêu cầu</a:t>
+            </a:r>
+            <a:endParaRPr lang="en-US" sz="1400" dirty="0">
+              <a:latin typeface="Times New Roman" panose="02020603050405020304" pitchFamily="18" charset="0"/>
+              <a:cs typeface="Times New Roman" panose="02020603050405020304" pitchFamily="18" charset="0"/>
+            </a:endParaRPr>
+          </a:p>
+        </p:txBody>
+      </p:sp>
+      <p:sp>
+        <p:nvSpPr>
+          <p:cNvPr id="28" name="Flowchart: Decision 27">
+            <a:extLst>
+              <a:ext uri="{FF2B5EF4-FFF2-40B4-BE49-F238E27FC236}">
+                <a16:creationId xmlns:a16="http://schemas.microsoft.com/office/drawing/2014/main" id="{0799C5EF-0446-8302-4E0B-AE5DDC02844A}"/>
+              </a:ext>
+            </a:extLst>
+          </p:cNvPr>
+          <p:cNvSpPr/>
+          <p:nvPr/>
+        </p:nvSpPr>
+        <p:spPr>
+          <a:xfrm flipV="1">
+            <a:off x="9933208" y="4759961"/>
+            <a:ext cx="522515" cy="264240"/>
+          </a:xfrm>
+          <a:prstGeom prst="flowChartDecision">
+            <a:avLst/>
+          </a:prstGeom>
+        </p:spPr>
+        <p:style>
+          <a:lnRef idx="2">
+            <a:schemeClr val="accent6"/>
+          </a:lnRef>
+          <a:fillRef idx="1">
+            <a:schemeClr val="lt1"/>
+          </a:fillRef>
+          <a:effectRef idx="0">
+            <a:schemeClr val="accent6"/>
+          </a:effectRef>
+          <a:fontRef idx="minor">
+            <a:schemeClr val="dk1"/>
+          </a:fontRef>
+        </p:style>
+        <p:txBody>
+          <a:bodyPr rtlCol="0" anchor="ctr"/>
+          <a:lstStyle/>
+          <a:p>
+            <a:pPr algn="ctr"/>
+            <a:endParaRPr lang="en-US"/>
+          </a:p>
+        </p:txBody>
+      </p:sp>
+      <p:sp>
+        <p:nvSpPr>
+          <p:cNvPr id="30" name="Rectangle: Rounded Corners 29">
+            <a:extLst>
+              <a:ext uri="{FF2B5EF4-FFF2-40B4-BE49-F238E27FC236}">
+                <a16:creationId xmlns:a16="http://schemas.microsoft.com/office/drawing/2014/main" id="{64308BB6-E9AC-457E-02A6-DC06B9A7764E}"/>
+              </a:ext>
+            </a:extLst>
+          </p:cNvPr>
+          <p:cNvSpPr/>
+          <p:nvPr/>
+        </p:nvSpPr>
+        <p:spPr>
+          <a:xfrm>
+            <a:off x="8197449" y="5470465"/>
+            <a:ext cx="1094013" cy="381000"/>
+          </a:xfrm>
+          <a:prstGeom prst="roundRect">
+            <a:avLst/>
+          </a:prstGeom>
+        </p:spPr>
+        <p:style>
+          <a:lnRef idx="2">
+            <a:schemeClr val="accent6"/>
+          </a:lnRef>
+          <a:fillRef idx="1">
+            <a:schemeClr val="lt1"/>
+          </a:fillRef>
+          <a:effectRef idx="0">
+            <a:schemeClr val="accent6"/>
+          </a:effectRef>
+          <a:fontRef idx="minor">
+            <a:schemeClr val="dk1"/>
+          </a:fontRef>
+        </p:style>
+        <p:txBody>
+          <a:bodyPr rtlCol="0" anchor="ctr"/>
+          <a:lstStyle/>
+          <a:p>
+            <a:pPr algn="ctr"/>
+            <a:r>
+              <a:rPr lang="vi-VN" sz="1400" dirty="0">
+                <a:latin typeface="Times New Roman" panose="02020603050405020304" pitchFamily="18" charset="0"/>
+                <a:cs typeface="Times New Roman" panose="02020603050405020304" pitchFamily="18" charset="0"/>
+              </a:rPr>
+              <a:t>Chấp nhận</a:t>
+            </a:r>
+            <a:endParaRPr lang="en-US" sz="1400" dirty="0">
+              <a:latin typeface="Times New Roman" panose="02020603050405020304" pitchFamily="18" charset="0"/>
+              <a:cs typeface="Times New Roman" panose="02020603050405020304" pitchFamily="18" charset="0"/>
+            </a:endParaRPr>
+          </a:p>
+        </p:txBody>
+      </p:sp>
+      <p:sp>
+        <p:nvSpPr>
+          <p:cNvPr id="33" name="Rectangle: Rounded Corners 32">
+            <a:extLst>
+              <a:ext uri="{FF2B5EF4-FFF2-40B4-BE49-F238E27FC236}">
+                <a16:creationId xmlns:a16="http://schemas.microsoft.com/office/drawing/2014/main" id="{C4D47FF1-6893-28B4-71B7-4F16FA542717}"/>
+              </a:ext>
+            </a:extLst>
+          </p:cNvPr>
+          <p:cNvSpPr/>
+          <p:nvPr/>
+        </p:nvSpPr>
+        <p:spPr>
+          <a:xfrm>
+            <a:off x="9647460" y="5489828"/>
+            <a:ext cx="1094013" cy="381000"/>
+          </a:xfrm>
+          <a:prstGeom prst="roundRect">
+            <a:avLst/>
+          </a:prstGeom>
+        </p:spPr>
+        <p:style>
+          <a:lnRef idx="2">
+            <a:schemeClr val="accent6"/>
+          </a:lnRef>
+          <a:fillRef idx="1">
+            <a:schemeClr val="lt1"/>
+          </a:fillRef>
+          <a:effectRef idx="0">
+            <a:schemeClr val="accent6"/>
+          </a:effectRef>
+          <a:fontRef idx="minor">
+            <a:schemeClr val="dk1"/>
+          </a:fontRef>
+        </p:style>
+        <p:txBody>
+          <a:bodyPr rtlCol="0" anchor="ctr"/>
+          <a:lstStyle/>
+          <a:p>
+            <a:pPr algn="ctr"/>
+            <a:r>
+              <a:rPr lang="vi-VN" sz="1400" dirty="0">
+                <a:latin typeface="Times New Roman" panose="02020603050405020304" pitchFamily="18" charset="0"/>
+                <a:cs typeface="Times New Roman" panose="02020603050405020304" pitchFamily="18" charset="0"/>
+              </a:rPr>
+              <a:t>Từ chối</a:t>
+            </a:r>
+            <a:endParaRPr lang="en-US" sz="1400" dirty="0">
+              <a:latin typeface="Times New Roman" panose="02020603050405020304" pitchFamily="18" charset="0"/>
+              <a:cs typeface="Times New Roman" panose="02020603050405020304" pitchFamily="18" charset="0"/>
+            </a:endParaRPr>
+          </a:p>
+        </p:txBody>
+      </p:sp>
+      <p:sp>
+        <p:nvSpPr>
+          <p:cNvPr id="34" name="Rectangle: Rounded Corners 33">
+            <a:extLst>
+              <a:ext uri="{FF2B5EF4-FFF2-40B4-BE49-F238E27FC236}">
+                <a16:creationId xmlns:a16="http://schemas.microsoft.com/office/drawing/2014/main" id="{F51A18B9-6C0C-4B2D-C45D-F406CD11CBE1}"/>
+              </a:ext>
+            </a:extLst>
+          </p:cNvPr>
+          <p:cNvSpPr/>
+          <p:nvPr/>
+        </p:nvSpPr>
+        <p:spPr>
+          <a:xfrm>
+            <a:off x="11097987" y="5470465"/>
+            <a:ext cx="1094013" cy="381000"/>
+          </a:xfrm>
+          <a:prstGeom prst="roundRect">
+            <a:avLst/>
+          </a:prstGeom>
+        </p:spPr>
+        <p:style>
+          <a:lnRef idx="2">
+            <a:schemeClr val="accent6"/>
+          </a:lnRef>
+          <a:fillRef idx="1">
+            <a:schemeClr val="lt1"/>
+          </a:fillRef>
+          <a:effectRef idx="0">
+            <a:schemeClr val="accent6"/>
+          </a:effectRef>
+          <a:fontRef idx="minor">
+            <a:schemeClr val="dk1"/>
+          </a:fontRef>
+        </p:style>
+        <p:txBody>
+          <a:bodyPr rtlCol="0" anchor="ctr"/>
+          <a:lstStyle/>
+          <a:p>
+            <a:pPr algn="ctr"/>
+            <a:r>
+              <a:rPr lang="vi-VN" sz="1400" dirty="0">
+                <a:latin typeface="Times New Roman" panose="02020603050405020304" pitchFamily="18" charset="0"/>
+                <a:cs typeface="Times New Roman" panose="02020603050405020304" pitchFamily="18" charset="0"/>
+              </a:rPr>
+              <a:t>Không phản hồi</a:t>
+            </a:r>
+            <a:endParaRPr lang="en-US" sz="1400" dirty="0">
+              <a:latin typeface="Times New Roman" panose="02020603050405020304" pitchFamily="18" charset="0"/>
+              <a:cs typeface="Times New Roman" panose="02020603050405020304" pitchFamily="18" charset="0"/>
+            </a:endParaRPr>
+          </a:p>
+        </p:txBody>
+      </p:sp>
+      <p:sp>
+        <p:nvSpPr>
+          <p:cNvPr id="36" name="Rectangle: Rounded Corners 35">
+            <a:extLst>
+              <a:ext uri="{FF2B5EF4-FFF2-40B4-BE49-F238E27FC236}">
+                <a16:creationId xmlns:a16="http://schemas.microsoft.com/office/drawing/2014/main" id="{BBF1AEA3-E633-43EE-7943-2FDC3B34AA68}"/>
+              </a:ext>
+            </a:extLst>
+          </p:cNvPr>
+          <p:cNvSpPr/>
+          <p:nvPr/>
+        </p:nvSpPr>
+        <p:spPr>
+          <a:xfrm>
+            <a:off x="2650439" y="5124182"/>
+            <a:ext cx="1331800" cy="858483"/>
+          </a:xfrm>
+          <a:prstGeom prst="roundRect">
+            <a:avLst/>
+          </a:prstGeom>
+        </p:spPr>
+        <p:style>
+          <a:lnRef idx="2">
+            <a:schemeClr val="accent6"/>
+          </a:lnRef>
+          <a:fillRef idx="1">
+            <a:schemeClr val="lt1"/>
+          </a:fillRef>
+          <a:effectRef idx="0">
+            <a:schemeClr val="accent6"/>
+          </a:effectRef>
+          <a:fontRef idx="minor">
+            <a:schemeClr val="dk1"/>
+          </a:fontRef>
+        </p:style>
+        <p:txBody>
+          <a:bodyPr rtlCol="0" anchor="ctr"/>
+          <a:lstStyle/>
+          <a:p>
+            <a:pPr algn="ctr"/>
+            <a:r>
+              <a:rPr lang="vi-VN" sz="1400" dirty="0">
+                <a:latin typeface="Times New Roman" panose="02020603050405020304" pitchFamily="18" charset="0"/>
+                <a:cs typeface="Times New Roman" panose="02020603050405020304" pitchFamily="18" charset="0"/>
+              </a:rPr>
+              <a:t>Thông báo thêm người dùng thành công</a:t>
+            </a:r>
+            <a:endParaRPr lang="en-US" sz="1400" dirty="0">
+              <a:latin typeface="Times New Roman" panose="02020603050405020304" pitchFamily="18" charset="0"/>
+              <a:cs typeface="Times New Roman" panose="02020603050405020304" pitchFamily="18" charset="0"/>
+            </a:endParaRPr>
+          </a:p>
+        </p:txBody>
+      </p:sp>
+      <p:sp>
+        <p:nvSpPr>
+          <p:cNvPr id="37" name="Rectangle: Rounded Corners 36">
+            <a:extLst>
+              <a:ext uri="{FF2B5EF4-FFF2-40B4-BE49-F238E27FC236}">
+                <a16:creationId xmlns:a16="http://schemas.microsoft.com/office/drawing/2014/main" id="{80361E63-22F9-20E6-8EE2-DB278C316B88}"/>
+              </a:ext>
+            </a:extLst>
+          </p:cNvPr>
+          <p:cNvSpPr/>
+          <p:nvPr/>
+        </p:nvSpPr>
+        <p:spPr>
+          <a:xfrm>
+            <a:off x="12134" y="5124182"/>
+            <a:ext cx="1331800" cy="858483"/>
+          </a:xfrm>
+          <a:prstGeom prst="roundRect">
+            <a:avLst/>
+          </a:prstGeom>
+        </p:spPr>
+        <p:style>
+          <a:lnRef idx="2">
+            <a:schemeClr val="accent6"/>
+          </a:lnRef>
+          <a:fillRef idx="1">
+            <a:schemeClr val="lt1"/>
+          </a:fillRef>
+          <a:effectRef idx="0">
+            <a:schemeClr val="accent6"/>
+          </a:effectRef>
+          <a:fontRef idx="minor">
+            <a:schemeClr val="dk1"/>
+          </a:fontRef>
+        </p:style>
+        <p:txBody>
+          <a:bodyPr rtlCol="0" anchor="ctr"/>
+          <a:lstStyle/>
+          <a:p>
+            <a:pPr algn="ctr"/>
+            <a:r>
+              <a:rPr lang="vi-VN" sz="1400" dirty="0">
+                <a:latin typeface="Times New Roman" panose="02020603050405020304" pitchFamily="18" charset="0"/>
+                <a:cs typeface="Times New Roman" panose="02020603050405020304" pitchFamily="18" charset="0"/>
+              </a:rPr>
+              <a:t>Thông báo thêm người dùng thất bại</a:t>
+            </a:r>
+            <a:endParaRPr lang="en-US" sz="1400" dirty="0">
+              <a:latin typeface="Times New Roman" panose="02020603050405020304" pitchFamily="18" charset="0"/>
+              <a:cs typeface="Times New Roman" panose="02020603050405020304" pitchFamily="18" charset="0"/>
+            </a:endParaRPr>
+          </a:p>
+        </p:txBody>
+      </p:sp>
+      <p:cxnSp>
+        <p:nvCxnSpPr>
+          <p:cNvPr id="39" name="Straight Arrow Connector 38">
+            <a:extLst>
+              <a:ext uri="{FF2B5EF4-FFF2-40B4-BE49-F238E27FC236}">
+                <a16:creationId xmlns:a16="http://schemas.microsoft.com/office/drawing/2014/main" id="{4D3D5191-24F2-9FB6-8822-6160348BD9EB}"/>
+              </a:ext>
+            </a:extLst>
+          </p:cNvPr>
+          <p:cNvCxnSpPr>
+            <a:cxnSpLocks/>
+            <a:stCxn id="15" idx="6"/>
+            <a:endCxn id="16" idx="1"/>
+          </p:cNvCxnSpPr>
+          <p:nvPr/>
+        </p:nvCxnSpPr>
+        <p:spPr>
+          <a:xfrm>
+            <a:off x="326568" y="1281537"/>
+            <a:ext cx="587828" cy="0"/>
+          </a:xfrm>
+          <a:prstGeom prst="straightConnector1">
+            <a:avLst/>
+          </a:prstGeom>
+          <a:ln>
+            <a:tailEnd type="triangle"/>
+          </a:ln>
+        </p:spPr>
+        <p:style>
+          <a:lnRef idx="2">
+            <a:schemeClr val="accent1"/>
+          </a:lnRef>
+          <a:fillRef idx="0">
+            <a:schemeClr val="accent1"/>
+          </a:fillRef>
+          <a:effectRef idx="1">
+            <a:schemeClr val="accent1"/>
+          </a:effectRef>
+          <a:fontRef idx="minor">
+            <a:schemeClr val="tx1"/>
+          </a:fontRef>
+        </p:style>
+      </p:cxnSp>
+      <p:cxnSp>
+        <p:nvCxnSpPr>
+          <p:cNvPr id="44" name="Straight Arrow Connector 43">
+            <a:extLst>
+              <a:ext uri="{FF2B5EF4-FFF2-40B4-BE49-F238E27FC236}">
+                <a16:creationId xmlns:a16="http://schemas.microsoft.com/office/drawing/2014/main" id="{1210B2E9-71A0-C89B-7D1E-1502BC2D03C5}"/>
+              </a:ext>
+            </a:extLst>
+          </p:cNvPr>
+          <p:cNvCxnSpPr>
+            <a:stCxn id="18" idx="2"/>
+            <a:endCxn id="19" idx="0"/>
+          </p:cNvCxnSpPr>
+          <p:nvPr/>
+        </p:nvCxnSpPr>
+        <p:spPr>
+          <a:xfrm>
+            <a:off x="1888667" y="2131729"/>
+            <a:ext cx="0" cy="278693"/>
+          </a:xfrm>
+          <a:prstGeom prst="straightConnector1">
+            <a:avLst/>
+          </a:prstGeom>
+          <a:ln>
+            <a:tailEnd type="triangle"/>
+          </a:ln>
+        </p:spPr>
+        <p:style>
+          <a:lnRef idx="2">
+            <a:schemeClr val="accent1"/>
+          </a:lnRef>
+          <a:fillRef idx="0">
+            <a:schemeClr val="accent1"/>
+          </a:fillRef>
+          <a:effectRef idx="1">
+            <a:schemeClr val="accent1"/>
+          </a:effectRef>
+          <a:fontRef idx="minor">
+            <a:schemeClr val="tx1"/>
+          </a:fontRef>
+        </p:style>
+      </p:cxnSp>
+      <p:cxnSp>
+        <p:nvCxnSpPr>
+          <p:cNvPr id="50" name="Straight Arrow Connector 49">
+            <a:extLst>
+              <a:ext uri="{FF2B5EF4-FFF2-40B4-BE49-F238E27FC236}">
+                <a16:creationId xmlns:a16="http://schemas.microsoft.com/office/drawing/2014/main" id="{F59DC8A6-700A-FB8B-477F-9F4F3FCBEDD7}"/>
+              </a:ext>
+            </a:extLst>
+          </p:cNvPr>
+          <p:cNvCxnSpPr>
+            <a:stCxn id="16" idx="3"/>
+            <a:endCxn id="17" idx="1"/>
+          </p:cNvCxnSpPr>
+          <p:nvPr/>
+        </p:nvCxnSpPr>
+        <p:spPr>
+          <a:xfrm flipV="1">
+            <a:off x="2862939" y="1275007"/>
+            <a:ext cx="2289429" cy="6530"/>
+          </a:xfrm>
+          <a:prstGeom prst="straightConnector1">
+            <a:avLst/>
+          </a:prstGeom>
+          <a:ln>
+            <a:tailEnd type="triangle"/>
+          </a:ln>
+        </p:spPr>
+        <p:style>
+          <a:lnRef idx="2">
+            <a:schemeClr val="accent1"/>
+          </a:lnRef>
+          <a:fillRef idx="0">
+            <a:schemeClr val="accent1"/>
+          </a:fillRef>
+          <a:effectRef idx="1">
+            <a:schemeClr val="accent1"/>
+          </a:effectRef>
+          <a:fontRef idx="minor">
+            <a:schemeClr val="tx1"/>
+          </a:fontRef>
+        </p:style>
+      </p:cxnSp>
+      <p:cxnSp>
+        <p:nvCxnSpPr>
+          <p:cNvPr id="53" name="Straight Arrow Connector 52">
+            <a:extLst>
+              <a:ext uri="{FF2B5EF4-FFF2-40B4-BE49-F238E27FC236}">
+                <a16:creationId xmlns:a16="http://schemas.microsoft.com/office/drawing/2014/main" id="{EC8CB0BB-DA8D-00AE-6098-FB174D0B1D56}"/>
+              </a:ext>
+            </a:extLst>
+          </p:cNvPr>
+          <p:cNvCxnSpPr>
+            <a:stCxn id="17" idx="2"/>
+          </p:cNvCxnSpPr>
+          <p:nvPr/>
+        </p:nvCxnSpPr>
+        <p:spPr>
+          <a:xfrm flipH="1">
+            <a:off x="2862938" y="1465507"/>
+            <a:ext cx="3263702" cy="475722"/>
+          </a:xfrm>
+          <a:prstGeom prst="straightConnector1">
+            <a:avLst/>
+          </a:prstGeom>
+          <a:ln>
+            <a:tailEnd type="triangle"/>
+          </a:ln>
+        </p:spPr>
+        <p:style>
+          <a:lnRef idx="2">
+            <a:schemeClr val="accent1"/>
+          </a:lnRef>
+          <a:fillRef idx="0">
+            <a:schemeClr val="accent1"/>
+          </a:fillRef>
+          <a:effectRef idx="1">
+            <a:schemeClr val="accent1"/>
+          </a:effectRef>
+          <a:fontRef idx="minor">
+            <a:schemeClr val="tx1"/>
+          </a:fontRef>
+        </p:style>
+      </p:cxnSp>
+      <p:cxnSp>
+        <p:nvCxnSpPr>
+          <p:cNvPr id="56" name="Straight Arrow Connector 55">
+            <a:extLst>
+              <a:ext uri="{FF2B5EF4-FFF2-40B4-BE49-F238E27FC236}">
+                <a16:creationId xmlns:a16="http://schemas.microsoft.com/office/drawing/2014/main" id="{C16C658F-6BBD-D7A7-06AD-66B19AB07A6B}"/>
+              </a:ext>
+            </a:extLst>
+          </p:cNvPr>
+          <p:cNvCxnSpPr>
+            <a:cxnSpLocks/>
+          </p:cNvCxnSpPr>
+          <p:nvPr/>
+        </p:nvCxnSpPr>
+        <p:spPr>
+          <a:xfrm>
+            <a:off x="6126638" y="2762249"/>
+            <a:ext cx="12818" cy="517772"/>
+          </a:xfrm>
+          <a:prstGeom prst="straightConnector1">
+            <a:avLst/>
+          </a:prstGeom>
+          <a:ln>
+            <a:tailEnd type="triangle"/>
+          </a:ln>
+        </p:spPr>
+        <p:style>
+          <a:lnRef idx="2">
+            <a:schemeClr val="accent1"/>
+          </a:lnRef>
+          <a:fillRef idx="0">
+            <a:schemeClr val="accent1"/>
+          </a:fillRef>
+          <a:effectRef idx="1">
+            <a:schemeClr val="accent1"/>
+          </a:effectRef>
+          <a:fontRef idx="minor">
+            <a:schemeClr val="tx1"/>
+          </a:fontRef>
+        </p:style>
+      </p:cxnSp>
+      <p:cxnSp>
+        <p:nvCxnSpPr>
+          <p:cNvPr id="59" name="Straight Arrow Connector 58">
+            <a:extLst>
+              <a:ext uri="{FF2B5EF4-FFF2-40B4-BE49-F238E27FC236}">
+                <a16:creationId xmlns:a16="http://schemas.microsoft.com/office/drawing/2014/main" id="{416FD4A3-BB3E-E1D5-9AFD-B1F7AECC3A8D}"/>
+              </a:ext>
+            </a:extLst>
+          </p:cNvPr>
+          <p:cNvCxnSpPr>
+            <a:cxnSpLocks/>
+            <a:stCxn id="21" idx="2"/>
+            <a:endCxn id="23" idx="0"/>
+          </p:cNvCxnSpPr>
+          <p:nvPr/>
+        </p:nvCxnSpPr>
+        <p:spPr>
+          <a:xfrm flipH="1">
+            <a:off x="4817627" y="3543300"/>
+            <a:ext cx="1321830" cy="380997"/>
+          </a:xfrm>
+          <a:prstGeom prst="straightConnector1">
+            <a:avLst/>
+          </a:prstGeom>
+          <a:ln>
+            <a:tailEnd type="triangle"/>
+          </a:ln>
+        </p:spPr>
+        <p:style>
+          <a:lnRef idx="2">
+            <a:schemeClr val="accent1"/>
+          </a:lnRef>
+          <a:fillRef idx="0">
+            <a:schemeClr val="accent1"/>
+          </a:fillRef>
+          <a:effectRef idx="1">
+            <a:schemeClr val="accent1"/>
+          </a:effectRef>
+          <a:fontRef idx="minor">
+            <a:schemeClr val="tx1"/>
+          </a:fontRef>
+        </p:style>
+      </p:cxnSp>
+      <p:cxnSp>
+        <p:nvCxnSpPr>
+          <p:cNvPr id="62" name="Straight Arrow Connector 61">
+            <a:extLst>
+              <a:ext uri="{FF2B5EF4-FFF2-40B4-BE49-F238E27FC236}">
+                <a16:creationId xmlns:a16="http://schemas.microsoft.com/office/drawing/2014/main" id="{C9A741AC-6EA9-1C1B-45AD-6A4D336F0635}"/>
+              </a:ext>
+            </a:extLst>
+          </p:cNvPr>
+          <p:cNvCxnSpPr>
+            <a:stCxn id="21" idx="2"/>
+          </p:cNvCxnSpPr>
+          <p:nvPr/>
+        </p:nvCxnSpPr>
+        <p:spPr>
+          <a:xfrm>
+            <a:off x="6139457" y="3543300"/>
+            <a:ext cx="1228802" cy="358178"/>
+          </a:xfrm>
+          <a:prstGeom prst="straightConnector1">
+            <a:avLst/>
+          </a:prstGeom>
+          <a:ln>
+            <a:tailEnd type="triangle"/>
+          </a:ln>
+        </p:spPr>
+        <p:style>
+          <a:lnRef idx="2">
+            <a:schemeClr val="accent1"/>
+          </a:lnRef>
+          <a:fillRef idx="0">
+            <a:schemeClr val="accent1"/>
+          </a:fillRef>
+          <a:effectRef idx="1">
+            <a:schemeClr val="accent1"/>
+          </a:effectRef>
+          <a:fontRef idx="minor">
+            <a:schemeClr val="tx1"/>
+          </a:fontRef>
+        </p:style>
+      </p:cxnSp>
+      <p:cxnSp>
+        <p:nvCxnSpPr>
+          <p:cNvPr id="65" name="Straight Arrow Connector 64">
+            <a:extLst>
+              <a:ext uri="{FF2B5EF4-FFF2-40B4-BE49-F238E27FC236}">
+                <a16:creationId xmlns:a16="http://schemas.microsoft.com/office/drawing/2014/main" id="{C9391235-F9DD-BEEF-564C-C8ACCB9D6EFC}"/>
+              </a:ext>
+            </a:extLst>
+          </p:cNvPr>
+          <p:cNvCxnSpPr>
+            <a:cxnSpLocks/>
+            <a:stCxn id="23" idx="2"/>
+          </p:cNvCxnSpPr>
+          <p:nvPr/>
+        </p:nvCxnSpPr>
+        <p:spPr>
+          <a:xfrm flipH="1">
+            <a:off x="4810920" y="4305297"/>
+            <a:ext cx="6707" cy="1241368"/>
+          </a:xfrm>
+          <a:prstGeom prst="straightConnector1">
+            <a:avLst/>
+          </a:prstGeom>
+          <a:ln>
+            <a:tailEnd type="triangle"/>
+          </a:ln>
+        </p:spPr>
+        <p:style>
+          <a:lnRef idx="2">
+            <a:schemeClr val="accent1"/>
+          </a:lnRef>
+          <a:fillRef idx="0">
+            <a:schemeClr val="accent1"/>
+          </a:fillRef>
+          <a:effectRef idx="1">
+            <a:schemeClr val="accent1"/>
+          </a:effectRef>
+          <a:fontRef idx="minor">
+            <a:schemeClr val="tx1"/>
+          </a:fontRef>
+        </p:style>
+      </p:cxnSp>
+      <p:cxnSp>
+        <p:nvCxnSpPr>
+          <p:cNvPr id="67" name="Straight Arrow Connector 66">
+            <a:extLst>
+              <a:ext uri="{FF2B5EF4-FFF2-40B4-BE49-F238E27FC236}">
+                <a16:creationId xmlns:a16="http://schemas.microsoft.com/office/drawing/2014/main" id="{A302BC37-D40A-9653-55AB-3376C0F4D2FF}"/>
+              </a:ext>
+            </a:extLst>
+          </p:cNvPr>
+          <p:cNvCxnSpPr>
+            <a:stCxn id="25" idx="3"/>
+            <a:endCxn id="27" idx="1"/>
+          </p:cNvCxnSpPr>
+          <p:nvPr/>
+        </p:nvCxnSpPr>
+        <p:spPr>
+          <a:xfrm>
+            <a:off x="8005945" y="4091978"/>
+            <a:ext cx="1183608" cy="0"/>
+          </a:xfrm>
+          <a:prstGeom prst="straightConnector1">
+            <a:avLst/>
+          </a:prstGeom>
+          <a:ln>
+            <a:tailEnd type="triangle"/>
+          </a:ln>
+        </p:spPr>
+        <p:style>
+          <a:lnRef idx="2">
+            <a:schemeClr val="accent1"/>
+          </a:lnRef>
+          <a:fillRef idx="0">
+            <a:schemeClr val="accent1"/>
+          </a:fillRef>
+          <a:effectRef idx="1">
+            <a:schemeClr val="accent1"/>
+          </a:effectRef>
+          <a:fontRef idx="minor">
+            <a:schemeClr val="tx1"/>
+          </a:fontRef>
+        </p:style>
+      </p:cxnSp>
+      <p:sp>
+        <p:nvSpPr>
+          <p:cNvPr id="68" name="TextBox 67">
+            <a:extLst>
+              <a:ext uri="{FF2B5EF4-FFF2-40B4-BE49-F238E27FC236}">
+                <a16:creationId xmlns:a16="http://schemas.microsoft.com/office/drawing/2014/main" id="{63CE2277-670C-2030-106D-4FA52D624C21}"/>
+              </a:ext>
+            </a:extLst>
+          </p:cNvPr>
+          <p:cNvSpPr txBox="1"/>
+          <p:nvPr/>
+        </p:nvSpPr>
+        <p:spPr>
+          <a:xfrm rot="20662454">
+            <a:off x="4960438" y="3314094"/>
+            <a:ext cx="1079237" cy="307777"/>
+          </a:xfrm>
+          <a:prstGeom prst="rect">
+            <a:avLst/>
+          </a:prstGeom>
+          <a:noFill/>
+        </p:spPr>
+        <p:txBody>
+          <a:bodyPr wrap="square" rtlCol="0">
+            <a:spAutoFit/>
+          </a:bodyPr>
+          <a:lstStyle/>
+          <a:p>
+            <a:r>
+              <a:rPr lang="en-US" sz="1400">
+                <a:latin typeface="Times New Roman" panose="02020603050405020304" pitchFamily="18" charset="0"/>
+                <a:cs typeface="Times New Roman" panose="02020603050405020304" pitchFamily="18" charset="0"/>
+              </a:rPr>
+              <a:t>public</a:t>
+            </a:r>
+            <a:endParaRPr lang="en-US" sz="1400" dirty="0">
+              <a:latin typeface="Times New Roman" panose="02020603050405020304" pitchFamily="18" charset="0"/>
+              <a:cs typeface="Times New Roman" panose="02020603050405020304" pitchFamily="18" charset="0"/>
+            </a:endParaRPr>
+          </a:p>
+        </p:txBody>
+      </p:sp>
+      <p:sp>
+        <p:nvSpPr>
+          <p:cNvPr id="71" name="TextBox 70">
+            <a:extLst>
+              <a:ext uri="{FF2B5EF4-FFF2-40B4-BE49-F238E27FC236}">
+                <a16:creationId xmlns:a16="http://schemas.microsoft.com/office/drawing/2014/main" id="{713DCE57-07C3-4CD1-C394-021F980220B2}"/>
+              </a:ext>
+            </a:extLst>
+          </p:cNvPr>
+          <p:cNvSpPr txBox="1"/>
+          <p:nvPr/>
+        </p:nvSpPr>
+        <p:spPr>
+          <a:xfrm rot="1020500">
+            <a:off x="6556771" y="3381205"/>
+            <a:ext cx="732358" cy="307777"/>
+          </a:xfrm>
+          <a:prstGeom prst="rect">
+            <a:avLst/>
+          </a:prstGeom>
+          <a:noFill/>
+        </p:spPr>
+        <p:txBody>
+          <a:bodyPr wrap="square" rtlCol="0">
+            <a:spAutoFit/>
+          </a:bodyPr>
+          <a:lstStyle/>
+          <a:p>
+            <a:r>
+              <a:rPr lang="en-US" sz="1400" dirty="0">
+                <a:latin typeface="Times New Roman" panose="02020603050405020304" pitchFamily="18" charset="0"/>
+                <a:cs typeface="Times New Roman" panose="02020603050405020304" pitchFamily="18" charset="0"/>
+              </a:rPr>
+              <a:t>private</a:t>
+            </a:r>
+          </a:p>
+        </p:txBody>
+      </p:sp>
+      <p:cxnSp>
+        <p:nvCxnSpPr>
+          <p:cNvPr id="73" name="Straight Arrow Connector 72">
+            <a:extLst>
+              <a:ext uri="{FF2B5EF4-FFF2-40B4-BE49-F238E27FC236}">
+                <a16:creationId xmlns:a16="http://schemas.microsoft.com/office/drawing/2014/main" id="{CFB6E7EC-1D4D-CCFB-525E-6C8F52111969}"/>
+              </a:ext>
+            </a:extLst>
+          </p:cNvPr>
+          <p:cNvCxnSpPr>
+            <a:stCxn id="27" idx="2"/>
+            <a:endCxn id="28" idx="2"/>
+          </p:cNvCxnSpPr>
+          <p:nvPr/>
+        </p:nvCxnSpPr>
+        <p:spPr>
+          <a:xfrm>
+            <a:off x="10163825" y="4282478"/>
+            <a:ext cx="30641" cy="477483"/>
+          </a:xfrm>
+          <a:prstGeom prst="straightConnector1">
+            <a:avLst/>
+          </a:prstGeom>
+          <a:ln>
+            <a:tailEnd type="triangle"/>
+          </a:ln>
+        </p:spPr>
+        <p:style>
+          <a:lnRef idx="2">
+            <a:schemeClr val="accent1"/>
+          </a:lnRef>
+          <a:fillRef idx="0">
+            <a:schemeClr val="accent1"/>
+          </a:fillRef>
+          <a:effectRef idx="1">
+            <a:schemeClr val="accent1"/>
+          </a:effectRef>
+          <a:fontRef idx="minor">
+            <a:schemeClr val="tx1"/>
+          </a:fontRef>
+        </p:style>
+      </p:cxnSp>
+      <p:cxnSp>
+        <p:nvCxnSpPr>
+          <p:cNvPr id="75" name="Straight Arrow Connector 74">
+            <a:extLst>
+              <a:ext uri="{FF2B5EF4-FFF2-40B4-BE49-F238E27FC236}">
+                <a16:creationId xmlns:a16="http://schemas.microsoft.com/office/drawing/2014/main" id="{ABEFEF76-B3E9-F081-EB25-04C09FD3CF2D}"/>
+              </a:ext>
+            </a:extLst>
+          </p:cNvPr>
+          <p:cNvCxnSpPr/>
+          <p:nvPr/>
+        </p:nvCxnSpPr>
+        <p:spPr>
+          <a:xfrm flipH="1">
+            <a:off x="8724407" y="5024201"/>
+            <a:ext cx="1525940" cy="446264"/>
+          </a:xfrm>
+          <a:prstGeom prst="straightConnector1">
+            <a:avLst/>
+          </a:prstGeom>
+          <a:ln>
+            <a:tailEnd type="triangle"/>
+          </a:ln>
+        </p:spPr>
+        <p:style>
+          <a:lnRef idx="2">
+            <a:schemeClr val="accent1"/>
+          </a:lnRef>
+          <a:fillRef idx="0">
+            <a:schemeClr val="accent1"/>
+          </a:fillRef>
+          <a:effectRef idx="1">
+            <a:schemeClr val="accent1"/>
+          </a:effectRef>
+          <a:fontRef idx="minor">
+            <a:schemeClr val="tx1"/>
+          </a:fontRef>
+        </p:style>
+      </p:cxnSp>
+      <p:cxnSp>
+        <p:nvCxnSpPr>
+          <p:cNvPr id="77" name="Straight Arrow Connector 76">
+            <a:extLst>
+              <a:ext uri="{FF2B5EF4-FFF2-40B4-BE49-F238E27FC236}">
+                <a16:creationId xmlns:a16="http://schemas.microsoft.com/office/drawing/2014/main" id="{3A0D36A7-1013-88E4-75B1-8D86DE966EDE}"/>
+              </a:ext>
+            </a:extLst>
+          </p:cNvPr>
+          <p:cNvCxnSpPr>
+            <a:stCxn id="28" idx="0"/>
+            <a:endCxn id="33" idx="0"/>
+          </p:cNvCxnSpPr>
+          <p:nvPr/>
+        </p:nvCxnSpPr>
+        <p:spPr>
+          <a:xfrm>
+            <a:off x="10194466" y="5024201"/>
+            <a:ext cx="1" cy="465627"/>
+          </a:xfrm>
+          <a:prstGeom prst="straightConnector1">
+            <a:avLst/>
+          </a:prstGeom>
+          <a:ln>
+            <a:tailEnd type="triangle"/>
+          </a:ln>
+        </p:spPr>
+        <p:style>
+          <a:lnRef idx="2">
+            <a:schemeClr val="accent1"/>
+          </a:lnRef>
+          <a:fillRef idx="0">
+            <a:schemeClr val="accent1"/>
+          </a:fillRef>
+          <a:effectRef idx="1">
+            <a:schemeClr val="accent1"/>
+          </a:effectRef>
+          <a:fontRef idx="minor">
+            <a:schemeClr val="tx1"/>
+          </a:fontRef>
+        </p:style>
+      </p:cxnSp>
+      <p:cxnSp>
+        <p:nvCxnSpPr>
+          <p:cNvPr id="79" name="Straight Arrow Connector 78">
+            <a:extLst>
+              <a:ext uri="{FF2B5EF4-FFF2-40B4-BE49-F238E27FC236}">
+                <a16:creationId xmlns:a16="http://schemas.microsoft.com/office/drawing/2014/main" id="{C71B06B7-2302-06CF-6A8F-59226EAFAAD0}"/>
+              </a:ext>
+            </a:extLst>
+          </p:cNvPr>
+          <p:cNvCxnSpPr>
+            <a:stCxn id="28" idx="0"/>
+            <a:endCxn id="34" idx="0"/>
+          </p:cNvCxnSpPr>
+          <p:nvPr/>
+        </p:nvCxnSpPr>
+        <p:spPr>
+          <a:xfrm>
+            <a:off x="10194466" y="5024201"/>
+            <a:ext cx="1450528" cy="446264"/>
+          </a:xfrm>
+          <a:prstGeom prst="straightConnector1">
+            <a:avLst/>
+          </a:prstGeom>
+          <a:ln>
+            <a:tailEnd type="triangle"/>
+          </a:ln>
+        </p:spPr>
+        <p:style>
+          <a:lnRef idx="2">
+            <a:schemeClr val="accent1"/>
+          </a:lnRef>
+          <a:fillRef idx="0">
+            <a:schemeClr val="accent1"/>
+          </a:fillRef>
+          <a:effectRef idx="1">
+            <a:schemeClr val="accent1"/>
+          </a:effectRef>
+          <a:fontRef idx="minor">
+            <a:schemeClr val="tx1"/>
+          </a:fontRef>
+        </p:style>
+      </p:cxnSp>
+      <p:sp>
+        <p:nvSpPr>
+          <p:cNvPr id="84" name="Flowchart: Decision 83">
+            <a:extLst>
+              <a:ext uri="{FF2B5EF4-FFF2-40B4-BE49-F238E27FC236}">
+                <a16:creationId xmlns:a16="http://schemas.microsoft.com/office/drawing/2014/main" id="{7B2D21C0-8C52-4621-7EC0-665F4BC8105B}"/>
+              </a:ext>
+            </a:extLst>
+          </p:cNvPr>
+          <p:cNvSpPr/>
+          <p:nvPr/>
+        </p:nvSpPr>
+        <p:spPr>
+          <a:xfrm>
+            <a:off x="4556368" y="5546665"/>
+            <a:ext cx="522515" cy="228600"/>
+          </a:xfrm>
+          <a:prstGeom prst="flowChartDecision">
+            <a:avLst/>
+          </a:prstGeom>
+        </p:spPr>
+        <p:style>
+          <a:lnRef idx="2">
+            <a:schemeClr val="accent6"/>
+          </a:lnRef>
+          <a:fillRef idx="1">
+            <a:schemeClr val="lt1"/>
+          </a:fillRef>
+          <a:effectRef idx="0">
+            <a:schemeClr val="accent6"/>
+          </a:effectRef>
+          <a:fontRef idx="minor">
+            <a:schemeClr val="dk1"/>
+          </a:fontRef>
+        </p:style>
+        <p:txBody>
+          <a:bodyPr rtlCol="0" anchor="ctr"/>
+          <a:lstStyle/>
+          <a:p>
+            <a:pPr algn="ctr"/>
+            <a:endParaRPr lang="en-US"/>
+          </a:p>
+        </p:txBody>
+      </p:sp>
+      <p:cxnSp>
+        <p:nvCxnSpPr>
+          <p:cNvPr id="87" name="Straight Arrow Connector 86">
+            <a:extLst>
+              <a:ext uri="{FF2B5EF4-FFF2-40B4-BE49-F238E27FC236}">
+                <a16:creationId xmlns:a16="http://schemas.microsoft.com/office/drawing/2014/main" id="{D5D33344-7ED1-C4C0-F169-3398D3583192}"/>
+              </a:ext>
+            </a:extLst>
+          </p:cNvPr>
+          <p:cNvCxnSpPr>
+            <a:endCxn id="84" idx="3"/>
+          </p:cNvCxnSpPr>
+          <p:nvPr/>
+        </p:nvCxnSpPr>
+        <p:spPr>
+          <a:xfrm flipH="1">
+            <a:off x="5078883" y="5660965"/>
+            <a:ext cx="3070520" cy="0"/>
+          </a:xfrm>
+          <a:prstGeom prst="straightConnector1">
+            <a:avLst/>
+          </a:prstGeom>
+          <a:ln>
+            <a:tailEnd type="triangle"/>
+          </a:ln>
+        </p:spPr>
+        <p:style>
+          <a:lnRef idx="2">
+            <a:schemeClr val="accent1"/>
+          </a:lnRef>
+          <a:fillRef idx="0">
+            <a:schemeClr val="accent1"/>
+          </a:fillRef>
+          <a:effectRef idx="1">
+            <a:schemeClr val="accent1"/>
+          </a:effectRef>
+          <a:fontRef idx="minor">
+            <a:schemeClr val="tx1"/>
+          </a:fontRef>
+        </p:style>
+      </p:cxnSp>
+      <p:cxnSp>
+        <p:nvCxnSpPr>
+          <p:cNvPr id="89" name="Straight Arrow Connector 88">
+            <a:extLst>
+              <a:ext uri="{FF2B5EF4-FFF2-40B4-BE49-F238E27FC236}">
+                <a16:creationId xmlns:a16="http://schemas.microsoft.com/office/drawing/2014/main" id="{3D8DA67B-F2FE-2FD6-801C-81B909697EF3}"/>
+              </a:ext>
+            </a:extLst>
+          </p:cNvPr>
+          <p:cNvCxnSpPr>
+            <a:stCxn id="84" idx="1"/>
+            <a:endCxn id="36" idx="3"/>
+          </p:cNvCxnSpPr>
+          <p:nvPr/>
+        </p:nvCxnSpPr>
+        <p:spPr>
+          <a:xfrm flipH="1" flipV="1">
+            <a:off x="4007870" y="5546665"/>
+            <a:ext cx="548498" cy="114300"/>
+          </a:xfrm>
+          <a:prstGeom prst="straightConnector1">
+            <a:avLst/>
+          </a:prstGeom>
+          <a:ln>
+            <a:tailEnd type="triangle"/>
+          </a:ln>
+        </p:spPr>
+        <p:style>
+          <a:lnRef idx="2">
+            <a:schemeClr val="accent1"/>
+          </a:lnRef>
+          <a:fillRef idx="0">
+            <a:schemeClr val="accent1"/>
+          </a:fillRef>
+          <a:effectRef idx="1">
+            <a:schemeClr val="accent1"/>
+          </a:effectRef>
+          <a:fontRef idx="minor">
+            <a:schemeClr val="tx1"/>
+          </a:fontRef>
+        </p:style>
+      </p:cxnSp>
+      <p:cxnSp>
+        <p:nvCxnSpPr>
+          <p:cNvPr id="93" name="Straight Connector 92">
+            <a:extLst>
+              <a:ext uri="{FF2B5EF4-FFF2-40B4-BE49-F238E27FC236}">
+                <a16:creationId xmlns:a16="http://schemas.microsoft.com/office/drawing/2014/main" id="{080EEEF5-F822-3C4E-1E4F-FE39DA897026}"/>
+              </a:ext>
+            </a:extLst>
+          </p:cNvPr>
+          <p:cNvCxnSpPr>
+            <a:stCxn id="33" idx="2"/>
+          </p:cNvCxnSpPr>
+          <p:nvPr/>
+        </p:nvCxnSpPr>
+        <p:spPr>
+          <a:xfrm flipH="1">
+            <a:off x="10194460" y="5870828"/>
+            <a:ext cx="7" cy="570537"/>
+          </a:xfrm>
+          <a:prstGeom prst="line">
+            <a:avLst/>
+          </a:prstGeom>
+        </p:spPr>
+        <p:style>
+          <a:lnRef idx="2">
+            <a:schemeClr val="accent1"/>
+          </a:lnRef>
+          <a:fillRef idx="0">
+            <a:schemeClr val="accent1"/>
+          </a:fillRef>
+          <a:effectRef idx="1">
+            <a:schemeClr val="accent1"/>
+          </a:effectRef>
+          <a:fontRef idx="minor">
+            <a:schemeClr val="tx1"/>
+          </a:fontRef>
+        </p:style>
+      </p:cxnSp>
+      <p:cxnSp>
+        <p:nvCxnSpPr>
+          <p:cNvPr id="97" name="Straight Connector 96">
+            <a:extLst>
+              <a:ext uri="{FF2B5EF4-FFF2-40B4-BE49-F238E27FC236}">
+                <a16:creationId xmlns:a16="http://schemas.microsoft.com/office/drawing/2014/main" id="{9E80E534-7DDA-F20C-9D8E-6C5588630D10}"/>
+              </a:ext>
+            </a:extLst>
+          </p:cNvPr>
+          <p:cNvCxnSpPr>
+            <a:cxnSpLocks/>
+          </p:cNvCxnSpPr>
+          <p:nvPr/>
+        </p:nvCxnSpPr>
+        <p:spPr>
+          <a:xfrm flipH="1">
+            <a:off x="533400" y="6441365"/>
+            <a:ext cx="9630424" cy="0"/>
+          </a:xfrm>
+          <a:prstGeom prst="line">
+            <a:avLst/>
+          </a:prstGeom>
+        </p:spPr>
+        <p:style>
+          <a:lnRef idx="2">
+            <a:schemeClr val="accent1"/>
+          </a:lnRef>
+          <a:fillRef idx="0">
+            <a:schemeClr val="accent1"/>
+          </a:fillRef>
+          <a:effectRef idx="1">
+            <a:schemeClr val="accent1"/>
+          </a:effectRef>
+          <a:fontRef idx="minor">
+            <a:schemeClr val="tx1"/>
+          </a:fontRef>
+        </p:style>
+      </p:cxnSp>
+      <p:cxnSp>
+        <p:nvCxnSpPr>
+          <p:cNvPr id="99" name="Straight Arrow Connector 98">
+            <a:extLst>
+              <a:ext uri="{FF2B5EF4-FFF2-40B4-BE49-F238E27FC236}">
+                <a16:creationId xmlns:a16="http://schemas.microsoft.com/office/drawing/2014/main" id="{F3428759-2BB6-7D63-5B4A-798A8AD58284}"/>
+              </a:ext>
+            </a:extLst>
+          </p:cNvPr>
+          <p:cNvCxnSpPr/>
+          <p:nvPr/>
+        </p:nvCxnSpPr>
+        <p:spPr>
+          <a:xfrm flipV="1">
+            <a:off x="620482" y="5982665"/>
+            <a:ext cx="0" cy="458700"/>
+          </a:xfrm>
+          <a:prstGeom prst="straightConnector1">
+            <a:avLst/>
+          </a:prstGeom>
+          <a:ln>
+            <a:tailEnd type="triangle"/>
+          </a:ln>
+        </p:spPr>
+        <p:style>
+          <a:lnRef idx="2">
+            <a:schemeClr val="accent1"/>
+          </a:lnRef>
+          <a:fillRef idx="0">
+            <a:schemeClr val="accent1"/>
+          </a:fillRef>
+          <a:effectRef idx="1">
+            <a:schemeClr val="accent1"/>
+          </a:effectRef>
+          <a:fontRef idx="minor">
+            <a:schemeClr val="tx1"/>
+          </a:fontRef>
+        </p:style>
+      </p:cxnSp>
+      <p:sp>
+        <p:nvSpPr>
+          <p:cNvPr id="101" name="Flowchart: Decision 100">
+            <a:extLst>
+              <a:ext uri="{FF2B5EF4-FFF2-40B4-BE49-F238E27FC236}">
+                <a16:creationId xmlns:a16="http://schemas.microsoft.com/office/drawing/2014/main" id="{DA9F4E87-85BB-2E19-637F-E247971CDB1E}"/>
+              </a:ext>
+            </a:extLst>
+          </p:cNvPr>
+          <p:cNvSpPr/>
+          <p:nvPr/>
+        </p:nvSpPr>
+        <p:spPr>
+          <a:xfrm>
+            <a:off x="1736269" y="4387793"/>
+            <a:ext cx="522515" cy="228600"/>
+          </a:xfrm>
+          <a:prstGeom prst="flowChartDecision">
+            <a:avLst/>
+          </a:prstGeom>
+        </p:spPr>
+        <p:style>
+          <a:lnRef idx="2">
+            <a:schemeClr val="accent6"/>
+          </a:lnRef>
+          <a:fillRef idx="1">
+            <a:schemeClr val="lt1"/>
+          </a:fillRef>
+          <a:effectRef idx="0">
+            <a:schemeClr val="accent6"/>
+          </a:effectRef>
+          <a:fontRef idx="minor">
+            <a:schemeClr val="dk1"/>
+          </a:fontRef>
+        </p:style>
+        <p:txBody>
+          <a:bodyPr rtlCol="0" anchor="ctr"/>
+          <a:lstStyle/>
+          <a:p>
+            <a:pPr algn="ctr"/>
+            <a:endParaRPr lang="en-US"/>
+          </a:p>
+        </p:txBody>
+      </p:sp>
+      <p:cxnSp>
+        <p:nvCxnSpPr>
+          <p:cNvPr id="103" name="Straight Arrow Connector 102">
+            <a:extLst>
+              <a:ext uri="{FF2B5EF4-FFF2-40B4-BE49-F238E27FC236}">
+                <a16:creationId xmlns:a16="http://schemas.microsoft.com/office/drawing/2014/main" id="{D1A4E148-BEA2-2399-5CAF-C352DBDB4FCA}"/>
+              </a:ext>
+            </a:extLst>
+          </p:cNvPr>
+          <p:cNvCxnSpPr>
+            <a:cxnSpLocks/>
+            <a:stCxn id="37" idx="0"/>
+            <a:endCxn id="101" idx="2"/>
+          </p:cNvCxnSpPr>
+          <p:nvPr/>
+        </p:nvCxnSpPr>
+        <p:spPr>
+          <a:xfrm flipV="1">
+            <a:off x="678034" y="4616393"/>
+            <a:ext cx="1319493" cy="507789"/>
+          </a:xfrm>
+          <a:prstGeom prst="straightConnector1">
+            <a:avLst/>
+          </a:prstGeom>
+          <a:ln>
+            <a:tailEnd type="triangle"/>
+          </a:ln>
+        </p:spPr>
+        <p:style>
+          <a:lnRef idx="2">
+            <a:schemeClr val="accent1"/>
+          </a:lnRef>
+          <a:fillRef idx="0">
+            <a:schemeClr val="accent1"/>
+          </a:fillRef>
+          <a:effectRef idx="1">
+            <a:schemeClr val="accent1"/>
+          </a:effectRef>
+          <a:fontRef idx="minor">
+            <a:schemeClr val="tx1"/>
+          </a:fontRef>
+        </p:style>
+      </p:cxnSp>
+      <p:cxnSp>
+        <p:nvCxnSpPr>
+          <p:cNvPr id="105" name="Straight Arrow Connector 104">
+            <a:extLst>
+              <a:ext uri="{FF2B5EF4-FFF2-40B4-BE49-F238E27FC236}">
+                <a16:creationId xmlns:a16="http://schemas.microsoft.com/office/drawing/2014/main" id="{2A860AA9-82D6-118A-1D85-AB5ACBCA945D}"/>
+              </a:ext>
+            </a:extLst>
+          </p:cNvPr>
+          <p:cNvCxnSpPr>
+            <a:stCxn id="36" idx="0"/>
+          </p:cNvCxnSpPr>
+          <p:nvPr/>
+        </p:nvCxnSpPr>
+        <p:spPr>
+          <a:xfrm flipH="1" flipV="1">
+            <a:off x="1956901" y="4616393"/>
+            <a:ext cx="1359438" cy="507789"/>
+          </a:xfrm>
+          <a:prstGeom prst="straightConnector1">
+            <a:avLst/>
+          </a:prstGeom>
+          <a:ln>
+            <a:tailEnd type="triangle"/>
+          </a:ln>
+        </p:spPr>
+        <p:style>
+          <a:lnRef idx="2">
+            <a:schemeClr val="accent1"/>
+          </a:lnRef>
+          <a:fillRef idx="0">
+            <a:schemeClr val="accent1"/>
+          </a:fillRef>
+          <a:effectRef idx="1">
+            <a:schemeClr val="accent1"/>
+          </a:effectRef>
+          <a:fontRef idx="minor">
+            <a:schemeClr val="tx1"/>
+          </a:fontRef>
+        </p:style>
+      </p:cxnSp>
+      <p:cxnSp>
+        <p:nvCxnSpPr>
+          <p:cNvPr id="107" name="Straight Arrow Connector 106">
+            <a:extLst>
+              <a:ext uri="{FF2B5EF4-FFF2-40B4-BE49-F238E27FC236}">
+                <a16:creationId xmlns:a16="http://schemas.microsoft.com/office/drawing/2014/main" id="{B17AF9C2-D1BB-3673-AF7A-33CCF3E5A275}"/>
+              </a:ext>
+            </a:extLst>
+          </p:cNvPr>
+          <p:cNvCxnSpPr>
+            <a:cxnSpLocks/>
+            <a:stCxn id="101" idx="0"/>
+          </p:cNvCxnSpPr>
+          <p:nvPr/>
+        </p:nvCxnSpPr>
+        <p:spPr>
+          <a:xfrm flipH="1" flipV="1">
+            <a:off x="1984126" y="4114797"/>
+            <a:ext cx="13401" cy="272996"/>
+          </a:xfrm>
+          <a:prstGeom prst="straightConnector1">
+            <a:avLst/>
+          </a:prstGeom>
+          <a:ln>
+            <a:tailEnd type="triangle"/>
+          </a:ln>
+        </p:spPr>
+        <p:style>
+          <a:lnRef idx="2">
+            <a:schemeClr val="accent1"/>
+          </a:lnRef>
+          <a:fillRef idx="0">
+            <a:schemeClr val="accent1"/>
+          </a:fillRef>
+          <a:effectRef idx="1">
+            <a:schemeClr val="accent1"/>
+          </a:effectRef>
+          <a:fontRef idx="minor">
+            <a:schemeClr val="tx1"/>
+          </a:fontRef>
+        </p:style>
+      </p:cxnSp>
+      <p:sp>
+        <p:nvSpPr>
+          <p:cNvPr id="108" name="Flowchart: Connector 107">
+            <a:extLst>
+              <a:ext uri="{FF2B5EF4-FFF2-40B4-BE49-F238E27FC236}">
+                <a16:creationId xmlns:a16="http://schemas.microsoft.com/office/drawing/2014/main" id="{1451CEDE-0A16-FCE8-85EE-7B445B9AB5DC}"/>
+              </a:ext>
+            </a:extLst>
+          </p:cNvPr>
+          <p:cNvSpPr/>
+          <p:nvPr/>
+        </p:nvSpPr>
+        <p:spPr>
+          <a:xfrm>
+            <a:off x="1880712" y="3884582"/>
+            <a:ext cx="206828" cy="239485"/>
+          </a:xfrm>
+          <a:prstGeom prst="flowChartConnector">
+            <a:avLst/>
+          </a:prstGeom>
+        </p:spPr>
+        <p:style>
+          <a:lnRef idx="2">
+            <a:schemeClr val="dk1">
+              <a:shade val="15000"/>
+            </a:schemeClr>
+          </a:lnRef>
+          <a:fillRef idx="1">
+            <a:schemeClr val="dk1"/>
+          </a:fillRef>
+          <a:effectRef idx="0">
+            <a:schemeClr val="dk1"/>
+          </a:effectRef>
+          <a:fontRef idx="minor">
+            <a:schemeClr val="lt1"/>
+          </a:fontRef>
+        </p:style>
+        <p:txBody>
+          <a:bodyPr rtlCol="0" anchor="ctr"/>
+          <a:lstStyle/>
+          <a:p>
+            <a:pPr algn="ctr"/>
+            <a:endParaRPr lang="en-US" sz="1400">
+              <a:latin typeface="Times New Roman" panose="02020603050405020304" pitchFamily="18" charset="0"/>
+              <a:cs typeface="Times New Roman" panose="02020603050405020304" pitchFamily="18" charset="0"/>
+            </a:endParaRPr>
+          </a:p>
+        </p:txBody>
+      </p:sp>
+      <p:cxnSp>
+        <p:nvCxnSpPr>
+          <p:cNvPr id="2" name="Straight Arrow Connector 1">
+            <a:extLst>
+              <a:ext uri="{FF2B5EF4-FFF2-40B4-BE49-F238E27FC236}">
+                <a16:creationId xmlns:a16="http://schemas.microsoft.com/office/drawing/2014/main" id="{AD61C5C9-FA71-B80C-D5DE-D1877F12BBA6}"/>
+              </a:ext>
+            </a:extLst>
+          </p:cNvPr>
+          <p:cNvCxnSpPr/>
+          <p:nvPr/>
+        </p:nvCxnSpPr>
+        <p:spPr>
+          <a:xfrm>
+            <a:off x="1880712" y="2788141"/>
+            <a:ext cx="0" cy="278693"/>
+          </a:xfrm>
+          <a:prstGeom prst="straightConnector1">
+            <a:avLst/>
+          </a:prstGeom>
+          <a:ln>
+            <a:tailEnd type="triangle"/>
+          </a:ln>
+        </p:spPr>
+        <p:style>
+          <a:lnRef idx="2">
+            <a:schemeClr val="accent1"/>
+          </a:lnRef>
+          <a:fillRef idx="0">
+            <a:schemeClr val="accent1"/>
+          </a:fillRef>
+          <a:effectRef idx="1">
+            <a:schemeClr val="accent1"/>
+          </a:effectRef>
+          <a:fontRef idx="minor">
+            <a:schemeClr val="tx1"/>
+          </a:fontRef>
+        </p:style>
+      </p:cxnSp>
+      <p:sp>
+        <p:nvSpPr>
+          <p:cNvPr id="3" name="Rectangle: Rounded Corners 2">
+            <a:extLst>
+              <a:ext uri="{FF2B5EF4-FFF2-40B4-BE49-F238E27FC236}">
+                <a16:creationId xmlns:a16="http://schemas.microsoft.com/office/drawing/2014/main" id="{0B773CA6-5015-3FFD-C860-8B3940DF4DB2}"/>
+              </a:ext>
+            </a:extLst>
+          </p:cNvPr>
+          <p:cNvSpPr/>
+          <p:nvPr/>
+        </p:nvSpPr>
+        <p:spPr>
+          <a:xfrm>
+            <a:off x="1253963" y="3503226"/>
+            <a:ext cx="1318477" cy="305511"/>
+          </a:xfrm>
+          <a:prstGeom prst="roundRect">
+            <a:avLst/>
+          </a:prstGeom>
+        </p:spPr>
+        <p:style>
+          <a:lnRef idx="2">
+            <a:schemeClr val="accent6"/>
+          </a:lnRef>
+          <a:fillRef idx="1">
+            <a:schemeClr val="lt1"/>
+          </a:fillRef>
+          <a:effectRef idx="0">
+            <a:schemeClr val="accent6"/>
+          </a:effectRef>
+          <a:fontRef idx="minor">
+            <a:schemeClr val="dk1"/>
+          </a:fontRef>
+        </p:style>
+        <p:txBody>
+          <a:bodyPr rtlCol="0" anchor="ctr"/>
+          <a:lstStyle/>
+          <a:p>
+            <a:pPr algn="ctr"/>
+            <a:r>
+              <a:rPr lang="vi-VN" sz="1400" dirty="0">
+                <a:latin typeface="Times New Roman" panose="02020603050405020304" pitchFamily="18" charset="0"/>
+                <a:cs typeface="Times New Roman" panose="02020603050405020304" pitchFamily="18" charset="0"/>
+              </a:rPr>
+              <a:t>Trả lời câu hỏi</a:t>
+            </a:r>
+            <a:endParaRPr lang="en-US" sz="1400" dirty="0">
+              <a:latin typeface="Times New Roman" panose="02020603050405020304" pitchFamily="18" charset="0"/>
+              <a:cs typeface="Times New Roman" panose="02020603050405020304" pitchFamily="18" charset="0"/>
+            </a:endParaRPr>
+          </a:p>
+        </p:txBody>
+      </p:sp>
+      <p:sp>
+        <p:nvSpPr>
+          <p:cNvPr id="4" name="Flowchart: Decision 3">
+            <a:extLst>
+              <a:ext uri="{FF2B5EF4-FFF2-40B4-BE49-F238E27FC236}">
+                <a16:creationId xmlns:a16="http://schemas.microsoft.com/office/drawing/2014/main" id="{734C3DB3-788E-859B-10B6-AEE32122B584}"/>
+              </a:ext>
+            </a:extLst>
+          </p:cNvPr>
+          <p:cNvSpPr/>
+          <p:nvPr/>
+        </p:nvSpPr>
+        <p:spPr>
+          <a:xfrm>
+            <a:off x="1630305" y="3076521"/>
+            <a:ext cx="522515" cy="228600"/>
+          </a:xfrm>
+          <a:prstGeom prst="flowChartDecision">
+            <a:avLst/>
+          </a:prstGeom>
+        </p:spPr>
+        <p:style>
+          <a:lnRef idx="2">
+            <a:schemeClr val="accent6"/>
+          </a:lnRef>
+          <a:fillRef idx="1">
+            <a:schemeClr val="lt1"/>
+          </a:fillRef>
+          <a:effectRef idx="0">
+            <a:schemeClr val="accent6"/>
+          </a:effectRef>
+          <a:fontRef idx="minor">
+            <a:schemeClr val="dk1"/>
+          </a:fontRef>
+        </p:style>
+        <p:txBody>
+          <a:bodyPr rtlCol="0" anchor="ctr"/>
+          <a:lstStyle/>
+          <a:p>
+            <a:pPr algn="ctr"/>
+            <a:endParaRPr lang="en-US"/>
+          </a:p>
+        </p:txBody>
+      </p:sp>
+      <p:cxnSp>
+        <p:nvCxnSpPr>
+          <p:cNvPr id="6" name="Straight Arrow Connector 5">
+            <a:extLst>
+              <a:ext uri="{FF2B5EF4-FFF2-40B4-BE49-F238E27FC236}">
+                <a16:creationId xmlns:a16="http://schemas.microsoft.com/office/drawing/2014/main" id="{D46DEAA6-8C2E-2B52-879D-CAE216ED55FB}"/>
+              </a:ext>
+            </a:extLst>
+          </p:cNvPr>
+          <p:cNvCxnSpPr>
+            <a:stCxn id="4" idx="2"/>
+            <a:endCxn id="3" idx="0"/>
+          </p:cNvCxnSpPr>
+          <p:nvPr/>
+        </p:nvCxnSpPr>
+        <p:spPr>
+          <a:xfrm>
+            <a:off x="1891563" y="3305121"/>
+            <a:ext cx="21639" cy="198105"/>
+          </a:xfrm>
+          <a:prstGeom prst="straightConnector1">
+            <a:avLst/>
+          </a:prstGeom>
+          <a:ln>
+            <a:tailEnd type="triangle"/>
+          </a:ln>
+        </p:spPr>
+        <p:style>
+          <a:lnRef idx="2">
+            <a:schemeClr val="accent1"/>
+          </a:lnRef>
+          <a:fillRef idx="0">
+            <a:schemeClr val="accent1"/>
+          </a:fillRef>
+          <a:effectRef idx="1">
+            <a:schemeClr val="accent1"/>
+          </a:effectRef>
+          <a:fontRef idx="minor">
+            <a:schemeClr val="tx1"/>
+          </a:fontRef>
+        </p:style>
+      </p:cxnSp>
+      <p:sp>
+        <p:nvSpPr>
+          <p:cNvPr id="7" name="TextBox 6">
+            <a:extLst>
+              <a:ext uri="{FF2B5EF4-FFF2-40B4-BE49-F238E27FC236}">
+                <a16:creationId xmlns:a16="http://schemas.microsoft.com/office/drawing/2014/main" id="{BD104AE4-656F-00C4-C4A3-637836C03C49}"/>
+              </a:ext>
+            </a:extLst>
+          </p:cNvPr>
+          <p:cNvSpPr txBox="1"/>
+          <p:nvPr/>
+        </p:nvSpPr>
+        <p:spPr>
+          <a:xfrm>
+            <a:off x="845351" y="3175338"/>
+            <a:ext cx="980756" cy="307777"/>
+          </a:xfrm>
+          <a:prstGeom prst="rect">
+            <a:avLst/>
+          </a:prstGeom>
+          <a:noFill/>
+        </p:spPr>
+        <p:txBody>
+          <a:bodyPr wrap="square" rtlCol="0">
+            <a:spAutoFit/>
+          </a:bodyPr>
+          <a:lstStyle/>
+          <a:p>
+            <a:r>
+              <a:rPr lang="vi-VN" sz="1400" dirty="0">
+                <a:latin typeface="+mj-lt"/>
+              </a:rPr>
+              <a:t>Có câu hỏi</a:t>
+            </a:r>
+            <a:endParaRPr lang="en-US" sz="1400" dirty="0">
+              <a:latin typeface="+mj-lt"/>
+            </a:endParaRPr>
+          </a:p>
+        </p:txBody>
+      </p:sp>
+      <p:cxnSp>
+        <p:nvCxnSpPr>
+          <p:cNvPr id="24" name="Straight Arrow Connector 23">
+            <a:extLst>
+              <a:ext uri="{FF2B5EF4-FFF2-40B4-BE49-F238E27FC236}">
+                <a16:creationId xmlns:a16="http://schemas.microsoft.com/office/drawing/2014/main" id="{BBEF813D-420D-DE97-A7D3-0B5B377E1315}"/>
+              </a:ext>
+            </a:extLst>
+          </p:cNvPr>
+          <p:cNvCxnSpPr>
+            <a:cxnSpLocks/>
+          </p:cNvCxnSpPr>
+          <p:nvPr/>
+        </p:nvCxnSpPr>
+        <p:spPr>
+          <a:xfrm>
+            <a:off x="2129044" y="3167884"/>
+            <a:ext cx="1036557" cy="16174"/>
+          </a:xfrm>
+          <a:prstGeom prst="straightConnector1">
+            <a:avLst/>
+          </a:prstGeom>
+          <a:ln>
+            <a:tailEnd type="triangle"/>
+          </a:ln>
+        </p:spPr>
+        <p:style>
+          <a:lnRef idx="2">
+            <a:schemeClr val="accent1"/>
+          </a:lnRef>
+          <a:fillRef idx="0">
+            <a:schemeClr val="accent1"/>
+          </a:fillRef>
+          <a:effectRef idx="1">
+            <a:schemeClr val="accent1"/>
+          </a:effectRef>
+          <a:fontRef idx="minor">
+            <a:schemeClr val="tx1"/>
+          </a:fontRef>
+        </p:style>
+      </p:cxnSp>
+      <p:sp>
+        <p:nvSpPr>
+          <p:cNvPr id="26" name="TextBox 25">
+            <a:extLst>
+              <a:ext uri="{FF2B5EF4-FFF2-40B4-BE49-F238E27FC236}">
+                <a16:creationId xmlns:a16="http://schemas.microsoft.com/office/drawing/2014/main" id="{43AE7DA8-9011-416A-1451-425E34D78ED9}"/>
+              </a:ext>
+            </a:extLst>
+          </p:cNvPr>
+          <p:cNvSpPr txBox="1"/>
+          <p:nvPr/>
+        </p:nvSpPr>
+        <p:spPr>
+          <a:xfrm rot="20810635">
+            <a:off x="2244679" y="2631655"/>
+            <a:ext cx="2008337" cy="307777"/>
+          </a:xfrm>
+          <a:prstGeom prst="rect">
+            <a:avLst/>
+          </a:prstGeom>
+          <a:noFill/>
+        </p:spPr>
+        <p:txBody>
+          <a:bodyPr wrap="square" rtlCol="0">
+            <a:spAutoFit/>
+          </a:bodyPr>
+          <a:lstStyle/>
+          <a:p>
+            <a:r>
+              <a:rPr lang="vi-VN" sz="1400" dirty="0">
+                <a:latin typeface="+mj-lt"/>
+              </a:rPr>
+              <a:t>Không có câu hỏi</a:t>
+            </a:r>
+            <a:endParaRPr lang="en-US" sz="1400" dirty="0">
+              <a:latin typeface="+mj-lt"/>
+            </a:endParaRPr>
+          </a:p>
+        </p:txBody>
+      </p:sp>
+      <p:sp>
+        <p:nvSpPr>
+          <p:cNvPr id="38" name="Flowchart: Decision 37">
+            <a:extLst>
+              <a:ext uri="{FF2B5EF4-FFF2-40B4-BE49-F238E27FC236}">
+                <a16:creationId xmlns:a16="http://schemas.microsoft.com/office/drawing/2014/main" id="{1C7DCAF9-531A-1522-5C19-A73ED9CCFF5F}"/>
+              </a:ext>
+            </a:extLst>
+          </p:cNvPr>
+          <p:cNvSpPr/>
+          <p:nvPr/>
+        </p:nvSpPr>
+        <p:spPr>
+          <a:xfrm rot="5400000">
+            <a:off x="3039597" y="3078977"/>
+            <a:ext cx="522515" cy="270506"/>
+          </a:xfrm>
+          <a:prstGeom prst="flowChartDecision">
+            <a:avLst/>
+          </a:prstGeom>
+        </p:spPr>
+        <p:style>
+          <a:lnRef idx="2">
+            <a:schemeClr val="accent6"/>
+          </a:lnRef>
+          <a:fillRef idx="1">
+            <a:schemeClr val="lt1"/>
+          </a:fillRef>
+          <a:effectRef idx="0">
+            <a:schemeClr val="accent6"/>
+          </a:effectRef>
+          <a:fontRef idx="minor">
+            <a:schemeClr val="dk1"/>
+          </a:fontRef>
+        </p:style>
+        <p:txBody>
+          <a:bodyPr rtlCol="0" anchor="ctr"/>
+          <a:lstStyle/>
+          <a:p>
+            <a:pPr algn="ctr"/>
+            <a:endParaRPr lang="en-US"/>
+          </a:p>
+        </p:txBody>
+      </p:sp>
+      <p:cxnSp>
+        <p:nvCxnSpPr>
+          <p:cNvPr id="42" name="Straight Arrow Connector 41">
+            <a:extLst>
+              <a:ext uri="{FF2B5EF4-FFF2-40B4-BE49-F238E27FC236}">
+                <a16:creationId xmlns:a16="http://schemas.microsoft.com/office/drawing/2014/main" id="{46626C8F-54BB-4888-C3FF-5D4345D3584E}"/>
+              </a:ext>
+            </a:extLst>
+          </p:cNvPr>
+          <p:cNvCxnSpPr>
+            <a:stCxn id="3" idx="3"/>
+          </p:cNvCxnSpPr>
+          <p:nvPr/>
+        </p:nvCxnSpPr>
+        <p:spPr>
+          <a:xfrm flipV="1">
+            <a:off x="2572440" y="3241772"/>
+            <a:ext cx="537360" cy="414210"/>
+          </a:xfrm>
+          <a:prstGeom prst="straightConnector1">
+            <a:avLst/>
+          </a:prstGeom>
+          <a:ln>
+            <a:tailEnd type="triangle"/>
+          </a:ln>
+        </p:spPr>
+        <p:style>
+          <a:lnRef idx="2">
+            <a:schemeClr val="accent1"/>
+          </a:lnRef>
+          <a:fillRef idx="0">
+            <a:schemeClr val="accent1"/>
+          </a:fillRef>
+          <a:effectRef idx="1">
+            <a:schemeClr val="accent1"/>
+          </a:effectRef>
+          <a:fontRef idx="minor">
+            <a:schemeClr val="tx1"/>
+          </a:fontRef>
+        </p:style>
+      </p:cxnSp>
+      <p:cxnSp>
+        <p:nvCxnSpPr>
+          <p:cNvPr id="45" name="Straight Arrow Connector 44">
+            <a:extLst>
+              <a:ext uri="{FF2B5EF4-FFF2-40B4-BE49-F238E27FC236}">
+                <a16:creationId xmlns:a16="http://schemas.microsoft.com/office/drawing/2014/main" id="{25E92BE4-5DD5-392D-6429-B162EDD02C07}"/>
+              </a:ext>
+            </a:extLst>
+          </p:cNvPr>
+          <p:cNvCxnSpPr>
+            <a:cxnSpLocks/>
+            <a:endCxn id="20" idx="1"/>
+          </p:cNvCxnSpPr>
+          <p:nvPr/>
+        </p:nvCxnSpPr>
+        <p:spPr>
+          <a:xfrm flipV="1">
+            <a:off x="3436108" y="2597641"/>
+            <a:ext cx="1716259" cy="627353"/>
+          </a:xfrm>
+          <a:prstGeom prst="straightConnector1">
+            <a:avLst/>
+          </a:prstGeom>
+          <a:ln>
+            <a:tailEnd type="triangle"/>
+          </a:ln>
+        </p:spPr>
+        <p:style>
+          <a:lnRef idx="2">
+            <a:schemeClr val="accent1"/>
+          </a:lnRef>
+          <a:fillRef idx="0">
+            <a:schemeClr val="accent1"/>
+          </a:fillRef>
+          <a:effectRef idx="1">
+            <a:schemeClr val="accent1"/>
+          </a:effectRef>
+          <a:fontRef idx="minor">
+            <a:schemeClr val="tx1"/>
+          </a:fontRef>
+        </p:style>
+      </p:cxnSp>
+    </p:spTree>
+    <p:extLst>
+      <p:ext uri="{BB962C8B-B14F-4D97-AF65-F5344CB8AC3E}">
+        <p14:creationId xmlns:p14="http://schemas.microsoft.com/office/powerpoint/2010/main" val="1985618883"/>
       </p:ext>
     </p:extLst>
   </p:cSld>
@@ -7244,4 +11284,319 @@
     </a:ext>
   </a:extLst>
 </a:theme>
+</file>
+
+<file path=ppt/theme/theme2.xml><?xml version="1.0" encoding="utf-8"?>
+<a:theme xmlns:a="http://schemas.openxmlformats.org/drawingml/2006/main" name="Office Theme">
+  <a:themeElements>
+    <a:clrScheme name="Office">
+      <a:dk1>
+        <a:sysClr val="windowText" lastClr="000000"/>
+      </a:dk1>
+      <a:lt1>
+        <a:sysClr val="window" lastClr="FFFFFF"/>
+      </a:lt1>
+      <a:dk2>
+        <a:srgbClr val="0E2841"/>
+      </a:dk2>
+      <a:lt2>
+        <a:srgbClr val="E8E8E8"/>
+      </a:lt2>
+      <a:accent1>
+        <a:srgbClr val="156082"/>
+      </a:accent1>
+      <a:accent2>
+        <a:srgbClr val="E97132"/>
+      </a:accent2>
+      <a:accent3>
+        <a:srgbClr val="196B24"/>
+      </a:accent3>
+      <a:accent4>
+        <a:srgbClr val="0F9ED5"/>
+      </a:accent4>
+      <a:accent5>
+        <a:srgbClr val="A02B93"/>
+      </a:accent5>
+      <a:accent6>
+        <a:srgbClr val="4EA72E"/>
+      </a:accent6>
+      <a:hlink>
+        <a:srgbClr val="467886"/>
+      </a:hlink>
+      <a:folHlink>
+        <a:srgbClr val="96607D"/>
+      </a:folHlink>
+    </a:clrScheme>
+    <a:fontScheme name="Office">
+      <a:majorFont>
+        <a:latin typeface="Aptos Display" panose="02110004020202020204"/>
+        <a:ea typeface=""/>
+        <a:cs typeface=""/>
+        <a:font script="Jpan" typeface="游ゴシック Light"/>
+        <a:font script="Hang" typeface="맑은 고딕"/>
+        <a:font script="Hans" typeface="等线 Light"/>
+        <a:font script="Hant" typeface="新細明體"/>
+        <a:font script="Arab" typeface="Times New Roman"/>
+        <a:font script="Hebr" typeface="Times New Roman"/>
+        <a:font script="Thai" typeface="Angsana New"/>
+        <a:font script="Ethi" typeface="Nyala"/>
+        <a:font script="Beng" typeface="Vrinda"/>
+        <a:font script="Gujr" typeface="Shruti"/>
+        <a:font script="Khmr" typeface="MoolBoran"/>
+        <a:font script="Knda" typeface="Tunga"/>
+        <a:font script="Guru" typeface="Raavi"/>
+        <a:font script="Cans" typeface="Euphemia"/>
+        <a:font script="Cher" typeface="Plantagenet Cherokee"/>
+        <a:font script="Yiii" typeface="Microsoft Yi Baiti"/>
+        <a:font script="Tibt" typeface="Microsoft Himalaya"/>
+        <a:font script="Thaa" typeface="MV Boli"/>
+        <a:font script="Deva" typeface="Mangal"/>
+        <a:font script="Telu" typeface="Gautami"/>
+        <a:font script="Taml" typeface="Latha"/>
+        <a:font script="Syrc" typeface="Estrangelo Edessa"/>
+        <a:font script="Orya" typeface="Kalinga"/>
+        <a:font script="Mlym" typeface="Kartika"/>
+        <a:font script="Laoo" typeface="DokChampa"/>
+        <a:font script="Sinh" typeface="Iskoola Pota"/>
+        <a:font script="Mong" typeface="Mongolian Baiti"/>
+        <a:font script="Viet" typeface="Times New Roman"/>
+        <a:font script="Uigh" typeface="Microsoft Uighur"/>
+        <a:font script="Geor" typeface="Sylfaen"/>
+        <a:font script="Armn" typeface="Arial"/>
+        <a:font script="Bugi" typeface="Leelawadee UI"/>
+        <a:font script="Bopo" typeface="Microsoft JhengHei"/>
+        <a:font script="Java" typeface="Javanese Text"/>
+        <a:font script="Lisu" typeface="Segoe UI"/>
+        <a:font script="Mymr" typeface="Myanmar Text"/>
+        <a:font script="Nkoo" typeface="Ebrima"/>
+        <a:font script="Olck" typeface="Nirmala UI"/>
+        <a:font script="Osma" typeface="Ebrima"/>
+        <a:font script="Phag" typeface="Phagspa"/>
+        <a:font script="Syrn" typeface="Estrangelo Edessa"/>
+        <a:font script="Syrj" typeface="Estrangelo Edessa"/>
+        <a:font script="Syre" typeface="Estrangelo Edessa"/>
+        <a:font script="Sora" typeface="Nirmala UI"/>
+        <a:font script="Tale" typeface="Microsoft Tai Le"/>
+        <a:font script="Talu" typeface="Microsoft New Tai Lue"/>
+        <a:font script="Tfng" typeface="Ebrima"/>
+      </a:majorFont>
+      <a:minorFont>
+        <a:latin typeface="Aptos" panose="02110004020202020204"/>
+        <a:ea typeface=""/>
+        <a:cs typeface=""/>
+        <a:font script="Jpan" typeface="游ゴシック"/>
+        <a:font script="Hang" typeface="맑은 고딕"/>
+        <a:font script="Hans" typeface="等线"/>
+        <a:font script="Hant" typeface="新細明體"/>
+        <a:font script="Arab" typeface="Arial"/>
+        <a:font script="Hebr" typeface="Arial"/>
+        <a:font script="Thai" typeface="Cordia New"/>
+        <a:font script="Ethi" typeface="Nyala"/>
+        <a:font script="Beng" typeface="Vrinda"/>
+        <a:font script="Gujr" typeface="Shruti"/>
+        <a:font script="Khmr" typeface="DaunPenh"/>
+        <a:font script="Knda" typeface="Tunga"/>
+        <a:font script="Guru" typeface="Raavi"/>
+        <a:font script="Cans" typeface="Euphemia"/>
+        <a:font script="Cher" typeface="Plantagenet Cherokee"/>
+        <a:font script="Yiii" typeface="Microsoft Yi Baiti"/>
+        <a:font script="Tibt" typeface="Microsoft Himalaya"/>
+        <a:font script="Thaa" typeface="MV Boli"/>
+        <a:font script="Deva" typeface="Mangal"/>
+        <a:font script="Telu" typeface="Gautami"/>
+        <a:font script="Taml" typeface="Latha"/>
+        <a:font script="Syrc" typeface="Estrangelo Edessa"/>
+        <a:font script="Orya" typeface="Kalinga"/>
+        <a:font script="Mlym" typeface="Kartika"/>
+        <a:font script="Laoo" typeface="DokChampa"/>
+        <a:font script="Sinh" typeface="Iskoola Pota"/>
+        <a:font script="Mong" typeface="Mongolian Baiti"/>
+        <a:font script="Viet" typeface="Arial"/>
+        <a:font script="Uigh" typeface="Microsoft Uighur"/>
+        <a:font script="Geor" typeface="Sylfaen"/>
+        <a:font script="Armn" typeface="Arial"/>
+        <a:font script="Bugi" typeface="Leelawadee UI"/>
+        <a:font script="Bopo" typeface="Microsoft JhengHei"/>
+        <a:font script="Java" typeface="Javanese Text"/>
+        <a:font script="Lisu" typeface="Segoe UI"/>
+        <a:font script="Mymr" typeface="Myanmar Text"/>
+        <a:font script="Nkoo" typeface="Ebrima"/>
+        <a:font script="Olck" typeface="Nirmala UI"/>
+        <a:font script="Osma" typeface="Ebrima"/>
+        <a:font script="Phag" typeface="Phagspa"/>
+        <a:font script="Syrn" typeface="Estrangelo Edessa"/>
+        <a:font script="Syrj" typeface="Estrangelo Edessa"/>
+        <a:font script="Syre" typeface="Estrangelo Edessa"/>
+        <a:font script="Sora" typeface="Nirmala UI"/>
+        <a:font script="Tale" typeface="Microsoft Tai Le"/>
+        <a:font script="Talu" typeface="Microsoft New Tai Lue"/>
+        <a:font script="Tfng" typeface="Ebrima"/>
+      </a:minorFont>
+    </a:fontScheme>
+    <a:fmtScheme name="Office">
+      <a:fillStyleLst>
+        <a:solidFill>
+          <a:schemeClr val="phClr"/>
+        </a:solidFill>
+        <a:gradFill rotWithShape="1">
+          <a:gsLst>
+            <a:gs pos="0">
+              <a:schemeClr val="phClr">
+                <a:lumMod val="110000"/>
+                <a:satMod val="105000"/>
+                <a:tint val="67000"/>
+              </a:schemeClr>
+            </a:gs>
+            <a:gs pos="50000">
+              <a:schemeClr val="phClr">
+                <a:lumMod val="105000"/>
+                <a:satMod val="103000"/>
+                <a:tint val="73000"/>
+              </a:schemeClr>
+            </a:gs>
+            <a:gs pos="100000">
+              <a:schemeClr val="phClr">
+                <a:lumMod val="105000"/>
+                <a:satMod val="109000"/>
+                <a:tint val="81000"/>
+              </a:schemeClr>
+            </a:gs>
+          </a:gsLst>
+          <a:lin ang="5400000" scaled="0"/>
+        </a:gradFill>
+        <a:gradFill rotWithShape="1">
+          <a:gsLst>
+            <a:gs pos="0">
+              <a:schemeClr val="phClr">
+                <a:satMod val="103000"/>
+                <a:lumMod val="102000"/>
+                <a:tint val="94000"/>
+              </a:schemeClr>
+            </a:gs>
+            <a:gs pos="50000">
+              <a:schemeClr val="phClr">
+                <a:satMod val="110000"/>
+                <a:lumMod val="100000"/>
+                <a:shade val="100000"/>
+              </a:schemeClr>
+            </a:gs>
+            <a:gs pos="100000">
+              <a:schemeClr val="phClr">
+                <a:lumMod val="99000"/>
+                <a:satMod val="120000"/>
+                <a:shade val="78000"/>
+              </a:schemeClr>
+            </a:gs>
+          </a:gsLst>
+          <a:lin ang="5400000" scaled="0"/>
+        </a:gradFill>
+      </a:fillStyleLst>
+      <a:lnStyleLst>
+        <a:ln w="12700" cap="flat" cmpd="sng" algn="ctr">
+          <a:solidFill>
+            <a:schemeClr val="phClr"/>
+          </a:solidFill>
+          <a:prstDash val="solid"/>
+          <a:miter lim="800000"/>
+        </a:ln>
+        <a:ln w="19050" cap="flat" cmpd="sng" algn="ctr">
+          <a:solidFill>
+            <a:schemeClr val="phClr"/>
+          </a:solidFill>
+          <a:prstDash val="solid"/>
+          <a:miter lim="800000"/>
+        </a:ln>
+        <a:ln w="25400" cap="flat" cmpd="sng" algn="ctr">
+          <a:solidFill>
+            <a:schemeClr val="phClr"/>
+          </a:solidFill>
+          <a:prstDash val="solid"/>
+          <a:miter lim="800000"/>
+        </a:ln>
+      </a:lnStyleLst>
+      <a:effectStyleLst>
+        <a:effectStyle>
+          <a:effectLst/>
+        </a:effectStyle>
+        <a:effectStyle>
+          <a:effectLst/>
+        </a:effectStyle>
+        <a:effectStyle>
+          <a:effectLst>
+            <a:outerShdw blurRad="57150" dist="19050" dir="5400000" algn="ctr" rotWithShape="0">
+              <a:srgbClr val="000000">
+                <a:alpha val="63000"/>
+              </a:srgbClr>
+            </a:outerShdw>
+          </a:effectLst>
+        </a:effectStyle>
+      </a:effectStyleLst>
+      <a:bgFillStyleLst>
+        <a:solidFill>
+          <a:schemeClr val="phClr"/>
+        </a:solidFill>
+        <a:solidFill>
+          <a:schemeClr val="phClr">
+            <a:tint val="95000"/>
+            <a:satMod val="170000"/>
+          </a:schemeClr>
+        </a:solidFill>
+        <a:gradFill rotWithShape="1">
+          <a:gsLst>
+            <a:gs pos="0">
+              <a:schemeClr val="phClr">
+                <a:tint val="93000"/>
+                <a:satMod val="150000"/>
+                <a:shade val="98000"/>
+                <a:lumMod val="102000"/>
+              </a:schemeClr>
+            </a:gs>
+            <a:gs pos="50000">
+              <a:schemeClr val="phClr">
+                <a:tint val="98000"/>
+                <a:satMod val="130000"/>
+                <a:shade val="90000"/>
+                <a:lumMod val="103000"/>
+              </a:schemeClr>
+            </a:gs>
+            <a:gs pos="100000">
+              <a:schemeClr val="phClr">
+                <a:shade val="63000"/>
+                <a:satMod val="120000"/>
+              </a:schemeClr>
+            </a:gs>
+          </a:gsLst>
+          <a:lin ang="5400000" scaled="0"/>
+        </a:gradFill>
+      </a:bgFillStyleLst>
+    </a:fmtScheme>
+  </a:themeElements>
+  <a:objectDefaults>
+    <a:lnDef>
+      <a:spPr/>
+      <a:bodyPr/>
+      <a:lstStyle/>
+      <a:style>
+        <a:lnRef idx="2">
+          <a:schemeClr val="accent1"/>
+        </a:lnRef>
+        <a:fillRef idx="0">
+          <a:schemeClr val="accent1"/>
+        </a:fillRef>
+        <a:effectRef idx="1">
+          <a:schemeClr val="accent1"/>
+        </a:effectRef>
+        <a:fontRef idx="minor">
+          <a:schemeClr val="tx1"/>
+        </a:fontRef>
+      </a:style>
+    </a:lnDef>
+  </a:objectDefaults>
+  <a:extraClrSchemeLst/>
+  <a:extLst>
+    <a:ext uri="{05A4C25C-085E-4340-85A3-A5531E510DB2}">
+      <thm15:themeFamily xmlns:thm15="http://schemas.microsoft.com/office/thememl/2012/main" name="Office Theme" id="{2E142A2C-CD16-42D6-873A-C26D2A0506FA}" vid="{1BDDFF52-6CD6-40A5-AB3C-68EB2F1E4D0A}"/>
+    </a:ext>
+  </a:extLst>
+</a:theme>
 </file>